--- a/Beyond the Batter’s Box.pptx
+++ b/Beyond the Batter’s Box.pptx
@@ -1,26 +1,28 @@
 
 <file path=ppt/presentation.xml><?xml version="1.0" encoding="utf-8"?>
-<p:presentation xmlns:a="http://schemas.openxmlformats.org/drawingml/2006/main" xmlns:r="http://schemas.openxmlformats.org/officeDocument/2006/relationships" xmlns:mc="http://schemas.openxmlformats.org/markup-compatibility/2006" xmlns:mv="urn:schemas-microsoft-com:mac:vml" xmlns:p="http://schemas.openxmlformats.org/presentationml/2006/main" xmlns:c="http://schemas.openxmlformats.org/drawingml/2006/chart" xmlns:dgm="http://schemas.openxmlformats.org/drawingml/2006/diagram" xmlns:o="urn:schemas-microsoft-com:office:office" xmlns:v="urn:schemas-microsoft-com:vml" xmlns:pvml="urn:schemas-microsoft-com:office:powerpoint" xmlns:com="http://schemas.openxmlformats.org/drawingml/2006/compatibility" xmlns:p14="http://schemas.microsoft.com/office/powerpoint/2010/main" xmlns:p15="http://schemas.microsoft.com/office/powerpoint/2012/main" xmlns:ahyp="http://schemas.microsoft.com/office/drawing/2018/hyperlinkcolor" autoCompressPictures="0" strictFirstAndLastChars="0" saveSubsetFonts="1">
+<p:presentation xmlns:a="http://schemas.openxmlformats.org/drawingml/2006/main" xmlns:r="http://schemas.openxmlformats.org/officeDocument/2006/relationships" xmlns:p="http://schemas.openxmlformats.org/presentationml/2006/main" strictFirstAndLastChars="0" saveSubsetFonts="1" autoCompressPictures="0">
   <p:sldMasterIdLst>
-    <p:sldMasterId id="2147483659" r:id="rId4"/>
+    <p:sldMasterId id="2147483659" r:id="rId1"/>
   </p:sldMasterIdLst>
   <p:notesMasterIdLst>
-    <p:notesMasterId r:id="rId5"/>
+    <p:notesMasterId r:id="rId12"/>
   </p:notesMasterIdLst>
   <p:sldIdLst>
-    <p:sldId id="256" r:id="rId6"/>
-    <p:sldId id="257" r:id="rId7"/>
-    <p:sldId id="258" r:id="rId8"/>
-    <p:sldId id="259" r:id="rId9"/>
-    <p:sldId id="260" r:id="rId10"/>
-    <p:sldId id="261" r:id="rId11"/>
-    <p:sldId id="262" r:id="rId12"/>
-    <p:sldId id="263" r:id="rId13"/>
+    <p:sldId id="256" r:id="rId2"/>
+    <p:sldId id="257" r:id="rId3"/>
+    <p:sldId id="258" r:id="rId4"/>
+    <p:sldId id="259" r:id="rId5"/>
+    <p:sldId id="260" r:id="rId6"/>
+    <p:sldId id="261" r:id="rId7"/>
+    <p:sldId id="264" r:id="rId8"/>
+    <p:sldId id="262" r:id="rId9"/>
+    <p:sldId id="265" r:id="rId10"/>
+    <p:sldId id="263" r:id="rId11"/>
   </p:sldIdLst>
-  <p:sldSz cy="5143500" cx="9144000"/>
+  <p:sldSz cx="9144000" cy="5143500" type="screen16x9"/>
   <p:notesSz cx="6858000" cy="9144000"/>
   <p:defaultTextStyle>
-    <a:defPPr lvl="0" marR="0" rtl="0" algn="l">
+    <a:defPPr marR="0" lvl="0" algn="l" rtl="0">
       <a:lnSpc>
         <a:spcPct val="100000"/>
       </a:lnSpc>
@@ -31,7 +33,7 @@
         <a:spcPts val="0"/>
       </a:spcAft>
     </a:defPPr>
-    <a:lvl1pPr lvl="0" marR="0" rtl="0" algn="l">
+    <a:lvl1pPr marR="0" lvl="0" algn="l" rtl="0">
       <a:lnSpc>
         <a:spcPct val="100000"/>
       </a:lnSpc>
@@ -45,7 +47,7 @@
         <a:srgbClr val="000000"/>
       </a:buClr>
       <a:buFont typeface="Arial"/>
-      <a:defRPr b="0" i="0" sz="1400" u="none" cap="none" strike="noStrike">
+      <a:defRPr sz="1400" b="0" i="0" u="none" strike="noStrike" cap="none">
         <a:solidFill>
           <a:srgbClr val="000000"/>
         </a:solidFill>
@@ -55,7 +57,7 @@
         <a:sym typeface="Arial"/>
       </a:defRPr>
     </a:lvl1pPr>
-    <a:lvl2pPr lvl="1" marR="0" rtl="0" algn="l">
+    <a:lvl2pPr marR="0" lvl="1" algn="l" rtl="0">
       <a:lnSpc>
         <a:spcPct val="100000"/>
       </a:lnSpc>
@@ -69,7 +71,7 @@
         <a:srgbClr val="000000"/>
       </a:buClr>
       <a:buFont typeface="Arial"/>
-      <a:defRPr b="0" i="0" sz="1400" u="none" cap="none" strike="noStrike">
+      <a:defRPr sz="1400" b="0" i="0" u="none" strike="noStrike" cap="none">
         <a:solidFill>
           <a:srgbClr val="000000"/>
         </a:solidFill>
@@ -79,7 +81,7 @@
         <a:sym typeface="Arial"/>
       </a:defRPr>
     </a:lvl2pPr>
-    <a:lvl3pPr lvl="2" marR="0" rtl="0" algn="l">
+    <a:lvl3pPr marR="0" lvl="2" algn="l" rtl="0">
       <a:lnSpc>
         <a:spcPct val="100000"/>
       </a:lnSpc>
@@ -93,7 +95,7 @@
         <a:srgbClr val="000000"/>
       </a:buClr>
       <a:buFont typeface="Arial"/>
-      <a:defRPr b="0" i="0" sz="1400" u="none" cap="none" strike="noStrike">
+      <a:defRPr sz="1400" b="0" i="0" u="none" strike="noStrike" cap="none">
         <a:solidFill>
           <a:srgbClr val="000000"/>
         </a:solidFill>
@@ -103,7 +105,7 @@
         <a:sym typeface="Arial"/>
       </a:defRPr>
     </a:lvl3pPr>
-    <a:lvl4pPr lvl="3" marR="0" rtl="0" algn="l">
+    <a:lvl4pPr marR="0" lvl="3" algn="l" rtl="0">
       <a:lnSpc>
         <a:spcPct val="100000"/>
       </a:lnSpc>
@@ -117,7 +119,7 @@
         <a:srgbClr val="000000"/>
       </a:buClr>
       <a:buFont typeface="Arial"/>
-      <a:defRPr b="0" i="0" sz="1400" u="none" cap="none" strike="noStrike">
+      <a:defRPr sz="1400" b="0" i="0" u="none" strike="noStrike" cap="none">
         <a:solidFill>
           <a:srgbClr val="000000"/>
         </a:solidFill>
@@ -127,7 +129,7 @@
         <a:sym typeface="Arial"/>
       </a:defRPr>
     </a:lvl4pPr>
-    <a:lvl5pPr lvl="4" marR="0" rtl="0" algn="l">
+    <a:lvl5pPr marR="0" lvl="4" algn="l" rtl="0">
       <a:lnSpc>
         <a:spcPct val="100000"/>
       </a:lnSpc>
@@ -141,7 +143,7 @@
         <a:srgbClr val="000000"/>
       </a:buClr>
       <a:buFont typeface="Arial"/>
-      <a:defRPr b="0" i="0" sz="1400" u="none" cap="none" strike="noStrike">
+      <a:defRPr sz="1400" b="0" i="0" u="none" strike="noStrike" cap="none">
         <a:solidFill>
           <a:srgbClr val="000000"/>
         </a:solidFill>
@@ -151,7 +153,7 @@
         <a:sym typeface="Arial"/>
       </a:defRPr>
     </a:lvl5pPr>
-    <a:lvl6pPr lvl="5" marR="0" rtl="0" algn="l">
+    <a:lvl6pPr marR="0" lvl="5" algn="l" rtl="0">
       <a:lnSpc>
         <a:spcPct val="100000"/>
       </a:lnSpc>
@@ -165,7 +167,7 @@
         <a:srgbClr val="000000"/>
       </a:buClr>
       <a:buFont typeface="Arial"/>
-      <a:defRPr b="0" i="0" sz="1400" u="none" cap="none" strike="noStrike">
+      <a:defRPr sz="1400" b="0" i="0" u="none" strike="noStrike" cap="none">
         <a:solidFill>
           <a:srgbClr val="000000"/>
         </a:solidFill>
@@ -175,7 +177,7 @@
         <a:sym typeface="Arial"/>
       </a:defRPr>
     </a:lvl6pPr>
-    <a:lvl7pPr lvl="6" marR="0" rtl="0" algn="l">
+    <a:lvl7pPr marR="0" lvl="6" algn="l" rtl="0">
       <a:lnSpc>
         <a:spcPct val="100000"/>
       </a:lnSpc>
@@ -189,7 +191,7 @@
         <a:srgbClr val="000000"/>
       </a:buClr>
       <a:buFont typeface="Arial"/>
-      <a:defRPr b="0" i="0" sz="1400" u="none" cap="none" strike="noStrike">
+      <a:defRPr sz="1400" b="0" i="0" u="none" strike="noStrike" cap="none">
         <a:solidFill>
           <a:srgbClr val="000000"/>
         </a:solidFill>
@@ -199,7 +201,7 @@
         <a:sym typeface="Arial"/>
       </a:defRPr>
     </a:lvl7pPr>
-    <a:lvl8pPr lvl="7" marR="0" rtl="0" algn="l">
+    <a:lvl8pPr marR="0" lvl="7" algn="l" rtl="0">
       <a:lnSpc>
         <a:spcPct val="100000"/>
       </a:lnSpc>
@@ -213,7 +215,7 @@
         <a:srgbClr val="000000"/>
       </a:buClr>
       <a:buFont typeface="Arial"/>
-      <a:defRPr b="0" i="0" sz="1400" u="none" cap="none" strike="noStrike">
+      <a:defRPr sz="1400" b="0" i="0" u="none" strike="noStrike" cap="none">
         <a:solidFill>
           <a:srgbClr val="000000"/>
         </a:solidFill>
@@ -223,7 +225,7 @@
         <a:sym typeface="Arial"/>
       </a:defRPr>
     </a:lvl8pPr>
-    <a:lvl9pPr lvl="8" marR="0" rtl="0" algn="l">
+    <a:lvl9pPr marR="0" lvl="8" algn="l" rtl="0">
       <a:lnSpc>
         <a:spcPct val="100000"/>
       </a:lnSpc>
@@ -237,7 +239,7 @@
         <a:srgbClr val="000000"/>
       </a:buClr>
       <a:buFont typeface="Arial"/>
-      <a:defRPr b="0" i="0" sz="1400" u="none" cap="none" strike="noStrike">
+      <a:defRPr sz="1400" b="0" i="0" u="none" strike="noStrike" cap="none">
         <a:solidFill>
           <a:srgbClr val="000000"/>
         </a:solidFill>
@@ -250,7 +252,7 @@
   </p:defaultTextStyle>
   <p:extLst>
     <p:ext uri="{EFAFB233-063F-42B5-8137-9DF3F51BA10A}">
-      <p15:sldGuideLst>
+      <p15:sldGuideLst xmlns:p15="http://schemas.microsoft.com/office/powerpoint/2012/main">
         <p15:guide id="1" orient="horz" pos="1620">
           <p15:clr>
             <a:srgbClr val="A4A3A4"/>
@@ -267,12 +269,203 @@
 </p:presentation>
 </file>
 
+<file path=ppt/revisionInfo.xml><?xml version="1.0" encoding="utf-8"?>
+<p1510:revInfo xmlns:a="http://schemas.openxmlformats.org/drawingml/2006/main" xmlns:r="http://schemas.openxmlformats.org/officeDocument/2006/relationships" xmlns:p1510="http://schemas.microsoft.com/office/powerpoint/2015/10/main">
+  <p1510:revLst>
+    <p1510:client id="{439F4DC2-1BEF-4D00-ADBB-FDF2ED473DF3}" v="79" dt="2021-03-14T03:31:43.963"/>
+  </p1510:revLst>
+</p1510:revInfo>
+</file>
+
+<file path=ppt/changesInfos/changesInfo1.xml><?xml version="1.0" encoding="utf-8"?>
+<pc:chgInfo xmlns:a="http://schemas.openxmlformats.org/drawingml/2006/main" xmlns:r="http://schemas.openxmlformats.org/officeDocument/2006/relationships" xmlns:ac="http://schemas.microsoft.com/office/drawing/2013/main/command" xmlns:pc="http://schemas.microsoft.com/office/powerpoint/2013/main/command">
+  <pc:docChgLst>
+    <pc:chgData name="David Fashbinder" userId="ed5d1e420f1dc8e1" providerId="LiveId" clId="{439F4DC2-1BEF-4D00-ADBB-FDF2ED473DF3}"/>
+    <pc:docChg chg="custSel addSld modSld">
+      <pc:chgData name="David Fashbinder" userId="ed5d1e420f1dc8e1" providerId="LiveId" clId="{439F4DC2-1BEF-4D00-ADBB-FDF2ED473DF3}" dt="2021-03-14T03:31:43.960" v="154" actId="732"/>
+      <pc:docMkLst>
+        <pc:docMk/>
+      </pc:docMkLst>
+      <pc:sldChg chg="addSp delSp modSp mod modNotes">
+        <pc:chgData name="David Fashbinder" userId="ed5d1e420f1dc8e1" providerId="LiveId" clId="{439F4DC2-1BEF-4D00-ADBB-FDF2ED473DF3}" dt="2021-03-14T03:05:17.468" v="46" actId="20577"/>
+        <pc:sldMkLst>
+          <pc:docMk/>
+          <pc:sldMk cId="0" sldId="261"/>
+        </pc:sldMkLst>
+        <pc:spChg chg="add del">
+          <ac:chgData name="David Fashbinder" userId="ed5d1e420f1dc8e1" providerId="LiveId" clId="{439F4DC2-1BEF-4D00-ADBB-FDF2ED473DF3}" dt="2021-03-14T03:03:55.334" v="1"/>
+          <ac:spMkLst>
+            <pc:docMk/>
+            <pc:sldMk cId="0" sldId="261"/>
+            <ac:spMk id="2" creationId="{04D83945-E103-4AF0-B9A8-F9FD0C9E379A}"/>
+          </ac:spMkLst>
+        </pc:spChg>
+        <pc:spChg chg="add del">
+          <ac:chgData name="David Fashbinder" userId="ed5d1e420f1dc8e1" providerId="LiveId" clId="{439F4DC2-1BEF-4D00-ADBB-FDF2ED473DF3}" dt="2021-03-14T03:03:55.334" v="1"/>
+          <ac:spMkLst>
+            <pc:docMk/>
+            <pc:sldMk cId="0" sldId="261"/>
+            <ac:spMk id="3" creationId="{D7C64D86-C23F-41FE-BF45-2637A40458B1}"/>
+          </ac:spMkLst>
+        </pc:spChg>
+        <pc:spChg chg="add del">
+          <ac:chgData name="David Fashbinder" userId="ed5d1e420f1dc8e1" providerId="LiveId" clId="{439F4DC2-1BEF-4D00-ADBB-FDF2ED473DF3}" dt="2021-03-14T03:03:57.975" v="3"/>
+          <ac:spMkLst>
+            <pc:docMk/>
+            <pc:sldMk cId="0" sldId="261"/>
+            <ac:spMk id="4" creationId="{2238F62D-B0DD-491A-BAD2-40346BE9F51A}"/>
+          </ac:spMkLst>
+        </pc:spChg>
+        <pc:spChg chg="add del">
+          <ac:chgData name="David Fashbinder" userId="ed5d1e420f1dc8e1" providerId="LiveId" clId="{439F4DC2-1BEF-4D00-ADBB-FDF2ED473DF3}" dt="2021-03-14T03:03:57.975" v="3"/>
+          <ac:spMkLst>
+            <pc:docMk/>
+            <pc:sldMk cId="0" sldId="261"/>
+            <ac:spMk id="5" creationId="{06EF63B3-C05E-4712-827D-E71F74D98E60}"/>
+          </ac:spMkLst>
+        </pc:spChg>
+        <pc:spChg chg="mod">
+          <ac:chgData name="David Fashbinder" userId="ed5d1e420f1dc8e1" providerId="LiveId" clId="{439F4DC2-1BEF-4D00-ADBB-FDF2ED473DF3}" dt="2021-03-14T03:05:17.468" v="46" actId="20577"/>
+          <ac:spMkLst>
+            <pc:docMk/>
+            <pc:sldMk cId="0" sldId="261"/>
+            <ac:spMk id="85" creationId="{00000000-0000-0000-0000-000000000000}"/>
+          </ac:spMkLst>
+        </pc:spChg>
+      </pc:sldChg>
+      <pc:sldChg chg="addSp delSp modSp mod">
+        <pc:chgData name="David Fashbinder" userId="ed5d1e420f1dc8e1" providerId="LiveId" clId="{439F4DC2-1BEF-4D00-ADBB-FDF2ED473DF3}" dt="2021-03-14T03:28:57.058" v="89" actId="1076"/>
+        <pc:sldMkLst>
+          <pc:docMk/>
+          <pc:sldMk cId="0" sldId="262"/>
+        </pc:sldMkLst>
+        <pc:spChg chg="del mod">
+          <ac:chgData name="David Fashbinder" userId="ed5d1e420f1dc8e1" providerId="LiveId" clId="{439F4DC2-1BEF-4D00-ADBB-FDF2ED473DF3}" dt="2021-03-14T03:28:32.974" v="85" actId="478"/>
+          <ac:spMkLst>
+            <pc:docMk/>
+            <pc:sldMk cId="0" sldId="262"/>
+            <ac:spMk id="91" creationId="{00000000-0000-0000-0000-000000000000}"/>
+          </ac:spMkLst>
+        </pc:spChg>
+        <pc:picChg chg="add mod">
+          <ac:chgData name="David Fashbinder" userId="ed5d1e420f1dc8e1" providerId="LiveId" clId="{439F4DC2-1BEF-4D00-ADBB-FDF2ED473DF3}" dt="2021-03-14T03:28:37.148" v="87" actId="1076"/>
+          <ac:picMkLst>
+            <pc:docMk/>
+            <pc:sldMk cId="0" sldId="262"/>
+            <ac:picMk id="3074" creationId="{ACD536C7-D465-4E0A-9F75-4DF6E5669397}"/>
+          </ac:picMkLst>
+        </pc:picChg>
+        <pc:picChg chg="add mod">
+          <ac:chgData name="David Fashbinder" userId="ed5d1e420f1dc8e1" providerId="LiveId" clId="{439F4DC2-1BEF-4D00-ADBB-FDF2ED473DF3}" dt="2021-03-14T03:28:57.058" v="89" actId="1076"/>
+          <ac:picMkLst>
+            <pc:docMk/>
+            <pc:sldMk cId="0" sldId="262"/>
+            <ac:picMk id="3076" creationId="{F0459CCA-7BE6-441B-8374-A2B122F05584}"/>
+          </ac:picMkLst>
+        </pc:picChg>
+      </pc:sldChg>
+      <pc:sldChg chg="addSp delSp modSp new mod">
+        <pc:chgData name="David Fashbinder" userId="ed5d1e420f1dc8e1" providerId="LiveId" clId="{439F4DC2-1BEF-4D00-ADBB-FDF2ED473DF3}" dt="2021-03-14T03:08:26.126" v="83" actId="1076"/>
+        <pc:sldMkLst>
+          <pc:docMk/>
+          <pc:sldMk cId="3543593437" sldId="264"/>
+        </pc:sldMkLst>
+        <pc:spChg chg="mod">
+          <ac:chgData name="David Fashbinder" userId="ed5d1e420f1dc8e1" providerId="LiveId" clId="{439F4DC2-1BEF-4D00-ADBB-FDF2ED473DF3}" dt="2021-03-14T03:05:55.502" v="65" actId="20577"/>
+          <ac:spMkLst>
+            <pc:docMk/>
+            <pc:sldMk cId="3543593437" sldId="264"/>
+            <ac:spMk id="2" creationId="{0E9DBD4F-7A3A-4DB0-BA6B-67E8BA95FF93}"/>
+          </ac:spMkLst>
+        </pc:spChg>
+        <pc:spChg chg="del">
+          <ac:chgData name="David Fashbinder" userId="ed5d1e420f1dc8e1" providerId="LiveId" clId="{439F4DC2-1BEF-4D00-ADBB-FDF2ED473DF3}" dt="2021-03-14T03:05:58.303" v="66" actId="478"/>
+          <ac:spMkLst>
+            <pc:docMk/>
+            <pc:sldMk cId="3543593437" sldId="264"/>
+            <ac:spMk id="3" creationId="{E7D90285-A113-4397-8CC3-CEA6FDF67577}"/>
+          </ac:spMkLst>
+        </pc:spChg>
+        <pc:picChg chg="add mod">
+          <ac:chgData name="David Fashbinder" userId="ed5d1e420f1dc8e1" providerId="LiveId" clId="{439F4DC2-1BEF-4D00-ADBB-FDF2ED473DF3}" dt="2021-03-14T03:07:40.323" v="73" actId="732"/>
+          <ac:picMkLst>
+            <pc:docMk/>
+            <pc:sldMk cId="3543593437" sldId="264"/>
+            <ac:picMk id="2050" creationId="{5D4F539A-AA7F-4350-9FCC-E54AA74D6C95}"/>
+          </ac:picMkLst>
+        </pc:picChg>
+        <pc:picChg chg="add mod">
+          <ac:chgData name="David Fashbinder" userId="ed5d1e420f1dc8e1" providerId="LiveId" clId="{439F4DC2-1BEF-4D00-ADBB-FDF2ED473DF3}" dt="2021-03-14T03:08:26.126" v="83" actId="1076"/>
+          <ac:picMkLst>
+            <pc:docMk/>
+            <pc:sldMk cId="3543593437" sldId="264"/>
+            <ac:picMk id="2052" creationId="{E754BBDE-8A7E-47D3-9E56-ED7D30E314A1}"/>
+          </ac:picMkLst>
+        </pc:picChg>
+      </pc:sldChg>
+      <pc:sldChg chg="addSp delSp modSp new mod">
+        <pc:chgData name="David Fashbinder" userId="ed5d1e420f1dc8e1" providerId="LiveId" clId="{439F4DC2-1BEF-4D00-ADBB-FDF2ED473DF3}" dt="2021-03-14T03:31:43.960" v="154" actId="732"/>
+        <pc:sldMkLst>
+          <pc:docMk/>
+          <pc:sldMk cId="3177623391" sldId="265"/>
+        </pc:sldMkLst>
+        <pc:spChg chg="mod">
+          <ac:chgData name="David Fashbinder" userId="ed5d1e420f1dc8e1" providerId="LiveId" clId="{439F4DC2-1BEF-4D00-ADBB-FDF2ED473DF3}" dt="2021-03-14T03:29:06.955" v="99" actId="20577"/>
+          <ac:spMkLst>
+            <pc:docMk/>
+            <pc:sldMk cId="3177623391" sldId="265"/>
+            <ac:spMk id="2" creationId="{3F52A02E-34A1-4EC2-A880-72DA9C5708C8}"/>
+          </ac:spMkLst>
+        </pc:spChg>
+        <pc:spChg chg="del">
+          <ac:chgData name="David Fashbinder" userId="ed5d1e420f1dc8e1" providerId="LiveId" clId="{439F4DC2-1BEF-4D00-ADBB-FDF2ED473DF3}" dt="2021-03-14T03:29:09.589" v="100" actId="478"/>
+          <ac:spMkLst>
+            <pc:docMk/>
+            <pc:sldMk cId="3177623391" sldId="265"/>
+            <ac:spMk id="3" creationId="{F9A6DE63-2C98-4CEE-8D8C-0CB7EF87894A}"/>
+          </ac:spMkLst>
+        </pc:spChg>
+        <pc:picChg chg="add del mod">
+          <ac:chgData name="David Fashbinder" userId="ed5d1e420f1dc8e1" providerId="LiveId" clId="{439F4DC2-1BEF-4D00-ADBB-FDF2ED473DF3}" dt="2021-03-14T03:30:15.684" v="115" actId="478"/>
+          <ac:picMkLst>
+            <pc:docMk/>
+            <pc:sldMk cId="3177623391" sldId="265"/>
+            <ac:picMk id="4098" creationId="{9C347A6F-606E-4FE2-8769-4CABE7A84BFE}"/>
+          </ac:picMkLst>
+        </pc:picChg>
+        <pc:picChg chg="add mod">
+          <ac:chgData name="David Fashbinder" userId="ed5d1e420f1dc8e1" providerId="LiveId" clId="{439F4DC2-1BEF-4D00-ADBB-FDF2ED473DF3}" dt="2021-03-14T03:31:43.960" v="154" actId="732"/>
+          <ac:picMkLst>
+            <pc:docMk/>
+            <pc:sldMk cId="3177623391" sldId="265"/>
+            <ac:picMk id="4100" creationId="{67956C32-5F9C-4EE8-9E55-7A52A0315093}"/>
+          </ac:picMkLst>
+        </pc:picChg>
+        <pc:picChg chg="add mod">
+          <ac:chgData name="David Fashbinder" userId="ed5d1e420f1dc8e1" providerId="LiveId" clId="{439F4DC2-1BEF-4D00-ADBB-FDF2ED473DF3}" dt="2021-03-14T03:31:22.733" v="148" actId="1076"/>
+          <ac:picMkLst>
+            <pc:docMk/>
+            <pc:sldMk cId="3177623391" sldId="265"/>
+            <ac:picMk id="4102" creationId="{619C2A00-83BA-43EA-9876-F0D182849D47}"/>
+          </ac:picMkLst>
+        </pc:picChg>
+      </pc:sldChg>
+    </pc:docChg>
+  </pc:docChgLst>
+</pc:chgInfo>
+</file>
+
 <file path=ppt/notesMasters/notesMaster1.xml><?xml version="1.0" encoding="utf-8"?>
-<p:notesMaster xmlns:a="http://schemas.openxmlformats.org/drawingml/2006/main" xmlns:r="http://schemas.openxmlformats.org/officeDocument/2006/relationships" xmlns:mc="http://schemas.openxmlformats.org/markup-compatibility/2006" xmlns:mv="urn:schemas-microsoft-com:mac:vml" xmlns:p="http://schemas.openxmlformats.org/presentationml/2006/main" xmlns:c="http://schemas.openxmlformats.org/drawingml/2006/chart" xmlns:dgm="http://schemas.openxmlformats.org/drawingml/2006/diagram" xmlns:o="urn:schemas-microsoft-com:office:office" xmlns:v="urn:schemas-microsoft-com:vml" xmlns:pvml="urn:schemas-microsoft-com:office:powerpoint" xmlns:com="http://schemas.openxmlformats.org/drawingml/2006/compatibility" xmlns:p14="http://schemas.microsoft.com/office/powerpoint/2010/main" xmlns:p15="http://schemas.microsoft.com/office/powerpoint/2012/main" xmlns:ahyp="http://schemas.microsoft.com/office/drawing/2018/hyperlinkcolor">
+<p:notesMaster xmlns:a="http://schemas.openxmlformats.org/drawingml/2006/main" xmlns:r="http://schemas.openxmlformats.org/officeDocument/2006/relationships" xmlns:p="http://schemas.openxmlformats.org/presentationml/2006/main">
   <p:cSld>
+    <p:bg>
+      <p:bgRef idx="1001">
+        <a:schemeClr val="bg1"/>
+      </p:bgRef>
+    </p:bg>
     <p:spTree>
       <p:nvGrpSpPr>
-        <p:cNvPr id="2" name="Shape 2"/>
+        <p:cNvPr id="1" name="Shape 2"/>
         <p:cNvGrpSpPr/>
         <p:nvPr/>
       </p:nvGrpSpPr>
@@ -287,9 +480,11 @@
       <p:sp>
         <p:nvSpPr>
           <p:cNvPr id="3" name="Google Shape;3;n"/>
-          <p:cNvSpPr/>
+          <p:cNvSpPr>
+            <a:spLocks noGrp="1" noRot="1" noChangeAspect="1"/>
+          </p:cNvSpPr>
           <p:nvPr>
-            <p:ph idx="2" type="sldImg"/>
+            <p:ph type="sldImg" idx="2"/>
           </p:nvPr>
         </p:nvSpPr>
         <p:spPr>
@@ -298,9 +493,13 @@
             <a:ext cx="6096075" cy="3429000"/>
           </a:xfrm>
           <a:custGeom>
-            <a:rect b="b" l="l" r="r" t="t"/>
+            <a:avLst/>
+            <a:gdLst/>
+            <a:ahLst/>
+            <a:cxnLst/>
+            <a:rect l="l" t="t" r="r" b="b"/>
             <a:pathLst>
-              <a:path extrusionOk="0" h="120000" w="120000">
+              <a:path w="120000" h="120000" extrusionOk="0">
                 <a:moveTo>
                   <a:pt x="0" y="0"/>
                 </a:moveTo>
@@ -318,23 +517,25 @@
             </a:pathLst>
           </a:custGeom>
           <a:noFill/>
-          <a:ln cap="flat" cmpd="sng" w="9525">
+          <a:ln w="9525" cap="flat" cmpd="sng">
             <a:solidFill>
               <a:srgbClr val="000000"/>
             </a:solidFill>
             <a:prstDash val="solid"/>
             <a:round/>
-            <a:headEnd len="sm" w="sm" type="none"/>
-            <a:tailEnd len="sm" w="sm" type="none"/>
+            <a:headEnd type="none" w="sm" len="sm"/>
+            <a:tailEnd type="none" w="sm" len="sm"/>
           </a:ln>
         </p:spPr>
       </p:sp>
       <p:sp>
         <p:nvSpPr>
           <p:cNvPr id="4" name="Google Shape;4;n"/>
-          <p:cNvSpPr txBox="1"/>
+          <p:cNvSpPr txBox="1">
+            <a:spLocks noGrp="1"/>
+          </p:cNvSpPr>
           <p:nvPr>
-            <p:ph idx="1" type="body"/>
+            <p:ph type="body" idx="1"/>
           </p:nvPr>
         </p:nvSpPr>
         <p:spPr>
@@ -351,11 +552,11 @@
           </a:ln>
         </p:spPr>
         <p:txBody>
-          <a:bodyPr anchorCtr="0" anchor="t" bIns="91425" lIns="91425" spcFirstLastPara="1" rIns="91425" wrap="square" tIns="91425">
+          <a:bodyPr spcFirstLastPara="1" wrap="square" lIns="91425" tIns="91425" rIns="91425" bIns="91425" anchor="t" anchorCtr="0">
             <a:noAutofit/>
           </a:bodyPr>
           <a:lstStyle>
-            <a:lvl1pPr indent="-298450" lvl="0" marL="457200">
+            <a:lvl1pPr marL="457200" lvl="0" indent="-298450">
               <a:spcBef>
                 <a:spcPts val="0"/>
               </a:spcBef>
@@ -366,7 +567,7 @@
               <a:buChar char="●"/>
               <a:defRPr sz="1100"/>
             </a:lvl1pPr>
-            <a:lvl2pPr indent="-298450" lvl="1" marL="914400">
+            <a:lvl2pPr marL="914400" lvl="1" indent="-298450">
               <a:spcBef>
                 <a:spcPts val="0"/>
               </a:spcBef>
@@ -377,7 +578,7 @@
               <a:buChar char="○"/>
               <a:defRPr sz="1100"/>
             </a:lvl2pPr>
-            <a:lvl3pPr indent="-298450" lvl="2" marL="1371600">
+            <a:lvl3pPr marL="1371600" lvl="2" indent="-298450">
               <a:spcBef>
                 <a:spcPts val="0"/>
               </a:spcBef>
@@ -388,7 +589,7 @@
               <a:buChar char="■"/>
               <a:defRPr sz="1100"/>
             </a:lvl3pPr>
-            <a:lvl4pPr indent="-298450" lvl="3" marL="1828800">
+            <a:lvl4pPr marL="1828800" lvl="3" indent="-298450">
               <a:spcBef>
                 <a:spcPts val="0"/>
               </a:spcBef>
@@ -399,7 +600,7 @@
               <a:buChar char="●"/>
               <a:defRPr sz="1100"/>
             </a:lvl4pPr>
-            <a:lvl5pPr indent="-298450" lvl="4" marL="2286000">
+            <a:lvl5pPr marL="2286000" lvl="4" indent="-298450">
               <a:spcBef>
                 <a:spcPts val="0"/>
               </a:spcBef>
@@ -410,7 +611,7 @@
               <a:buChar char="○"/>
               <a:defRPr sz="1100"/>
             </a:lvl5pPr>
-            <a:lvl6pPr indent="-298450" lvl="5" marL="2743200">
+            <a:lvl6pPr marL="2743200" lvl="5" indent="-298450">
               <a:spcBef>
                 <a:spcPts val="0"/>
               </a:spcBef>
@@ -421,7 +622,7 @@
               <a:buChar char="■"/>
               <a:defRPr sz="1100"/>
             </a:lvl6pPr>
-            <a:lvl7pPr indent="-298450" lvl="6" marL="3200400">
+            <a:lvl7pPr marL="3200400" lvl="6" indent="-298450">
               <a:spcBef>
                 <a:spcPts val="0"/>
               </a:spcBef>
@@ -432,7 +633,7 @@
               <a:buChar char="●"/>
               <a:defRPr sz="1100"/>
             </a:lvl7pPr>
-            <a:lvl8pPr indent="-298450" lvl="7" marL="3657600">
+            <a:lvl8pPr marL="3657600" lvl="7" indent="-298450">
               <a:spcBef>
                 <a:spcPts val="0"/>
               </a:spcBef>
@@ -443,7 +644,7 @@
               <a:buChar char="○"/>
               <a:defRPr sz="1100"/>
             </a:lvl8pPr>
-            <a:lvl9pPr indent="-298450" lvl="8" marL="4114800">
+            <a:lvl9pPr marL="4114800" lvl="8" indent="-298450">
               <a:spcBef>
                 <a:spcPts val="0"/>
               </a:spcBef>
@@ -455,14 +656,16 @@
               <a:defRPr sz="1100"/>
             </a:lvl9pPr>
           </a:lstStyle>
-          <a:p/>
+          <a:p>
+            <a:endParaRPr/>
+          </a:p>
         </p:txBody>
       </p:sp>
     </p:spTree>
   </p:cSld>
-  <p:clrMap accent1="accent1" accent2="accent2" accent3="accent3" accent4="accent4" accent5="accent5" accent6="accent6" bg1="lt1" bg2="dk2" tx1="dk1" tx2="lt2" folHlink="folHlink" hlink="hlink"/>
+  <p:clrMap bg1="lt1" tx1="dk1" bg2="dk2" tx2="lt2" accent1="accent1" accent2="accent2" accent3="accent3" accent4="accent4" accent5="accent5" accent6="accent6" hlink="hlink" folHlink="folHlink"/>
   <p:notesStyle>
-    <a:defPPr lvl="0" marR="0" rtl="0" algn="l">
+    <a:defPPr marR="0" lvl="0" algn="l" rtl="0">
       <a:lnSpc>
         <a:spcPct val="100000"/>
       </a:lnSpc>
@@ -473,7 +676,7 @@
         <a:spcPts val="0"/>
       </a:spcAft>
     </a:defPPr>
-    <a:lvl1pPr lvl="0" marR="0" rtl="0" algn="l">
+    <a:lvl1pPr marR="0" lvl="0" algn="l" rtl="0">
       <a:lnSpc>
         <a:spcPct val="100000"/>
       </a:lnSpc>
@@ -487,7 +690,7 @@
         <a:srgbClr val="000000"/>
       </a:buClr>
       <a:buFont typeface="Arial"/>
-      <a:defRPr b="0" i="0" sz="1400" u="none" cap="none" strike="noStrike">
+      <a:defRPr sz="1400" b="0" i="0" u="none" strike="noStrike" cap="none">
         <a:solidFill>
           <a:srgbClr val="000000"/>
         </a:solidFill>
@@ -497,7 +700,7 @@
         <a:sym typeface="Arial"/>
       </a:defRPr>
     </a:lvl1pPr>
-    <a:lvl2pPr lvl="1" marR="0" rtl="0" algn="l">
+    <a:lvl2pPr marR="0" lvl="1" algn="l" rtl="0">
       <a:lnSpc>
         <a:spcPct val="100000"/>
       </a:lnSpc>
@@ -511,7 +714,7 @@
         <a:srgbClr val="000000"/>
       </a:buClr>
       <a:buFont typeface="Arial"/>
-      <a:defRPr b="0" i="0" sz="1400" u="none" cap="none" strike="noStrike">
+      <a:defRPr sz="1400" b="0" i="0" u="none" strike="noStrike" cap="none">
         <a:solidFill>
           <a:srgbClr val="000000"/>
         </a:solidFill>
@@ -521,7 +724,7 @@
         <a:sym typeface="Arial"/>
       </a:defRPr>
     </a:lvl2pPr>
-    <a:lvl3pPr lvl="2" marR="0" rtl="0" algn="l">
+    <a:lvl3pPr marR="0" lvl="2" algn="l" rtl="0">
       <a:lnSpc>
         <a:spcPct val="100000"/>
       </a:lnSpc>
@@ -535,7 +738,7 @@
         <a:srgbClr val="000000"/>
       </a:buClr>
       <a:buFont typeface="Arial"/>
-      <a:defRPr b="0" i="0" sz="1400" u="none" cap="none" strike="noStrike">
+      <a:defRPr sz="1400" b="0" i="0" u="none" strike="noStrike" cap="none">
         <a:solidFill>
           <a:srgbClr val="000000"/>
         </a:solidFill>
@@ -545,7 +748,7 @@
         <a:sym typeface="Arial"/>
       </a:defRPr>
     </a:lvl3pPr>
-    <a:lvl4pPr lvl="3" marR="0" rtl="0" algn="l">
+    <a:lvl4pPr marR="0" lvl="3" algn="l" rtl="0">
       <a:lnSpc>
         <a:spcPct val="100000"/>
       </a:lnSpc>
@@ -559,7 +762,7 @@
         <a:srgbClr val="000000"/>
       </a:buClr>
       <a:buFont typeface="Arial"/>
-      <a:defRPr b="0" i="0" sz="1400" u="none" cap="none" strike="noStrike">
+      <a:defRPr sz="1400" b="0" i="0" u="none" strike="noStrike" cap="none">
         <a:solidFill>
           <a:srgbClr val="000000"/>
         </a:solidFill>
@@ -569,7 +772,7 @@
         <a:sym typeface="Arial"/>
       </a:defRPr>
     </a:lvl4pPr>
-    <a:lvl5pPr lvl="4" marR="0" rtl="0" algn="l">
+    <a:lvl5pPr marR="0" lvl="4" algn="l" rtl="0">
       <a:lnSpc>
         <a:spcPct val="100000"/>
       </a:lnSpc>
@@ -583,7 +786,7 @@
         <a:srgbClr val="000000"/>
       </a:buClr>
       <a:buFont typeface="Arial"/>
-      <a:defRPr b="0" i="0" sz="1400" u="none" cap="none" strike="noStrike">
+      <a:defRPr sz="1400" b="0" i="0" u="none" strike="noStrike" cap="none">
         <a:solidFill>
           <a:srgbClr val="000000"/>
         </a:solidFill>
@@ -593,7 +796,7 @@
         <a:sym typeface="Arial"/>
       </a:defRPr>
     </a:lvl5pPr>
-    <a:lvl6pPr lvl="5" marR="0" rtl="0" algn="l">
+    <a:lvl6pPr marR="0" lvl="5" algn="l" rtl="0">
       <a:lnSpc>
         <a:spcPct val="100000"/>
       </a:lnSpc>
@@ -607,7 +810,7 @@
         <a:srgbClr val="000000"/>
       </a:buClr>
       <a:buFont typeface="Arial"/>
-      <a:defRPr b="0" i="0" sz="1400" u="none" cap="none" strike="noStrike">
+      <a:defRPr sz="1400" b="0" i="0" u="none" strike="noStrike" cap="none">
         <a:solidFill>
           <a:srgbClr val="000000"/>
         </a:solidFill>
@@ -617,7 +820,7 @@
         <a:sym typeface="Arial"/>
       </a:defRPr>
     </a:lvl6pPr>
-    <a:lvl7pPr lvl="6" marR="0" rtl="0" algn="l">
+    <a:lvl7pPr marR="0" lvl="6" algn="l" rtl="0">
       <a:lnSpc>
         <a:spcPct val="100000"/>
       </a:lnSpc>
@@ -631,7 +834,7 @@
         <a:srgbClr val="000000"/>
       </a:buClr>
       <a:buFont typeface="Arial"/>
-      <a:defRPr b="0" i="0" sz="1400" u="none" cap="none" strike="noStrike">
+      <a:defRPr sz="1400" b="0" i="0" u="none" strike="noStrike" cap="none">
         <a:solidFill>
           <a:srgbClr val="000000"/>
         </a:solidFill>
@@ -641,7 +844,7 @@
         <a:sym typeface="Arial"/>
       </a:defRPr>
     </a:lvl7pPr>
-    <a:lvl8pPr lvl="7" marR="0" rtl="0" algn="l">
+    <a:lvl8pPr marR="0" lvl="7" algn="l" rtl="0">
       <a:lnSpc>
         <a:spcPct val="100000"/>
       </a:lnSpc>
@@ -655,7 +858,7 @@
         <a:srgbClr val="000000"/>
       </a:buClr>
       <a:buFont typeface="Arial"/>
-      <a:defRPr b="0" i="0" sz="1400" u="none" cap="none" strike="noStrike">
+      <a:defRPr sz="1400" b="0" i="0" u="none" strike="noStrike" cap="none">
         <a:solidFill>
           <a:srgbClr val="000000"/>
         </a:solidFill>
@@ -665,7 +868,7 @@
         <a:sym typeface="Arial"/>
       </a:defRPr>
     </a:lvl8pPr>
-    <a:lvl9pPr lvl="8" marR="0" rtl="0" algn="l">
+    <a:lvl9pPr marR="0" lvl="8" algn="l" rtl="0">
       <a:lnSpc>
         <a:spcPct val="100000"/>
       </a:lnSpc>
@@ -679,7 +882,7 @@
         <a:srgbClr val="000000"/>
       </a:buClr>
       <a:buFont typeface="Arial"/>
-      <a:defRPr b="0" i="0" sz="1400" u="none" cap="none" strike="noStrike">
+      <a:defRPr sz="1400" b="0" i="0" u="none" strike="noStrike" cap="none">
         <a:solidFill>
           <a:srgbClr val="000000"/>
         </a:solidFill>
@@ -694,11 +897,11 @@
 </file>
 
 <file path=ppt/notesSlides/notesSlide1.xml><?xml version="1.0" encoding="utf-8"?>
-<p:notes xmlns:a="http://schemas.openxmlformats.org/drawingml/2006/main" xmlns:r="http://schemas.openxmlformats.org/officeDocument/2006/relationships" xmlns:mc="http://schemas.openxmlformats.org/markup-compatibility/2006" xmlns:mv="urn:schemas-microsoft-com:mac:vml" xmlns:p="http://schemas.openxmlformats.org/presentationml/2006/main" xmlns:c="http://schemas.openxmlformats.org/drawingml/2006/chart" xmlns:dgm="http://schemas.openxmlformats.org/drawingml/2006/diagram" xmlns:o="urn:schemas-microsoft-com:office:office" xmlns:v="urn:schemas-microsoft-com:vml" xmlns:pvml="urn:schemas-microsoft-com:office:powerpoint" xmlns:com="http://schemas.openxmlformats.org/drawingml/2006/compatibility" xmlns:p14="http://schemas.microsoft.com/office/powerpoint/2010/main" xmlns:p15="http://schemas.microsoft.com/office/powerpoint/2012/main" xmlns:ahyp="http://schemas.microsoft.com/office/drawing/2018/hyperlinkcolor" showMasterPhAnim="0" showMasterSp="0">
+<p:notes xmlns:a="http://schemas.openxmlformats.org/drawingml/2006/main" xmlns:r="http://schemas.openxmlformats.org/officeDocument/2006/relationships" xmlns:p="http://schemas.openxmlformats.org/presentationml/2006/main" showMasterSp="0" showMasterPhAnim="0">
   <p:cSld>
     <p:spTree>
       <p:nvGrpSpPr>
-        <p:cNvPr id="50" name="Shape 50"/>
+        <p:cNvPr id="1" name="Shape 50"/>
         <p:cNvGrpSpPr/>
         <p:nvPr/>
       </p:nvGrpSpPr>
@@ -713,9 +916,11 @@
       <p:sp>
         <p:nvSpPr>
           <p:cNvPr id="51" name="Google Shape;51;p:notes"/>
-          <p:cNvSpPr/>
+          <p:cNvSpPr>
+            <a:spLocks noGrp="1" noRot="1" noChangeAspect="1"/>
+          </p:cNvSpPr>
           <p:nvPr>
-            <p:ph idx="2" type="sldImg"/>
+            <p:ph type="sldImg" idx="2"/>
           </p:nvPr>
         </p:nvSpPr>
         <p:spPr>
@@ -724,9 +929,13 @@
             <a:ext cx="6096075" cy="3429000"/>
           </a:xfrm>
           <a:custGeom>
-            <a:rect b="b" l="l" r="r" t="t"/>
+            <a:avLst/>
+            <a:gdLst/>
+            <a:ahLst/>
+            <a:cxnLst/>
+            <a:rect l="l" t="t" r="r" b="b"/>
             <a:pathLst>
-              <a:path extrusionOk="0" h="120000" w="120000">
+              <a:path w="120000" h="120000" extrusionOk="0">
                 <a:moveTo>
                   <a:pt x="0" y="0"/>
                 </a:moveTo>
@@ -748,9 +957,11 @@
       <p:sp>
         <p:nvSpPr>
           <p:cNvPr id="52" name="Google Shape;52;p:notes"/>
-          <p:cNvSpPr txBox="1"/>
+          <p:cNvSpPr txBox="1">
+            <a:spLocks noGrp="1"/>
+          </p:cNvSpPr>
           <p:nvPr>
-            <p:ph idx="1" type="body"/>
+            <p:ph type="body" idx="1"/>
           </p:nvPr>
         </p:nvSpPr>
         <p:spPr>
@@ -763,12 +974,12 @@
           </a:prstGeom>
         </p:spPr>
         <p:txBody>
-          <a:bodyPr anchorCtr="0" anchor="t" bIns="91425" lIns="91425" spcFirstLastPara="1" rIns="91425" wrap="square" tIns="91425">
+          <a:bodyPr spcFirstLastPara="1" wrap="square" lIns="91425" tIns="91425" rIns="91425" bIns="91425" anchor="t" anchorCtr="0">
             <a:noAutofit/>
           </a:bodyPr>
           <a:lstStyle/>
           <a:p>
-            <a:pPr indent="0" lvl="0" marL="0" rtl="0" algn="l">
+            <a:pPr marL="0" lvl="0" indent="0" algn="l" rtl="0">
               <a:spcBef>
                 <a:spcPts val="0"/>
               </a:spcBef>
@@ -777,9 +988,6 @@
               </a:spcAft>
               <a:buNone/>
             </a:pPr>
-            <a:r>
-              <a:t/>
-            </a:r>
             <a:endParaRPr/>
           </a:p>
         </p:txBody>
@@ -793,11 +1001,11 @@
 </file>
 
 <file path=ppt/notesSlides/notesSlide2.xml><?xml version="1.0" encoding="utf-8"?>
-<p:notes xmlns:a="http://schemas.openxmlformats.org/drawingml/2006/main" xmlns:r="http://schemas.openxmlformats.org/officeDocument/2006/relationships" xmlns:mc="http://schemas.openxmlformats.org/markup-compatibility/2006" xmlns:mv="urn:schemas-microsoft-com:mac:vml" xmlns:p="http://schemas.openxmlformats.org/presentationml/2006/main" xmlns:c="http://schemas.openxmlformats.org/drawingml/2006/chart" xmlns:dgm="http://schemas.openxmlformats.org/drawingml/2006/diagram" xmlns:o="urn:schemas-microsoft-com:office:office" xmlns:v="urn:schemas-microsoft-com:vml" xmlns:pvml="urn:schemas-microsoft-com:office:powerpoint" xmlns:com="http://schemas.openxmlformats.org/drawingml/2006/compatibility" xmlns:p14="http://schemas.microsoft.com/office/powerpoint/2010/main" xmlns:p15="http://schemas.microsoft.com/office/powerpoint/2012/main" xmlns:ahyp="http://schemas.microsoft.com/office/drawing/2018/hyperlinkcolor" showMasterPhAnim="0" showMasterSp="0">
+<p:notes xmlns:a="http://schemas.openxmlformats.org/drawingml/2006/main" xmlns:r="http://schemas.openxmlformats.org/officeDocument/2006/relationships" xmlns:p="http://schemas.openxmlformats.org/presentationml/2006/main" showMasterSp="0" showMasterPhAnim="0">
   <p:cSld>
     <p:spTree>
       <p:nvGrpSpPr>
-        <p:cNvPr id="56" name="Shape 56"/>
+        <p:cNvPr id="1" name="Shape 56"/>
         <p:cNvGrpSpPr/>
         <p:nvPr/>
       </p:nvGrpSpPr>
@@ -812,9 +1020,11 @@
       <p:sp>
         <p:nvSpPr>
           <p:cNvPr id="57" name="Google Shape;57;gc51a047ac4_0_0:notes"/>
-          <p:cNvSpPr/>
+          <p:cNvSpPr>
+            <a:spLocks noGrp="1" noRot="1" noChangeAspect="1"/>
+          </p:cNvSpPr>
           <p:nvPr>
-            <p:ph idx="2" type="sldImg"/>
+            <p:ph type="sldImg" idx="2"/>
           </p:nvPr>
         </p:nvSpPr>
         <p:spPr>
@@ -823,9 +1033,13 @@
             <a:ext cx="6096000" cy="3429000"/>
           </a:xfrm>
           <a:custGeom>
-            <a:rect b="b" l="l" r="r" t="t"/>
+            <a:avLst/>
+            <a:gdLst/>
+            <a:ahLst/>
+            <a:cxnLst/>
+            <a:rect l="l" t="t" r="r" b="b"/>
             <a:pathLst>
-              <a:path extrusionOk="0" h="120000" w="120000">
+              <a:path w="120000" h="120000" extrusionOk="0">
                 <a:moveTo>
                   <a:pt x="0" y="0"/>
                 </a:moveTo>
@@ -847,9 +1061,11 @@
       <p:sp>
         <p:nvSpPr>
           <p:cNvPr id="58" name="Google Shape;58;gc51a047ac4_0_0:notes"/>
-          <p:cNvSpPr txBox="1"/>
+          <p:cNvSpPr txBox="1">
+            <a:spLocks noGrp="1"/>
+          </p:cNvSpPr>
           <p:nvPr>
-            <p:ph idx="1" type="body"/>
+            <p:ph type="body" idx="1"/>
           </p:nvPr>
         </p:nvSpPr>
         <p:spPr>
@@ -862,12 +1078,12 @@
           </a:prstGeom>
         </p:spPr>
         <p:txBody>
-          <a:bodyPr anchorCtr="0" anchor="t" bIns="91425" lIns="91425" spcFirstLastPara="1" rIns="91425" wrap="square" tIns="91425">
+          <a:bodyPr spcFirstLastPara="1" wrap="square" lIns="91425" tIns="91425" rIns="91425" bIns="91425" anchor="t" anchorCtr="0">
             <a:noAutofit/>
           </a:bodyPr>
           <a:lstStyle/>
           <a:p>
-            <a:pPr indent="0" lvl="0" marL="0" rtl="0" algn="l">
+            <a:pPr marL="0" lvl="0" indent="0" algn="l" rtl="0">
               <a:spcBef>
                 <a:spcPts val="0"/>
               </a:spcBef>
@@ -876,9 +1092,6 @@
               </a:spcAft>
               <a:buNone/>
             </a:pPr>
-            <a:r>
-              <a:t/>
-            </a:r>
             <a:endParaRPr/>
           </a:p>
         </p:txBody>
@@ -892,11 +1105,11 @@
 </file>
 
 <file path=ppt/notesSlides/notesSlide3.xml><?xml version="1.0" encoding="utf-8"?>
-<p:notes xmlns:a="http://schemas.openxmlformats.org/drawingml/2006/main" xmlns:r="http://schemas.openxmlformats.org/officeDocument/2006/relationships" xmlns:mc="http://schemas.openxmlformats.org/markup-compatibility/2006" xmlns:mv="urn:schemas-microsoft-com:mac:vml" xmlns:p="http://schemas.openxmlformats.org/presentationml/2006/main" xmlns:c="http://schemas.openxmlformats.org/drawingml/2006/chart" xmlns:dgm="http://schemas.openxmlformats.org/drawingml/2006/diagram" xmlns:o="urn:schemas-microsoft-com:office:office" xmlns:v="urn:schemas-microsoft-com:vml" xmlns:pvml="urn:schemas-microsoft-com:office:powerpoint" xmlns:com="http://schemas.openxmlformats.org/drawingml/2006/compatibility" xmlns:p14="http://schemas.microsoft.com/office/powerpoint/2010/main" xmlns:p15="http://schemas.microsoft.com/office/powerpoint/2012/main" xmlns:ahyp="http://schemas.microsoft.com/office/drawing/2018/hyperlinkcolor" showMasterPhAnim="0" showMasterSp="0">
+<p:notes xmlns:a="http://schemas.openxmlformats.org/drawingml/2006/main" xmlns:r="http://schemas.openxmlformats.org/officeDocument/2006/relationships" xmlns:p="http://schemas.openxmlformats.org/presentationml/2006/main" showMasterSp="0" showMasterPhAnim="0">
   <p:cSld>
     <p:spTree>
       <p:nvGrpSpPr>
-        <p:cNvPr id="62" name="Shape 62"/>
+        <p:cNvPr id="1" name="Shape 62"/>
         <p:cNvGrpSpPr/>
         <p:nvPr/>
       </p:nvGrpSpPr>
@@ -911,9 +1124,11 @@
       <p:sp>
         <p:nvSpPr>
           <p:cNvPr id="63" name="Google Shape;63;gc51a047ac4_0_5:notes"/>
-          <p:cNvSpPr/>
+          <p:cNvSpPr>
+            <a:spLocks noGrp="1" noRot="1" noChangeAspect="1"/>
+          </p:cNvSpPr>
           <p:nvPr>
-            <p:ph idx="2" type="sldImg"/>
+            <p:ph type="sldImg" idx="2"/>
           </p:nvPr>
         </p:nvSpPr>
         <p:spPr>
@@ -922,9 +1137,13 @@
             <a:ext cx="6096000" cy="3429000"/>
           </a:xfrm>
           <a:custGeom>
-            <a:rect b="b" l="l" r="r" t="t"/>
+            <a:avLst/>
+            <a:gdLst/>
+            <a:ahLst/>
+            <a:cxnLst/>
+            <a:rect l="l" t="t" r="r" b="b"/>
             <a:pathLst>
-              <a:path extrusionOk="0" h="120000" w="120000">
+              <a:path w="120000" h="120000" extrusionOk="0">
                 <a:moveTo>
                   <a:pt x="0" y="0"/>
                 </a:moveTo>
@@ -946,9 +1165,11 @@
       <p:sp>
         <p:nvSpPr>
           <p:cNvPr id="64" name="Google Shape;64;gc51a047ac4_0_5:notes"/>
-          <p:cNvSpPr txBox="1"/>
+          <p:cNvSpPr txBox="1">
+            <a:spLocks noGrp="1"/>
+          </p:cNvSpPr>
           <p:nvPr>
-            <p:ph idx="1" type="body"/>
+            <p:ph type="body" idx="1"/>
           </p:nvPr>
         </p:nvSpPr>
         <p:spPr>
@@ -961,12 +1182,12 @@
           </a:prstGeom>
         </p:spPr>
         <p:txBody>
-          <a:bodyPr anchorCtr="0" anchor="t" bIns="91425" lIns="91425" spcFirstLastPara="1" rIns="91425" wrap="square" tIns="91425">
+          <a:bodyPr spcFirstLastPara="1" wrap="square" lIns="91425" tIns="91425" rIns="91425" bIns="91425" anchor="t" anchorCtr="0">
             <a:noAutofit/>
           </a:bodyPr>
           <a:lstStyle/>
           <a:p>
-            <a:pPr indent="0" lvl="0" marL="0" rtl="0" algn="l">
+            <a:pPr marL="0" lvl="0" indent="0" algn="l" rtl="0">
               <a:spcBef>
                 <a:spcPts val="0"/>
               </a:spcBef>
@@ -975,9 +1196,6 @@
               </a:spcAft>
               <a:buNone/>
             </a:pPr>
-            <a:r>
-              <a:t/>
-            </a:r>
             <a:endParaRPr/>
           </a:p>
         </p:txBody>
@@ -991,11 +1209,11 @@
 </file>
 
 <file path=ppt/notesSlides/notesSlide4.xml><?xml version="1.0" encoding="utf-8"?>
-<p:notes xmlns:a="http://schemas.openxmlformats.org/drawingml/2006/main" xmlns:r="http://schemas.openxmlformats.org/officeDocument/2006/relationships" xmlns:mc="http://schemas.openxmlformats.org/markup-compatibility/2006" xmlns:mv="urn:schemas-microsoft-com:mac:vml" xmlns:p="http://schemas.openxmlformats.org/presentationml/2006/main" xmlns:c="http://schemas.openxmlformats.org/drawingml/2006/chart" xmlns:dgm="http://schemas.openxmlformats.org/drawingml/2006/diagram" xmlns:o="urn:schemas-microsoft-com:office:office" xmlns:v="urn:schemas-microsoft-com:vml" xmlns:pvml="urn:schemas-microsoft-com:office:powerpoint" xmlns:com="http://schemas.openxmlformats.org/drawingml/2006/compatibility" xmlns:p14="http://schemas.microsoft.com/office/powerpoint/2010/main" xmlns:p15="http://schemas.microsoft.com/office/powerpoint/2012/main" xmlns:ahyp="http://schemas.microsoft.com/office/drawing/2018/hyperlinkcolor" showMasterPhAnim="0" showMasterSp="0">
+<p:notes xmlns:a="http://schemas.openxmlformats.org/drawingml/2006/main" xmlns:r="http://schemas.openxmlformats.org/officeDocument/2006/relationships" xmlns:p="http://schemas.openxmlformats.org/presentationml/2006/main" showMasterSp="0" showMasterPhAnim="0">
   <p:cSld>
     <p:spTree>
       <p:nvGrpSpPr>
-        <p:cNvPr id="68" name="Shape 68"/>
+        <p:cNvPr id="1" name="Shape 68"/>
         <p:cNvGrpSpPr/>
         <p:nvPr/>
       </p:nvGrpSpPr>
@@ -1010,9 +1228,11 @@
       <p:sp>
         <p:nvSpPr>
           <p:cNvPr id="69" name="Google Shape;69;gc51a047ac4_0_10:notes"/>
-          <p:cNvSpPr/>
+          <p:cNvSpPr>
+            <a:spLocks noGrp="1" noRot="1" noChangeAspect="1"/>
+          </p:cNvSpPr>
           <p:nvPr>
-            <p:ph idx="2" type="sldImg"/>
+            <p:ph type="sldImg" idx="2"/>
           </p:nvPr>
         </p:nvSpPr>
         <p:spPr>
@@ -1021,9 +1241,13 @@
             <a:ext cx="6096000" cy="3429000"/>
           </a:xfrm>
           <a:custGeom>
-            <a:rect b="b" l="l" r="r" t="t"/>
+            <a:avLst/>
+            <a:gdLst/>
+            <a:ahLst/>
+            <a:cxnLst/>
+            <a:rect l="l" t="t" r="r" b="b"/>
             <a:pathLst>
-              <a:path extrusionOk="0" h="120000" w="120000">
+              <a:path w="120000" h="120000" extrusionOk="0">
                 <a:moveTo>
                   <a:pt x="0" y="0"/>
                 </a:moveTo>
@@ -1045,9 +1269,11 @@
       <p:sp>
         <p:nvSpPr>
           <p:cNvPr id="70" name="Google Shape;70;gc51a047ac4_0_10:notes"/>
-          <p:cNvSpPr txBox="1"/>
+          <p:cNvSpPr txBox="1">
+            <a:spLocks noGrp="1"/>
+          </p:cNvSpPr>
           <p:nvPr>
-            <p:ph idx="1" type="body"/>
+            <p:ph type="body" idx="1"/>
           </p:nvPr>
         </p:nvSpPr>
         <p:spPr>
@@ -1060,12 +1286,12 @@
           </a:prstGeom>
         </p:spPr>
         <p:txBody>
-          <a:bodyPr anchorCtr="0" anchor="t" bIns="91425" lIns="91425" spcFirstLastPara="1" rIns="91425" wrap="square" tIns="91425">
+          <a:bodyPr spcFirstLastPara="1" wrap="square" lIns="91425" tIns="91425" rIns="91425" bIns="91425" anchor="t" anchorCtr="0">
             <a:noAutofit/>
           </a:bodyPr>
           <a:lstStyle/>
           <a:p>
-            <a:pPr indent="0" lvl="0" marL="0" rtl="0" algn="l">
+            <a:pPr marL="0" lvl="0" indent="0" algn="l" rtl="0">
               <a:spcBef>
                 <a:spcPts val="0"/>
               </a:spcBef>
@@ -1074,9 +1300,6 @@
               </a:spcAft>
               <a:buNone/>
             </a:pPr>
-            <a:r>
-              <a:t/>
-            </a:r>
             <a:endParaRPr/>
           </a:p>
         </p:txBody>
@@ -1090,11 +1313,11 @@
 </file>
 
 <file path=ppt/notesSlides/notesSlide5.xml><?xml version="1.0" encoding="utf-8"?>
-<p:notes xmlns:a="http://schemas.openxmlformats.org/drawingml/2006/main" xmlns:r="http://schemas.openxmlformats.org/officeDocument/2006/relationships" xmlns:mc="http://schemas.openxmlformats.org/markup-compatibility/2006" xmlns:mv="urn:schemas-microsoft-com:mac:vml" xmlns:p="http://schemas.openxmlformats.org/presentationml/2006/main" xmlns:c="http://schemas.openxmlformats.org/drawingml/2006/chart" xmlns:dgm="http://schemas.openxmlformats.org/drawingml/2006/diagram" xmlns:o="urn:schemas-microsoft-com:office:office" xmlns:v="urn:schemas-microsoft-com:vml" xmlns:pvml="urn:schemas-microsoft-com:office:powerpoint" xmlns:com="http://schemas.openxmlformats.org/drawingml/2006/compatibility" xmlns:p14="http://schemas.microsoft.com/office/powerpoint/2010/main" xmlns:p15="http://schemas.microsoft.com/office/powerpoint/2012/main" xmlns:ahyp="http://schemas.microsoft.com/office/drawing/2018/hyperlinkcolor" showMasterPhAnim="0" showMasterSp="0">
+<p:notes xmlns:a="http://schemas.openxmlformats.org/drawingml/2006/main" xmlns:r="http://schemas.openxmlformats.org/officeDocument/2006/relationships" xmlns:p="http://schemas.openxmlformats.org/presentationml/2006/main" showMasterSp="0" showMasterPhAnim="0">
   <p:cSld>
     <p:spTree>
       <p:nvGrpSpPr>
-        <p:cNvPr id="74" name="Shape 74"/>
+        <p:cNvPr id="1" name="Shape 74"/>
         <p:cNvGrpSpPr/>
         <p:nvPr/>
       </p:nvGrpSpPr>
@@ -1109,9 +1332,11 @@
       <p:sp>
         <p:nvSpPr>
           <p:cNvPr id="75" name="Google Shape;75;gc51a047ac4_0_15:notes"/>
-          <p:cNvSpPr/>
+          <p:cNvSpPr>
+            <a:spLocks noGrp="1" noRot="1" noChangeAspect="1"/>
+          </p:cNvSpPr>
           <p:nvPr>
-            <p:ph idx="2" type="sldImg"/>
+            <p:ph type="sldImg" idx="2"/>
           </p:nvPr>
         </p:nvSpPr>
         <p:spPr>
@@ -1120,9 +1345,13 @@
             <a:ext cx="6096000" cy="3429000"/>
           </a:xfrm>
           <a:custGeom>
-            <a:rect b="b" l="l" r="r" t="t"/>
+            <a:avLst/>
+            <a:gdLst/>
+            <a:ahLst/>
+            <a:cxnLst/>
+            <a:rect l="l" t="t" r="r" b="b"/>
             <a:pathLst>
-              <a:path extrusionOk="0" h="120000" w="120000">
+              <a:path w="120000" h="120000" extrusionOk="0">
                 <a:moveTo>
                   <a:pt x="0" y="0"/>
                 </a:moveTo>
@@ -1144,9 +1373,11 @@
       <p:sp>
         <p:nvSpPr>
           <p:cNvPr id="76" name="Google Shape;76;gc51a047ac4_0_15:notes"/>
-          <p:cNvSpPr txBox="1"/>
+          <p:cNvSpPr txBox="1">
+            <a:spLocks noGrp="1"/>
+          </p:cNvSpPr>
           <p:nvPr>
-            <p:ph idx="1" type="body"/>
+            <p:ph type="body" idx="1"/>
           </p:nvPr>
         </p:nvSpPr>
         <p:spPr>
@@ -1159,12 +1390,12 @@
           </a:prstGeom>
         </p:spPr>
         <p:txBody>
-          <a:bodyPr anchorCtr="0" anchor="t" bIns="91425" lIns="91425" spcFirstLastPara="1" rIns="91425" wrap="square" tIns="91425">
+          <a:bodyPr spcFirstLastPara="1" wrap="square" lIns="91425" tIns="91425" rIns="91425" bIns="91425" anchor="t" anchorCtr="0">
             <a:noAutofit/>
           </a:bodyPr>
           <a:lstStyle/>
           <a:p>
-            <a:pPr indent="0" lvl="0" marL="0" rtl="0" algn="l">
+            <a:pPr marL="0" lvl="0" indent="0" algn="l" rtl="0">
               <a:spcBef>
                 <a:spcPts val="0"/>
               </a:spcBef>
@@ -1173,9 +1404,6 @@
               </a:spcAft>
               <a:buNone/>
             </a:pPr>
-            <a:r>
-              <a:t/>
-            </a:r>
             <a:endParaRPr/>
           </a:p>
         </p:txBody>
@@ -1189,11 +1417,11 @@
 </file>
 
 <file path=ppt/notesSlides/notesSlide6.xml><?xml version="1.0" encoding="utf-8"?>
-<p:notes xmlns:a="http://schemas.openxmlformats.org/drawingml/2006/main" xmlns:r="http://schemas.openxmlformats.org/officeDocument/2006/relationships" xmlns:mc="http://schemas.openxmlformats.org/markup-compatibility/2006" xmlns:mv="urn:schemas-microsoft-com:mac:vml" xmlns:p="http://schemas.openxmlformats.org/presentationml/2006/main" xmlns:c="http://schemas.openxmlformats.org/drawingml/2006/chart" xmlns:dgm="http://schemas.openxmlformats.org/drawingml/2006/diagram" xmlns:o="urn:schemas-microsoft-com:office:office" xmlns:v="urn:schemas-microsoft-com:vml" xmlns:pvml="urn:schemas-microsoft-com:office:powerpoint" xmlns:com="http://schemas.openxmlformats.org/drawingml/2006/compatibility" xmlns:p14="http://schemas.microsoft.com/office/powerpoint/2010/main" xmlns:p15="http://schemas.microsoft.com/office/powerpoint/2012/main" xmlns:ahyp="http://schemas.microsoft.com/office/drawing/2018/hyperlinkcolor" showMasterPhAnim="0" showMasterSp="0">
+<p:notes xmlns:a="http://schemas.openxmlformats.org/drawingml/2006/main" xmlns:r="http://schemas.openxmlformats.org/officeDocument/2006/relationships" xmlns:p="http://schemas.openxmlformats.org/presentationml/2006/main" showMasterSp="0" showMasterPhAnim="0">
   <p:cSld>
     <p:spTree>
       <p:nvGrpSpPr>
-        <p:cNvPr id="80" name="Shape 80"/>
+        <p:cNvPr id="1" name="Shape 80"/>
         <p:cNvGrpSpPr/>
         <p:nvPr/>
       </p:nvGrpSpPr>
@@ -1208,20 +1436,26 @@
       <p:sp>
         <p:nvSpPr>
           <p:cNvPr id="81" name="Google Shape;81;gc51a047ac4_0_22:notes"/>
-          <p:cNvSpPr/>
+          <p:cNvSpPr>
+            <a:spLocks noGrp="1" noRot="1" noChangeAspect="1"/>
+          </p:cNvSpPr>
           <p:nvPr>
-            <p:ph idx="2" type="sldImg"/>
+            <p:ph type="sldImg" idx="2"/>
           </p:nvPr>
         </p:nvSpPr>
         <p:spPr>
           <a:xfrm>
-            <a:off x="381300" y="685800"/>
+            <a:off x="381000" y="685800"/>
             <a:ext cx="6096000" cy="3429000"/>
           </a:xfrm>
           <a:custGeom>
-            <a:rect b="b" l="l" r="r" t="t"/>
+            <a:avLst/>
+            <a:gdLst/>
+            <a:ahLst/>
+            <a:cxnLst/>
+            <a:rect l="l" t="t" r="r" b="b"/>
             <a:pathLst>
-              <a:path extrusionOk="0" h="120000" w="120000">
+              <a:path w="120000" h="120000" extrusionOk="0">
                 <a:moveTo>
                   <a:pt x="0" y="0"/>
                 </a:moveTo>
@@ -1243,9 +1477,11 @@
       <p:sp>
         <p:nvSpPr>
           <p:cNvPr id="82" name="Google Shape;82;gc51a047ac4_0_22:notes"/>
-          <p:cNvSpPr txBox="1"/>
+          <p:cNvSpPr txBox="1">
+            <a:spLocks noGrp="1"/>
+          </p:cNvSpPr>
           <p:nvPr>
-            <p:ph idx="1" type="body"/>
+            <p:ph type="body" idx="1"/>
           </p:nvPr>
         </p:nvSpPr>
         <p:spPr>
@@ -1258,12 +1494,12 @@
           </a:prstGeom>
         </p:spPr>
         <p:txBody>
-          <a:bodyPr anchorCtr="0" anchor="t" bIns="91425" lIns="91425" spcFirstLastPara="1" rIns="91425" wrap="square" tIns="91425">
+          <a:bodyPr spcFirstLastPara="1" wrap="square" lIns="91425" tIns="91425" rIns="91425" bIns="91425" anchor="t" anchorCtr="0">
             <a:noAutofit/>
           </a:bodyPr>
           <a:lstStyle/>
           <a:p>
-            <a:pPr indent="0" lvl="0" marL="0" rtl="0" algn="l">
+            <a:pPr marL="0" lvl="0" indent="0" algn="l" rtl="0">
               <a:spcBef>
                 <a:spcPts val="0"/>
               </a:spcBef>
@@ -1272,9 +1508,6 @@
               </a:spcAft>
               <a:buNone/>
             </a:pPr>
-            <a:r>
-              <a:t/>
-            </a:r>
             <a:endParaRPr/>
           </a:p>
         </p:txBody>
@@ -1288,11 +1521,11 @@
 </file>
 
 <file path=ppt/notesSlides/notesSlide7.xml><?xml version="1.0" encoding="utf-8"?>
-<p:notes xmlns:a="http://schemas.openxmlformats.org/drawingml/2006/main" xmlns:r="http://schemas.openxmlformats.org/officeDocument/2006/relationships" xmlns:mc="http://schemas.openxmlformats.org/markup-compatibility/2006" xmlns:mv="urn:schemas-microsoft-com:mac:vml" xmlns:p="http://schemas.openxmlformats.org/presentationml/2006/main" xmlns:c="http://schemas.openxmlformats.org/drawingml/2006/chart" xmlns:dgm="http://schemas.openxmlformats.org/drawingml/2006/diagram" xmlns:o="urn:schemas-microsoft-com:office:office" xmlns:v="urn:schemas-microsoft-com:vml" xmlns:pvml="urn:schemas-microsoft-com:office:powerpoint" xmlns:com="http://schemas.openxmlformats.org/drawingml/2006/compatibility" xmlns:p14="http://schemas.microsoft.com/office/powerpoint/2010/main" xmlns:p15="http://schemas.microsoft.com/office/powerpoint/2012/main" xmlns:ahyp="http://schemas.microsoft.com/office/drawing/2018/hyperlinkcolor" showMasterPhAnim="0" showMasterSp="0">
+<p:notes xmlns:a="http://schemas.openxmlformats.org/drawingml/2006/main" xmlns:r="http://schemas.openxmlformats.org/officeDocument/2006/relationships" xmlns:p="http://schemas.openxmlformats.org/presentationml/2006/main" showMasterSp="0" showMasterPhAnim="0">
   <p:cSld>
     <p:spTree>
       <p:nvGrpSpPr>
-        <p:cNvPr id="86" name="Shape 86"/>
+        <p:cNvPr id="1" name="Shape 86"/>
         <p:cNvGrpSpPr/>
         <p:nvPr/>
       </p:nvGrpSpPr>
@@ -1307,20 +1540,26 @@
       <p:sp>
         <p:nvSpPr>
           <p:cNvPr id="87" name="Google Shape;87;gc51a047ac4_0_27:notes"/>
-          <p:cNvSpPr/>
+          <p:cNvSpPr>
+            <a:spLocks noGrp="1" noRot="1" noChangeAspect="1"/>
+          </p:cNvSpPr>
           <p:nvPr>
-            <p:ph idx="2" type="sldImg"/>
+            <p:ph type="sldImg" idx="2"/>
           </p:nvPr>
         </p:nvSpPr>
         <p:spPr>
           <a:xfrm>
-            <a:off x="381300" y="685800"/>
+            <a:off x="381000" y="685800"/>
             <a:ext cx="6096000" cy="3429000"/>
           </a:xfrm>
           <a:custGeom>
-            <a:rect b="b" l="l" r="r" t="t"/>
+            <a:avLst/>
+            <a:gdLst/>
+            <a:ahLst/>
+            <a:cxnLst/>
+            <a:rect l="l" t="t" r="r" b="b"/>
             <a:pathLst>
-              <a:path extrusionOk="0" h="120000" w="120000">
+              <a:path w="120000" h="120000" extrusionOk="0">
                 <a:moveTo>
                   <a:pt x="0" y="0"/>
                 </a:moveTo>
@@ -1342,9 +1581,11 @@
       <p:sp>
         <p:nvSpPr>
           <p:cNvPr id="88" name="Google Shape;88;gc51a047ac4_0_27:notes"/>
-          <p:cNvSpPr txBox="1"/>
+          <p:cNvSpPr txBox="1">
+            <a:spLocks noGrp="1"/>
+          </p:cNvSpPr>
           <p:nvPr>
-            <p:ph idx="1" type="body"/>
+            <p:ph type="body" idx="1"/>
           </p:nvPr>
         </p:nvSpPr>
         <p:spPr>
@@ -1357,12 +1598,12 @@
           </a:prstGeom>
         </p:spPr>
         <p:txBody>
-          <a:bodyPr anchorCtr="0" anchor="t" bIns="91425" lIns="91425" spcFirstLastPara="1" rIns="91425" wrap="square" tIns="91425">
+          <a:bodyPr spcFirstLastPara="1" wrap="square" lIns="91425" tIns="91425" rIns="91425" bIns="91425" anchor="t" anchorCtr="0">
             <a:noAutofit/>
           </a:bodyPr>
           <a:lstStyle/>
           <a:p>
-            <a:pPr indent="0" lvl="0" marL="0" rtl="0" algn="l">
+            <a:pPr marL="0" lvl="0" indent="0" algn="l" rtl="0">
               <a:spcBef>
                 <a:spcPts val="0"/>
               </a:spcBef>
@@ -1371,9 +1612,6 @@
               </a:spcAft>
               <a:buNone/>
             </a:pPr>
-            <a:r>
-              <a:t/>
-            </a:r>
             <a:endParaRPr/>
           </a:p>
         </p:txBody>
@@ -1387,11 +1625,11 @@
 </file>
 
 <file path=ppt/notesSlides/notesSlide8.xml><?xml version="1.0" encoding="utf-8"?>
-<p:notes xmlns:a="http://schemas.openxmlformats.org/drawingml/2006/main" xmlns:r="http://schemas.openxmlformats.org/officeDocument/2006/relationships" xmlns:mc="http://schemas.openxmlformats.org/markup-compatibility/2006" xmlns:mv="urn:schemas-microsoft-com:mac:vml" xmlns:p="http://schemas.openxmlformats.org/presentationml/2006/main" xmlns:c="http://schemas.openxmlformats.org/drawingml/2006/chart" xmlns:dgm="http://schemas.openxmlformats.org/drawingml/2006/diagram" xmlns:o="urn:schemas-microsoft-com:office:office" xmlns:v="urn:schemas-microsoft-com:vml" xmlns:pvml="urn:schemas-microsoft-com:office:powerpoint" xmlns:com="http://schemas.openxmlformats.org/drawingml/2006/compatibility" xmlns:p14="http://schemas.microsoft.com/office/powerpoint/2010/main" xmlns:p15="http://schemas.microsoft.com/office/powerpoint/2012/main" xmlns:ahyp="http://schemas.microsoft.com/office/drawing/2018/hyperlinkcolor" showMasterPhAnim="0" showMasterSp="0">
+<p:notes xmlns:a="http://schemas.openxmlformats.org/drawingml/2006/main" xmlns:r="http://schemas.openxmlformats.org/officeDocument/2006/relationships" xmlns:p="http://schemas.openxmlformats.org/presentationml/2006/main" showMasterSp="0" showMasterPhAnim="0">
   <p:cSld>
     <p:spTree>
       <p:nvGrpSpPr>
-        <p:cNvPr id="92" name="Shape 92"/>
+        <p:cNvPr id="1" name="Shape 92"/>
         <p:cNvGrpSpPr/>
         <p:nvPr/>
       </p:nvGrpSpPr>
@@ -1406,9 +1644,11 @@
       <p:sp>
         <p:nvSpPr>
           <p:cNvPr id="93" name="Google Shape;93;gc51a047ac4_0_32:notes"/>
-          <p:cNvSpPr/>
+          <p:cNvSpPr>
+            <a:spLocks noGrp="1" noRot="1" noChangeAspect="1"/>
+          </p:cNvSpPr>
           <p:nvPr>
-            <p:ph idx="2" type="sldImg"/>
+            <p:ph type="sldImg" idx="2"/>
           </p:nvPr>
         </p:nvSpPr>
         <p:spPr>
@@ -1417,9 +1657,13 @@
             <a:ext cx="6096000" cy="3429000"/>
           </a:xfrm>
           <a:custGeom>
-            <a:rect b="b" l="l" r="r" t="t"/>
+            <a:avLst/>
+            <a:gdLst/>
+            <a:ahLst/>
+            <a:cxnLst/>
+            <a:rect l="l" t="t" r="r" b="b"/>
             <a:pathLst>
-              <a:path extrusionOk="0" h="120000" w="120000">
+              <a:path w="120000" h="120000" extrusionOk="0">
                 <a:moveTo>
                   <a:pt x="0" y="0"/>
                 </a:moveTo>
@@ -1441,9 +1685,11 @@
       <p:sp>
         <p:nvSpPr>
           <p:cNvPr id="94" name="Google Shape;94;gc51a047ac4_0_32:notes"/>
-          <p:cNvSpPr txBox="1"/>
+          <p:cNvSpPr txBox="1">
+            <a:spLocks noGrp="1"/>
+          </p:cNvSpPr>
           <p:nvPr>
-            <p:ph idx="1" type="body"/>
+            <p:ph type="body" idx="1"/>
           </p:nvPr>
         </p:nvSpPr>
         <p:spPr>
@@ -1456,12 +1702,12 @@
           </a:prstGeom>
         </p:spPr>
         <p:txBody>
-          <a:bodyPr anchorCtr="0" anchor="t" bIns="91425" lIns="91425" spcFirstLastPara="1" rIns="91425" wrap="square" tIns="91425">
+          <a:bodyPr spcFirstLastPara="1" wrap="square" lIns="91425" tIns="91425" rIns="91425" bIns="91425" anchor="t" anchorCtr="0">
             <a:noAutofit/>
           </a:bodyPr>
           <a:lstStyle/>
           <a:p>
-            <a:pPr indent="0" lvl="0" marL="0" rtl="0" algn="l">
+            <a:pPr marL="0" lvl="0" indent="0" algn="l" rtl="0">
               <a:spcBef>
                 <a:spcPts val="0"/>
               </a:spcBef>
@@ -1470,9 +1716,6 @@
               </a:spcAft>
               <a:buNone/>
             </a:pPr>
-            <a:r>
-              <a:t/>
-            </a:r>
             <a:endParaRPr/>
           </a:p>
         </p:txBody>
@@ -1486,11 +1729,11 @@
 </file>
 
 <file path=ppt/slideLayouts/slideLayout1.xml><?xml version="1.0" encoding="utf-8"?>
-<p:sldLayout xmlns:a="http://schemas.openxmlformats.org/drawingml/2006/main" xmlns:r="http://schemas.openxmlformats.org/officeDocument/2006/relationships" xmlns:mc="http://schemas.openxmlformats.org/markup-compatibility/2006" xmlns:mv="urn:schemas-microsoft-com:mac:vml" xmlns:p="http://schemas.openxmlformats.org/presentationml/2006/main" xmlns:c="http://schemas.openxmlformats.org/drawingml/2006/chart" xmlns:dgm="http://schemas.openxmlformats.org/drawingml/2006/diagram" xmlns:o="urn:schemas-microsoft-com:office:office" xmlns:v="urn:schemas-microsoft-com:vml" xmlns:pvml="urn:schemas-microsoft-com:office:powerpoint" xmlns:com="http://schemas.openxmlformats.org/drawingml/2006/compatibility" xmlns:p14="http://schemas.microsoft.com/office/powerpoint/2010/main" xmlns:p15="http://schemas.microsoft.com/office/powerpoint/2012/main" xmlns:ahyp="http://schemas.microsoft.com/office/drawing/2018/hyperlinkcolor" matchingName="Title slide" type="title">
+<p:sldLayout xmlns:a="http://schemas.openxmlformats.org/drawingml/2006/main" xmlns:r="http://schemas.openxmlformats.org/officeDocument/2006/relationships" xmlns:p="http://schemas.openxmlformats.org/presentationml/2006/main" matchingName="Title slide" type="title">
   <p:cSld name="TITLE">
     <p:spTree>
       <p:nvGrpSpPr>
-        <p:cNvPr id="9" name="Shape 9"/>
+        <p:cNvPr id="1" name="Shape 9"/>
         <p:cNvGrpSpPr/>
         <p:nvPr/>
       </p:nvGrpSpPr>
@@ -1505,7 +1748,9 @@
       <p:sp>
         <p:nvSpPr>
           <p:cNvPr id="10" name="Google Shape;10;p2"/>
-          <p:cNvSpPr txBox="1"/>
+          <p:cNvSpPr txBox="1">
+            <a:spLocks noGrp="1"/>
+          </p:cNvSpPr>
           <p:nvPr>
             <p:ph type="ctrTitle"/>
           </p:nvPr>
@@ -1520,7 +1765,7 @@
           </a:prstGeom>
         </p:spPr>
         <p:txBody>
-          <a:bodyPr anchorCtr="0" anchor="b" bIns="91425" lIns="91425" spcFirstLastPara="1" rIns="91425" wrap="square" tIns="91425">
+          <a:bodyPr spcFirstLastPara="1" wrap="square" lIns="91425" tIns="91425" rIns="91425" bIns="91425" anchor="b" anchorCtr="0">
             <a:normAutofit/>
           </a:bodyPr>
           <a:lstStyle>
@@ -1624,15 +1869,19 @@
               <a:defRPr sz="5200"/>
             </a:lvl9pPr>
           </a:lstStyle>
-          <a:p/>
+          <a:p>
+            <a:endParaRPr/>
+          </a:p>
         </p:txBody>
       </p:sp>
       <p:sp>
         <p:nvSpPr>
           <p:cNvPr id="11" name="Google Shape;11;p2"/>
-          <p:cNvSpPr txBox="1"/>
+          <p:cNvSpPr txBox="1">
+            <a:spLocks noGrp="1"/>
+          </p:cNvSpPr>
           <p:nvPr>
-            <p:ph idx="1" type="subTitle"/>
+            <p:ph type="subTitle" idx="1"/>
           </p:nvPr>
         </p:nvSpPr>
         <p:spPr>
@@ -1645,7 +1894,7 @@
           </a:prstGeom>
         </p:spPr>
         <p:txBody>
-          <a:bodyPr anchorCtr="0" anchor="t" bIns="91425" lIns="91425" spcFirstLastPara="1" rIns="91425" wrap="square" tIns="91425">
+          <a:bodyPr spcFirstLastPara="1" wrap="square" lIns="91425" tIns="91425" rIns="91425" bIns="91425" anchor="t" anchorCtr="0">
             <a:normAutofit/>
           </a:bodyPr>
           <a:lstStyle>
@@ -1776,15 +2025,19 @@
               <a:defRPr sz="2800"/>
             </a:lvl9pPr>
           </a:lstStyle>
-          <a:p/>
+          <a:p>
+            <a:endParaRPr/>
+          </a:p>
         </p:txBody>
       </p:sp>
       <p:sp>
         <p:nvSpPr>
           <p:cNvPr id="12" name="Google Shape;12;p2"/>
-          <p:cNvSpPr txBox="1"/>
+          <p:cNvSpPr txBox="1">
+            <a:spLocks noGrp="1"/>
+          </p:cNvSpPr>
           <p:nvPr>
-            <p:ph idx="12" type="sldNum"/>
+            <p:ph type="sldNum" idx="12"/>
           </p:nvPr>
         </p:nvSpPr>
         <p:spPr>
@@ -1797,7 +2050,7 @@
           </a:prstGeom>
         </p:spPr>
         <p:txBody>
-          <a:bodyPr anchorCtr="0" anchor="ctr" bIns="91425" lIns="91425" spcFirstLastPara="1" rIns="91425" wrap="square" tIns="91425">
+          <a:bodyPr spcFirstLastPara="1" wrap="square" lIns="91425" tIns="91425" rIns="91425" bIns="91425" anchor="ctr" anchorCtr="0">
             <a:normAutofit/>
           </a:bodyPr>
           <a:lstStyle>
@@ -1839,7 +2092,7 @@
             </a:lvl9pPr>
           </a:lstStyle>
           <a:p>
-            <a:pPr indent="0" lvl="0" marL="0" rtl="0" algn="r">
+            <a:pPr marL="0" lvl="0" indent="0" algn="r" rtl="0">
               <a:spcBef>
                 <a:spcPts val="0"/>
               </a:spcBef>
@@ -1865,11 +2118,11 @@
 </file>
 
 <file path=ppt/slideLayouts/slideLayout10.xml><?xml version="1.0" encoding="utf-8"?>
-<p:sldLayout xmlns:a="http://schemas.openxmlformats.org/drawingml/2006/main" xmlns:r="http://schemas.openxmlformats.org/officeDocument/2006/relationships" xmlns:mc="http://schemas.openxmlformats.org/markup-compatibility/2006" xmlns:mv="urn:schemas-microsoft-com:mac:vml" xmlns:p="http://schemas.openxmlformats.org/presentationml/2006/main" xmlns:c="http://schemas.openxmlformats.org/drawingml/2006/chart" xmlns:dgm="http://schemas.openxmlformats.org/drawingml/2006/diagram" xmlns:o="urn:schemas-microsoft-com:office:office" xmlns:v="urn:schemas-microsoft-com:vml" xmlns:pvml="urn:schemas-microsoft-com:office:powerpoint" xmlns:com="http://schemas.openxmlformats.org/drawingml/2006/compatibility" xmlns:p14="http://schemas.microsoft.com/office/powerpoint/2010/main" xmlns:p15="http://schemas.microsoft.com/office/powerpoint/2012/main" xmlns:ahyp="http://schemas.microsoft.com/office/drawing/2018/hyperlinkcolor" matchingName="Big number">
+<p:sldLayout xmlns:a="http://schemas.openxmlformats.org/drawingml/2006/main" xmlns:r="http://schemas.openxmlformats.org/officeDocument/2006/relationships" xmlns:p="http://schemas.openxmlformats.org/presentationml/2006/main" matchingName="Big number">
   <p:cSld name="BIG_NUMBER">
     <p:spTree>
       <p:nvGrpSpPr>
-        <p:cNvPr id="44" name="Shape 44"/>
+        <p:cNvPr id="1" name="Shape 44"/>
         <p:cNvGrpSpPr/>
         <p:nvPr/>
       </p:nvGrpSpPr>
@@ -1884,9 +2137,11 @@
       <p:sp>
         <p:nvSpPr>
           <p:cNvPr id="45" name="Google Shape;45;p11"/>
-          <p:cNvSpPr txBox="1"/>
+          <p:cNvSpPr txBox="1">
+            <a:spLocks noGrp="1"/>
+          </p:cNvSpPr>
           <p:nvPr>
-            <p:ph hasCustomPrompt="1" type="title"/>
+            <p:ph type="title" hasCustomPrompt="1"/>
           </p:nvPr>
         </p:nvSpPr>
         <p:spPr>
@@ -1899,7 +2154,7 @@
           </a:prstGeom>
         </p:spPr>
         <p:txBody>
-          <a:bodyPr anchorCtr="0" anchor="b" bIns="91425" lIns="91425" spcFirstLastPara="1" rIns="91425" wrap="square" tIns="91425">
+          <a:bodyPr spcFirstLastPara="1" wrap="square" lIns="91425" tIns="91425" rIns="91425" bIns="91425" anchor="b" anchorCtr="0">
             <a:normAutofit/>
           </a:bodyPr>
           <a:lstStyle>
@@ -2013,9 +2268,11 @@
       <p:sp>
         <p:nvSpPr>
           <p:cNvPr id="46" name="Google Shape;46;p11"/>
-          <p:cNvSpPr txBox="1"/>
+          <p:cNvSpPr txBox="1">
+            <a:spLocks noGrp="1"/>
+          </p:cNvSpPr>
           <p:nvPr>
-            <p:ph idx="1" type="body"/>
+            <p:ph type="body" idx="1"/>
           </p:nvPr>
         </p:nvSpPr>
         <p:spPr>
@@ -2028,11 +2285,11 @@
           </a:prstGeom>
         </p:spPr>
         <p:txBody>
-          <a:bodyPr anchorCtr="0" anchor="t" bIns="91425" lIns="91425" spcFirstLastPara="1" rIns="91425" wrap="square" tIns="91425">
+          <a:bodyPr spcFirstLastPara="1" wrap="square" lIns="91425" tIns="91425" rIns="91425" bIns="91425" anchor="t" anchorCtr="0">
             <a:normAutofit/>
           </a:bodyPr>
           <a:lstStyle>
-            <a:lvl1pPr indent="-342900" lvl="0" marL="457200" algn="ctr">
+            <a:lvl1pPr marL="457200" lvl="0" indent="-342900" algn="ctr">
               <a:spcBef>
                 <a:spcPts val="0"/>
               </a:spcBef>
@@ -2043,7 +2300,7 @@
               <a:buChar char="●"/>
               <a:defRPr/>
             </a:lvl1pPr>
-            <a:lvl2pPr indent="-317500" lvl="1" marL="914400" algn="ctr">
+            <a:lvl2pPr marL="914400" lvl="1" indent="-317500" algn="ctr">
               <a:spcBef>
                 <a:spcPts val="0"/>
               </a:spcBef>
@@ -2054,7 +2311,7 @@
               <a:buChar char="○"/>
               <a:defRPr/>
             </a:lvl2pPr>
-            <a:lvl3pPr indent="-317500" lvl="2" marL="1371600" algn="ctr">
+            <a:lvl3pPr marL="1371600" lvl="2" indent="-317500" algn="ctr">
               <a:spcBef>
                 <a:spcPts val="0"/>
               </a:spcBef>
@@ -2065,7 +2322,7 @@
               <a:buChar char="■"/>
               <a:defRPr/>
             </a:lvl3pPr>
-            <a:lvl4pPr indent="-317500" lvl="3" marL="1828800" algn="ctr">
+            <a:lvl4pPr marL="1828800" lvl="3" indent="-317500" algn="ctr">
               <a:spcBef>
                 <a:spcPts val="0"/>
               </a:spcBef>
@@ -2076,7 +2333,7 @@
               <a:buChar char="●"/>
               <a:defRPr/>
             </a:lvl4pPr>
-            <a:lvl5pPr indent="-317500" lvl="4" marL="2286000" algn="ctr">
+            <a:lvl5pPr marL="2286000" lvl="4" indent="-317500" algn="ctr">
               <a:spcBef>
                 <a:spcPts val="0"/>
               </a:spcBef>
@@ -2087,7 +2344,7 @@
               <a:buChar char="○"/>
               <a:defRPr/>
             </a:lvl5pPr>
-            <a:lvl6pPr indent="-317500" lvl="5" marL="2743200" algn="ctr">
+            <a:lvl6pPr marL="2743200" lvl="5" indent="-317500" algn="ctr">
               <a:spcBef>
                 <a:spcPts val="0"/>
               </a:spcBef>
@@ -2098,7 +2355,7 @@
               <a:buChar char="■"/>
               <a:defRPr/>
             </a:lvl6pPr>
-            <a:lvl7pPr indent="-317500" lvl="6" marL="3200400" algn="ctr">
+            <a:lvl7pPr marL="3200400" lvl="6" indent="-317500" algn="ctr">
               <a:spcBef>
                 <a:spcPts val="0"/>
               </a:spcBef>
@@ -2109,7 +2366,7 @@
               <a:buChar char="●"/>
               <a:defRPr/>
             </a:lvl7pPr>
-            <a:lvl8pPr indent="-317500" lvl="7" marL="3657600" algn="ctr">
+            <a:lvl8pPr marL="3657600" lvl="7" indent="-317500" algn="ctr">
               <a:spcBef>
                 <a:spcPts val="0"/>
               </a:spcBef>
@@ -2120,7 +2377,7 @@
               <a:buChar char="○"/>
               <a:defRPr/>
             </a:lvl8pPr>
-            <a:lvl9pPr indent="-317500" lvl="8" marL="4114800" algn="ctr">
+            <a:lvl9pPr marL="4114800" lvl="8" indent="-317500" algn="ctr">
               <a:spcBef>
                 <a:spcPts val="0"/>
               </a:spcBef>
@@ -2132,15 +2389,19 @@
               <a:defRPr/>
             </a:lvl9pPr>
           </a:lstStyle>
-          <a:p/>
+          <a:p>
+            <a:endParaRPr/>
+          </a:p>
         </p:txBody>
       </p:sp>
       <p:sp>
         <p:nvSpPr>
           <p:cNvPr id="47" name="Google Shape;47;p11"/>
-          <p:cNvSpPr txBox="1"/>
+          <p:cNvSpPr txBox="1">
+            <a:spLocks noGrp="1"/>
+          </p:cNvSpPr>
           <p:nvPr>
-            <p:ph idx="12" type="sldNum"/>
+            <p:ph type="sldNum" idx="12"/>
           </p:nvPr>
         </p:nvSpPr>
         <p:spPr>
@@ -2153,7 +2414,7 @@
           </a:prstGeom>
         </p:spPr>
         <p:txBody>
-          <a:bodyPr anchorCtr="0" anchor="ctr" bIns="91425" lIns="91425" spcFirstLastPara="1" rIns="91425" wrap="square" tIns="91425">
+          <a:bodyPr spcFirstLastPara="1" wrap="square" lIns="91425" tIns="91425" rIns="91425" bIns="91425" anchor="ctr" anchorCtr="0">
             <a:normAutofit/>
           </a:bodyPr>
           <a:lstStyle>
@@ -2195,7 +2456,7 @@
             </a:lvl9pPr>
           </a:lstStyle>
           <a:p>
-            <a:pPr indent="0" lvl="0" marL="0" rtl="0" algn="r">
+            <a:pPr marL="0" lvl="0" indent="0" algn="r" rtl="0">
               <a:spcBef>
                 <a:spcPts val="0"/>
               </a:spcBef>
@@ -2221,11 +2482,11 @@
 </file>
 
 <file path=ppt/slideLayouts/slideLayout11.xml><?xml version="1.0" encoding="utf-8"?>
-<p:sldLayout xmlns:a="http://schemas.openxmlformats.org/drawingml/2006/main" xmlns:r="http://schemas.openxmlformats.org/officeDocument/2006/relationships" xmlns:mc="http://schemas.openxmlformats.org/markup-compatibility/2006" xmlns:mv="urn:schemas-microsoft-com:mac:vml" xmlns:p="http://schemas.openxmlformats.org/presentationml/2006/main" xmlns:c="http://schemas.openxmlformats.org/drawingml/2006/chart" xmlns:dgm="http://schemas.openxmlformats.org/drawingml/2006/diagram" xmlns:o="urn:schemas-microsoft-com:office:office" xmlns:v="urn:schemas-microsoft-com:vml" xmlns:pvml="urn:schemas-microsoft-com:office:powerpoint" xmlns:com="http://schemas.openxmlformats.org/drawingml/2006/compatibility" xmlns:p14="http://schemas.microsoft.com/office/powerpoint/2010/main" xmlns:p15="http://schemas.microsoft.com/office/powerpoint/2012/main" xmlns:ahyp="http://schemas.microsoft.com/office/drawing/2018/hyperlinkcolor" matchingName="Blank" type="blank">
+<p:sldLayout xmlns:a="http://schemas.openxmlformats.org/drawingml/2006/main" xmlns:r="http://schemas.openxmlformats.org/officeDocument/2006/relationships" xmlns:p="http://schemas.openxmlformats.org/presentationml/2006/main" matchingName="Blank" type="blank">
   <p:cSld name="BLANK">
     <p:spTree>
       <p:nvGrpSpPr>
-        <p:cNvPr id="48" name="Shape 48"/>
+        <p:cNvPr id="1" name="Shape 48"/>
         <p:cNvGrpSpPr/>
         <p:nvPr/>
       </p:nvGrpSpPr>
@@ -2240,9 +2501,11 @@
       <p:sp>
         <p:nvSpPr>
           <p:cNvPr id="49" name="Google Shape;49;p12"/>
-          <p:cNvSpPr txBox="1"/>
+          <p:cNvSpPr txBox="1">
+            <a:spLocks noGrp="1"/>
+          </p:cNvSpPr>
           <p:nvPr>
-            <p:ph idx="12" type="sldNum"/>
+            <p:ph type="sldNum" idx="12"/>
           </p:nvPr>
         </p:nvSpPr>
         <p:spPr>
@@ -2255,7 +2518,7 @@
           </a:prstGeom>
         </p:spPr>
         <p:txBody>
-          <a:bodyPr anchorCtr="0" anchor="ctr" bIns="91425" lIns="91425" spcFirstLastPara="1" rIns="91425" wrap="square" tIns="91425">
+          <a:bodyPr spcFirstLastPara="1" wrap="square" lIns="91425" tIns="91425" rIns="91425" bIns="91425" anchor="ctr" anchorCtr="0">
             <a:normAutofit/>
           </a:bodyPr>
           <a:lstStyle>
@@ -2297,7 +2560,7 @@
             </a:lvl9pPr>
           </a:lstStyle>
           <a:p>
-            <a:pPr indent="0" lvl="0" marL="0" rtl="0" algn="r">
+            <a:pPr marL="0" lvl="0" indent="0" algn="r" rtl="0">
               <a:spcBef>
                 <a:spcPts val="0"/>
               </a:spcBef>
@@ -2323,11 +2586,11 @@
 </file>
 
 <file path=ppt/slideLayouts/slideLayout2.xml><?xml version="1.0" encoding="utf-8"?>
-<p:sldLayout xmlns:a="http://schemas.openxmlformats.org/drawingml/2006/main" xmlns:r="http://schemas.openxmlformats.org/officeDocument/2006/relationships" xmlns:mc="http://schemas.openxmlformats.org/markup-compatibility/2006" xmlns:mv="urn:schemas-microsoft-com:mac:vml" xmlns:p="http://schemas.openxmlformats.org/presentationml/2006/main" xmlns:c="http://schemas.openxmlformats.org/drawingml/2006/chart" xmlns:dgm="http://schemas.openxmlformats.org/drawingml/2006/diagram" xmlns:o="urn:schemas-microsoft-com:office:office" xmlns:v="urn:schemas-microsoft-com:vml" xmlns:pvml="urn:schemas-microsoft-com:office:powerpoint" xmlns:com="http://schemas.openxmlformats.org/drawingml/2006/compatibility" xmlns:p14="http://schemas.microsoft.com/office/powerpoint/2010/main" xmlns:p15="http://schemas.microsoft.com/office/powerpoint/2012/main" xmlns:ahyp="http://schemas.microsoft.com/office/drawing/2018/hyperlinkcolor" matchingName="Section header" type="secHead">
+<p:sldLayout xmlns:a="http://schemas.openxmlformats.org/drawingml/2006/main" xmlns:r="http://schemas.openxmlformats.org/officeDocument/2006/relationships" xmlns:p="http://schemas.openxmlformats.org/presentationml/2006/main" matchingName="Section header" type="secHead">
   <p:cSld name="SECTION_HEADER">
     <p:spTree>
       <p:nvGrpSpPr>
-        <p:cNvPr id="13" name="Shape 13"/>
+        <p:cNvPr id="1" name="Shape 13"/>
         <p:cNvGrpSpPr/>
         <p:nvPr/>
       </p:nvGrpSpPr>
@@ -2342,7 +2605,9 @@
       <p:sp>
         <p:nvSpPr>
           <p:cNvPr id="14" name="Google Shape;14;p3"/>
-          <p:cNvSpPr txBox="1"/>
+          <p:cNvSpPr txBox="1">
+            <a:spLocks noGrp="1"/>
+          </p:cNvSpPr>
           <p:nvPr>
             <p:ph type="title"/>
           </p:nvPr>
@@ -2357,7 +2622,7 @@
           </a:prstGeom>
         </p:spPr>
         <p:txBody>
-          <a:bodyPr anchorCtr="0" anchor="ctr" bIns="91425" lIns="91425" spcFirstLastPara="1" rIns="91425" wrap="square" tIns="91425">
+          <a:bodyPr spcFirstLastPara="1" wrap="square" lIns="91425" tIns="91425" rIns="91425" bIns="91425" anchor="ctr" anchorCtr="0">
             <a:normAutofit/>
           </a:bodyPr>
           <a:lstStyle>
@@ -2461,15 +2726,19 @@
               <a:defRPr sz="3600"/>
             </a:lvl9pPr>
           </a:lstStyle>
-          <a:p/>
+          <a:p>
+            <a:endParaRPr/>
+          </a:p>
         </p:txBody>
       </p:sp>
       <p:sp>
         <p:nvSpPr>
           <p:cNvPr id="15" name="Google Shape;15;p3"/>
-          <p:cNvSpPr txBox="1"/>
+          <p:cNvSpPr txBox="1">
+            <a:spLocks noGrp="1"/>
+          </p:cNvSpPr>
           <p:nvPr>
-            <p:ph idx="12" type="sldNum"/>
+            <p:ph type="sldNum" idx="12"/>
           </p:nvPr>
         </p:nvSpPr>
         <p:spPr>
@@ -2482,7 +2751,7 @@
           </a:prstGeom>
         </p:spPr>
         <p:txBody>
-          <a:bodyPr anchorCtr="0" anchor="ctr" bIns="91425" lIns="91425" spcFirstLastPara="1" rIns="91425" wrap="square" tIns="91425">
+          <a:bodyPr spcFirstLastPara="1" wrap="square" lIns="91425" tIns="91425" rIns="91425" bIns="91425" anchor="ctr" anchorCtr="0">
             <a:normAutofit/>
           </a:bodyPr>
           <a:lstStyle>
@@ -2524,7 +2793,7 @@
             </a:lvl9pPr>
           </a:lstStyle>
           <a:p>
-            <a:pPr indent="0" lvl="0" marL="0" rtl="0" algn="r">
+            <a:pPr marL="0" lvl="0" indent="0" algn="r" rtl="0">
               <a:spcBef>
                 <a:spcPts val="0"/>
               </a:spcBef>
@@ -2550,11 +2819,11 @@
 </file>
 
 <file path=ppt/slideLayouts/slideLayout3.xml><?xml version="1.0" encoding="utf-8"?>
-<p:sldLayout xmlns:a="http://schemas.openxmlformats.org/drawingml/2006/main" xmlns:r="http://schemas.openxmlformats.org/officeDocument/2006/relationships" xmlns:mc="http://schemas.openxmlformats.org/markup-compatibility/2006" xmlns:mv="urn:schemas-microsoft-com:mac:vml" xmlns:p="http://schemas.openxmlformats.org/presentationml/2006/main" xmlns:c="http://schemas.openxmlformats.org/drawingml/2006/chart" xmlns:dgm="http://schemas.openxmlformats.org/drawingml/2006/diagram" xmlns:o="urn:schemas-microsoft-com:office:office" xmlns:v="urn:schemas-microsoft-com:vml" xmlns:pvml="urn:schemas-microsoft-com:office:powerpoint" xmlns:com="http://schemas.openxmlformats.org/drawingml/2006/compatibility" xmlns:p14="http://schemas.microsoft.com/office/powerpoint/2010/main" xmlns:p15="http://schemas.microsoft.com/office/powerpoint/2012/main" xmlns:ahyp="http://schemas.microsoft.com/office/drawing/2018/hyperlinkcolor" matchingName="Title and body" type="tx">
+<p:sldLayout xmlns:a="http://schemas.openxmlformats.org/drawingml/2006/main" xmlns:r="http://schemas.openxmlformats.org/officeDocument/2006/relationships" xmlns:p="http://schemas.openxmlformats.org/presentationml/2006/main" matchingName="Title and body" type="tx">
   <p:cSld name="TITLE_AND_BODY">
     <p:spTree>
       <p:nvGrpSpPr>
-        <p:cNvPr id="16" name="Shape 16"/>
+        <p:cNvPr id="1" name="Shape 16"/>
         <p:cNvGrpSpPr/>
         <p:nvPr/>
       </p:nvGrpSpPr>
@@ -2569,7 +2838,9 @@
       <p:sp>
         <p:nvSpPr>
           <p:cNvPr id="17" name="Google Shape;17;p4"/>
-          <p:cNvSpPr txBox="1"/>
+          <p:cNvSpPr txBox="1">
+            <a:spLocks noGrp="1"/>
+          </p:cNvSpPr>
           <p:nvPr>
             <p:ph type="title"/>
           </p:nvPr>
@@ -2584,7 +2855,7 @@
           </a:prstGeom>
         </p:spPr>
         <p:txBody>
-          <a:bodyPr anchorCtr="0" anchor="t" bIns="91425" lIns="91425" spcFirstLastPara="1" rIns="91425" wrap="square" tIns="91425">
+          <a:bodyPr spcFirstLastPara="1" wrap="square" lIns="91425" tIns="91425" rIns="91425" bIns="91425" anchor="t" anchorCtr="0">
             <a:normAutofit/>
           </a:bodyPr>
           <a:lstStyle>
@@ -2688,15 +2959,19 @@
               <a:defRPr/>
             </a:lvl9pPr>
           </a:lstStyle>
-          <a:p/>
+          <a:p>
+            <a:endParaRPr/>
+          </a:p>
         </p:txBody>
       </p:sp>
       <p:sp>
         <p:nvSpPr>
           <p:cNvPr id="18" name="Google Shape;18;p4"/>
-          <p:cNvSpPr txBox="1"/>
+          <p:cNvSpPr txBox="1">
+            <a:spLocks noGrp="1"/>
+          </p:cNvSpPr>
           <p:nvPr>
-            <p:ph idx="1" type="body"/>
+            <p:ph type="body" idx="1"/>
           </p:nvPr>
         </p:nvSpPr>
         <p:spPr>
@@ -2709,11 +2984,11 @@
           </a:prstGeom>
         </p:spPr>
         <p:txBody>
-          <a:bodyPr anchorCtr="0" anchor="t" bIns="91425" lIns="91425" spcFirstLastPara="1" rIns="91425" wrap="square" tIns="91425">
+          <a:bodyPr spcFirstLastPara="1" wrap="square" lIns="91425" tIns="91425" rIns="91425" bIns="91425" anchor="t" anchorCtr="0">
             <a:normAutofit/>
           </a:bodyPr>
           <a:lstStyle>
-            <a:lvl1pPr indent="-342900" lvl="0" marL="457200">
+            <a:lvl1pPr marL="457200" lvl="0" indent="-342900">
               <a:spcBef>
                 <a:spcPts val="0"/>
               </a:spcBef>
@@ -2724,7 +2999,7 @@
               <a:buChar char="●"/>
               <a:defRPr/>
             </a:lvl1pPr>
-            <a:lvl2pPr indent="-317500" lvl="1" marL="914400">
+            <a:lvl2pPr marL="914400" lvl="1" indent="-317500">
               <a:spcBef>
                 <a:spcPts val="0"/>
               </a:spcBef>
@@ -2735,7 +3010,7 @@
               <a:buChar char="○"/>
               <a:defRPr/>
             </a:lvl2pPr>
-            <a:lvl3pPr indent="-317500" lvl="2" marL="1371600">
+            <a:lvl3pPr marL="1371600" lvl="2" indent="-317500">
               <a:spcBef>
                 <a:spcPts val="0"/>
               </a:spcBef>
@@ -2746,7 +3021,7 @@
               <a:buChar char="■"/>
               <a:defRPr/>
             </a:lvl3pPr>
-            <a:lvl4pPr indent="-317500" lvl="3" marL="1828800">
+            <a:lvl4pPr marL="1828800" lvl="3" indent="-317500">
               <a:spcBef>
                 <a:spcPts val="0"/>
               </a:spcBef>
@@ -2757,7 +3032,7 @@
               <a:buChar char="●"/>
               <a:defRPr/>
             </a:lvl4pPr>
-            <a:lvl5pPr indent="-317500" lvl="4" marL="2286000">
+            <a:lvl5pPr marL="2286000" lvl="4" indent="-317500">
               <a:spcBef>
                 <a:spcPts val="0"/>
               </a:spcBef>
@@ -2768,7 +3043,7 @@
               <a:buChar char="○"/>
               <a:defRPr/>
             </a:lvl5pPr>
-            <a:lvl6pPr indent="-317500" lvl="5" marL="2743200">
+            <a:lvl6pPr marL="2743200" lvl="5" indent="-317500">
               <a:spcBef>
                 <a:spcPts val="0"/>
               </a:spcBef>
@@ -2779,7 +3054,7 @@
               <a:buChar char="■"/>
               <a:defRPr/>
             </a:lvl6pPr>
-            <a:lvl7pPr indent="-317500" lvl="6" marL="3200400">
+            <a:lvl7pPr marL="3200400" lvl="6" indent="-317500">
               <a:spcBef>
                 <a:spcPts val="0"/>
               </a:spcBef>
@@ -2790,7 +3065,7 @@
               <a:buChar char="●"/>
               <a:defRPr/>
             </a:lvl7pPr>
-            <a:lvl8pPr indent="-317500" lvl="7" marL="3657600">
+            <a:lvl8pPr marL="3657600" lvl="7" indent="-317500">
               <a:spcBef>
                 <a:spcPts val="0"/>
               </a:spcBef>
@@ -2801,7 +3076,7 @@
               <a:buChar char="○"/>
               <a:defRPr/>
             </a:lvl8pPr>
-            <a:lvl9pPr indent="-317500" lvl="8" marL="4114800">
+            <a:lvl9pPr marL="4114800" lvl="8" indent="-317500">
               <a:spcBef>
                 <a:spcPts val="0"/>
               </a:spcBef>
@@ -2813,15 +3088,19 @@
               <a:defRPr/>
             </a:lvl9pPr>
           </a:lstStyle>
-          <a:p/>
+          <a:p>
+            <a:endParaRPr/>
+          </a:p>
         </p:txBody>
       </p:sp>
       <p:sp>
         <p:nvSpPr>
           <p:cNvPr id="19" name="Google Shape;19;p4"/>
-          <p:cNvSpPr txBox="1"/>
+          <p:cNvSpPr txBox="1">
+            <a:spLocks noGrp="1"/>
+          </p:cNvSpPr>
           <p:nvPr>
-            <p:ph idx="12" type="sldNum"/>
+            <p:ph type="sldNum" idx="12"/>
           </p:nvPr>
         </p:nvSpPr>
         <p:spPr>
@@ -2834,7 +3113,7 @@
           </a:prstGeom>
         </p:spPr>
         <p:txBody>
-          <a:bodyPr anchorCtr="0" anchor="ctr" bIns="91425" lIns="91425" spcFirstLastPara="1" rIns="91425" wrap="square" tIns="91425">
+          <a:bodyPr spcFirstLastPara="1" wrap="square" lIns="91425" tIns="91425" rIns="91425" bIns="91425" anchor="ctr" anchorCtr="0">
             <a:normAutofit/>
           </a:bodyPr>
           <a:lstStyle>
@@ -2876,7 +3155,7 @@
             </a:lvl9pPr>
           </a:lstStyle>
           <a:p>
-            <a:pPr indent="0" lvl="0" marL="0" rtl="0" algn="r">
+            <a:pPr marL="0" lvl="0" indent="0" algn="r" rtl="0">
               <a:spcBef>
                 <a:spcPts val="0"/>
               </a:spcBef>
@@ -2902,11 +3181,11 @@
 </file>
 
 <file path=ppt/slideLayouts/slideLayout4.xml><?xml version="1.0" encoding="utf-8"?>
-<p:sldLayout xmlns:a="http://schemas.openxmlformats.org/drawingml/2006/main" xmlns:r="http://schemas.openxmlformats.org/officeDocument/2006/relationships" xmlns:mc="http://schemas.openxmlformats.org/markup-compatibility/2006" xmlns:mv="urn:schemas-microsoft-com:mac:vml" xmlns:p="http://schemas.openxmlformats.org/presentationml/2006/main" xmlns:c="http://schemas.openxmlformats.org/drawingml/2006/chart" xmlns:dgm="http://schemas.openxmlformats.org/drawingml/2006/diagram" xmlns:o="urn:schemas-microsoft-com:office:office" xmlns:v="urn:schemas-microsoft-com:vml" xmlns:pvml="urn:schemas-microsoft-com:office:powerpoint" xmlns:com="http://schemas.openxmlformats.org/drawingml/2006/compatibility" xmlns:p14="http://schemas.microsoft.com/office/powerpoint/2010/main" xmlns:p15="http://schemas.microsoft.com/office/powerpoint/2012/main" xmlns:ahyp="http://schemas.microsoft.com/office/drawing/2018/hyperlinkcolor" matchingName="Title and two columns" type="twoColTx">
+<p:sldLayout xmlns:a="http://schemas.openxmlformats.org/drawingml/2006/main" xmlns:r="http://schemas.openxmlformats.org/officeDocument/2006/relationships" xmlns:p="http://schemas.openxmlformats.org/presentationml/2006/main" matchingName="Title and two columns" type="twoColTx">
   <p:cSld name="TITLE_AND_TWO_COLUMNS">
     <p:spTree>
       <p:nvGrpSpPr>
-        <p:cNvPr id="20" name="Shape 20"/>
+        <p:cNvPr id="1" name="Shape 20"/>
         <p:cNvGrpSpPr/>
         <p:nvPr/>
       </p:nvGrpSpPr>
@@ -2921,7 +3200,9 @@
       <p:sp>
         <p:nvSpPr>
           <p:cNvPr id="21" name="Google Shape;21;p5"/>
-          <p:cNvSpPr txBox="1"/>
+          <p:cNvSpPr txBox="1">
+            <a:spLocks noGrp="1"/>
+          </p:cNvSpPr>
           <p:nvPr>
             <p:ph type="title"/>
           </p:nvPr>
@@ -2936,7 +3217,7 @@
           </a:prstGeom>
         </p:spPr>
         <p:txBody>
-          <a:bodyPr anchorCtr="0" anchor="t" bIns="91425" lIns="91425" spcFirstLastPara="1" rIns="91425" wrap="square" tIns="91425">
+          <a:bodyPr spcFirstLastPara="1" wrap="square" lIns="91425" tIns="91425" rIns="91425" bIns="91425" anchor="t" anchorCtr="0">
             <a:normAutofit/>
           </a:bodyPr>
           <a:lstStyle>
@@ -3040,15 +3321,19 @@
               <a:defRPr/>
             </a:lvl9pPr>
           </a:lstStyle>
-          <a:p/>
+          <a:p>
+            <a:endParaRPr/>
+          </a:p>
         </p:txBody>
       </p:sp>
       <p:sp>
         <p:nvSpPr>
           <p:cNvPr id="22" name="Google Shape;22;p5"/>
-          <p:cNvSpPr txBox="1"/>
+          <p:cNvSpPr txBox="1">
+            <a:spLocks noGrp="1"/>
+          </p:cNvSpPr>
           <p:nvPr>
-            <p:ph idx="1" type="body"/>
+            <p:ph type="body" idx="1"/>
           </p:nvPr>
         </p:nvSpPr>
         <p:spPr>
@@ -3061,11 +3346,11 @@
           </a:prstGeom>
         </p:spPr>
         <p:txBody>
-          <a:bodyPr anchorCtr="0" anchor="t" bIns="91425" lIns="91425" spcFirstLastPara="1" rIns="91425" wrap="square" tIns="91425">
+          <a:bodyPr spcFirstLastPara="1" wrap="square" lIns="91425" tIns="91425" rIns="91425" bIns="91425" anchor="t" anchorCtr="0">
             <a:normAutofit/>
           </a:bodyPr>
           <a:lstStyle>
-            <a:lvl1pPr indent="-317500" lvl="0" marL="457200">
+            <a:lvl1pPr marL="457200" lvl="0" indent="-317500">
               <a:spcBef>
                 <a:spcPts val="0"/>
               </a:spcBef>
@@ -3076,7 +3361,7 @@
               <a:buChar char="●"/>
               <a:defRPr sz="1400"/>
             </a:lvl1pPr>
-            <a:lvl2pPr indent="-304800" lvl="1" marL="914400">
+            <a:lvl2pPr marL="914400" lvl="1" indent="-304800">
               <a:spcBef>
                 <a:spcPts val="0"/>
               </a:spcBef>
@@ -3087,7 +3372,7 @@
               <a:buChar char="○"/>
               <a:defRPr sz="1200"/>
             </a:lvl2pPr>
-            <a:lvl3pPr indent="-304800" lvl="2" marL="1371600">
+            <a:lvl3pPr marL="1371600" lvl="2" indent="-304800">
               <a:spcBef>
                 <a:spcPts val="0"/>
               </a:spcBef>
@@ -3098,7 +3383,7 @@
               <a:buChar char="■"/>
               <a:defRPr sz="1200"/>
             </a:lvl3pPr>
-            <a:lvl4pPr indent="-304800" lvl="3" marL="1828800">
+            <a:lvl4pPr marL="1828800" lvl="3" indent="-304800">
               <a:spcBef>
                 <a:spcPts val="0"/>
               </a:spcBef>
@@ -3109,7 +3394,7 @@
               <a:buChar char="●"/>
               <a:defRPr sz="1200"/>
             </a:lvl4pPr>
-            <a:lvl5pPr indent="-304800" lvl="4" marL="2286000">
+            <a:lvl5pPr marL="2286000" lvl="4" indent="-304800">
               <a:spcBef>
                 <a:spcPts val="0"/>
               </a:spcBef>
@@ -3120,7 +3405,7 @@
               <a:buChar char="○"/>
               <a:defRPr sz="1200"/>
             </a:lvl5pPr>
-            <a:lvl6pPr indent="-304800" lvl="5" marL="2743200">
+            <a:lvl6pPr marL="2743200" lvl="5" indent="-304800">
               <a:spcBef>
                 <a:spcPts val="0"/>
               </a:spcBef>
@@ -3131,7 +3416,7 @@
               <a:buChar char="■"/>
               <a:defRPr sz="1200"/>
             </a:lvl6pPr>
-            <a:lvl7pPr indent="-304800" lvl="6" marL="3200400">
+            <a:lvl7pPr marL="3200400" lvl="6" indent="-304800">
               <a:spcBef>
                 <a:spcPts val="0"/>
               </a:spcBef>
@@ -3142,7 +3427,7 @@
               <a:buChar char="●"/>
               <a:defRPr sz="1200"/>
             </a:lvl7pPr>
-            <a:lvl8pPr indent="-304800" lvl="7" marL="3657600">
+            <a:lvl8pPr marL="3657600" lvl="7" indent="-304800">
               <a:spcBef>
                 <a:spcPts val="0"/>
               </a:spcBef>
@@ -3153,7 +3438,7 @@
               <a:buChar char="○"/>
               <a:defRPr sz="1200"/>
             </a:lvl8pPr>
-            <a:lvl9pPr indent="-304800" lvl="8" marL="4114800">
+            <a:lvl9pPr marL="4114800" lvl="8" indent="-304800">
               <a:spcBef>
                 <a:spcPts val="0"/>
               </a:spcBef>
@@ -3165,15 +3450,19 @@
               <a:defRPr sz="1200"/>
             </a:lvl9pPr>
           </a:lstStyle>
-          <a:p/>
+          <a:p>
+            <a:endParaRPr/>
+          </a:p>
         </p:txBody>
       </p:sp>
       <p:sp>
         <p:nvSpPr>
           <p:cNvPr id="23" name="Google Shape;23;p5"/>
-          <p:cNvSpPr txBox="1"/>
+          <p:cNvSpPr txBox="1">
+            <a:spLocks noGrp="1"/>
+          </p:cNvSpPr>
           <p:nvPr>
-            <p:ph idx="2" type="body"/>
+            <p:ph type="body" idx="2"/>
           </p:nvPr>
         </p:nvSpPr>
         <p:spPr>
@@ -3186,11 +3475,11 @@
           </a:prstGeom>
         </p:spPr>
         <p:txBody>
-          <a:bodyPr anchorCtr="0" anchor="t" bIns="91425" lIns="91425" spcFirstLastPara="1" rIns="91425" wrap="square" tIns="91425">
+          <a:bodyPr spcFirstLastPara="1" wrap="square" lIns="91425" tIns="91425" rIns="91425" bIns="91425" anchor="t" anchorCtr="0">
             <a:normAutofit/>
           </a:bodyPr>
           <a:lstStyle>
-            <a:lvl1pPr indent="-317500" lvl="0" marL="457200">
+            <a:lvl1pPr marL="457200" lvl="0" indent="-317500">
               <a:spcBef>
                 <a:spcPts val="0"/>
               </a:spcBef>
@@ -3201,7 +3490,7 @@
               <a:buChar char="●"/>
               <a:defRPr sz="1400"/>
             </a:lvl1pPr>
-            <a:lvl2pPr indent="-304800" lvl="1" marL="914400">
+            <a:lvl2pPr marL="914400" lvl="1" indent="-304800">
               <a:spcBef>
                 <a:spcPts val="0"/>
               </a:spcBef>
@@ -3212,7 +3501,7 @@
               <a:buChar char="○"/>
               <a:defRPr sz="1200"/>
             </a:lvl2pPr>
-            <a:lvl3pPr indent="-304800" lvl="2" marL="1371600">
+            <a:lvl3pPr marL="1371600" lvl="2" indent="-304800">
               <a:spcBef>
                 <a:spcPts val="0"/>
               </a:spcBef>
@@ -3223,7 +3512,7 @@
               <a:buChar char="■"/>
               <a:defRPr sz="1200"/>
             </a:lvl3pPr>
-            <a:lvl4pPr indent="-304800" lvl="3" marL="1828800">
+            <a:lvl4pPr marL="1828800" lvl="3" indent="-304800">
               <a:spcBef>
                 <a:spcPts val="0"/>
               </a:spcBef>
@@ -3234,7 +3523,7 @@
               <a:buChar char="●"/>
               <a:defRPr sz="1200"/>
             </a:lvl4pPr>
-            <a:lvl5pPr indent="-304800" lvl="4" marL="2286000">
+            <a:lvl5pPr marL="2286000" lvl="4" indent="-304800">
               <a:spcBef>
                 <a:spcPts val="0"/>
               </a:spcBef>
@@ -3245,7 +3534,7 @@
               <a:buChar char="○"/>
               <a:defRPr sz="1200"/>
             </a:lvl5pPr>
-            <a:lvl6pPr indent="-304800" lvl="5" marL="2743200">
+            <a:lvl6pPr marL="2743200" lvl="5" indent="-304800">
               <a:spcBef>
                 <a:spcPts val="0"/>
               </a:spcBef>
@@ -3256,7 +3545,7 @@
               <a:buChar char="■"/>
               <a:defRPr sz="1200"/>
             </a:lvl6pPr>
-            <a:lvl7pPr indent="-304800" lvl="6" marL="3200400">
+            <a:lvl7pPr marL="3200400" lvl="6" indent="-304800">
               <a:spcBef>
                 <a:spcPts val="0"/>
               </a:spcBef>
@@ -3267,7 +3556,7 @@
               <a:buChar char="●"/>
               <a:defRPr sz="1200"/>
             </a:lvl7pPr>
-            <a:lvl8pPr indent="-304800" lvl="7" marL="3657600">
+            <a:lvl8pPr marL="3657600" lvl="7" indent="-304800">
               <a:spcBef>
                 <a:spcPts val="0"/>
               </a:spcBef>
@@ -3278,7 +3567,7 @@
               <a:buChar char="○"/>
               <a:defRPr sz="1200"/>
             </a:lvl8pPr>
-            <a:lvl9pPr indent="-304800" lvl="8" marL="4114800">
+            <a:lvl9pPr marL="4114800" lvl="8" indent="-304800">
               <a:spcBef>
                 <a:spcPts val="0"/>
               </a:spcBef>
@@ -3290,15 +3579,19 @@
               <a:defRPr sz="1200"/>
             </a:lvl9pPr>
           </a:lstStyle>
-          <a:p/>
+          <a:p>
+            <a:endParaRPr/>
+          </a:p>
         </p:txBody>
       </p:sp>
       <p:sp>
         <p:nvSpPr>
           <p:cNvPr id="24" name="Google Shape;24;p5"/>
-          <p:cNvSpPr txBox="1"/>
+          <p:cNvSpPr txBox="1">
+            <a:spLocks noGrp="1"/>
+          </p:cNvSpPr>
           <p:nvPr>
-            <p:ph idx="12" type="sldNum"/>
+            <p:ph type="sldNum" idx="12"/>
           </p:nvPr>
         </p:nvSpPr>
         <p:spPr>
@@ -3311,7 +3604,7 @@
           </a:prstGeom>
         </p:spPr>
         <p:txBody>
-          <a:bodyPr anchorCtr="0" anchor="ctr" bIns="91425" lIns="91425" spcFirstLastPara="1" rIns="91425" wrap="square" tIns="91425">
+          <a:bodyPr spcFirstLastPara="1" wrap="square" lIns="91425" tIns="91425" rIns="91425" bIns="91425" anchor="ctr" anchorCtr="0">
             <a:normAutofit/>
           </a:bodyPr>
           <a:lstStyle>
@@ -3353,7 +3646,7 @@
             </a:lvl9pPr>
           </a:lstStyle>
           <a:p>
-            <a:pPr indent="0" lvl="0" marL="0" rtl="0" algn="r">
+            <a:pPr marL="0" lvl="0" indent="0" algn="r" rtl="0">
               <a:spcBef>
                 <a:spcPts val="0"/>
               </a:spcBef>
@@ -3379,11 +3672,11 @@
 </file>
 
 <file path=ppt/slideLayouts/slideLayout5.xml><?xml version="1.0" encoding="utf-8"?>
-<p:sldLayout xmlns:a="http://schemas.openxmlformats.org/drawingml/2006/main" xmlns:r="http://schemas.openxmlformats.org/officeDocument/2006/relationships" xmlns:mc="http://schemas.openxmlformats.org/markup-compatibility/2006" xmlns:mv="urn:schemas-microsoft-com:mac:vml" xmlns:p="http://schemas.openxmlformats.org/presentationml/2006/main" xmlns:c="http://schemas.openxmlformats.org/drawingml/2006/chart" xmlns:dgm="http://schemas.openxmlformats.org/drawingml/2006/diagram" xmlns:o="urn:schemas-microsoft-com:office:office" xmlns:v="urn:schemas-microsoft-com:vml" xmlns:pvml="urn:schemas-microsoft-com:office:powerpoint" xmlns:com="http://schemas.openxmlformats.org/drawingml/2006/compatibility" xmlns:p14="http://schemas.microsoft.com/office/powerpoint/2010/main" xmlns:p15="http://schemas.microsoft.com/office/powerpoint/2012/main" xmlns:ahyp="http://schemas.microsoft.com/office/drawing/2018/hyperlinkcolor" matchingName="Title only" type="titleOnly">
+<p:sldLayout xmlns:a="http://schemas.openxmlformats.org/drawingml/2006/main" xmlns:r="http://schemas.openxmlformats.org/officeDocument/2006/relationships" xmlns:p="http://schemas.openxmlformats.org/presentationml/2006/main" matchingName="Title only" type="titleOnly">
   <p:cSld name="TITLE_ONLY">
     <p:spTree>
       <p:nvGrpSpPr>
-        <p:cNvPr id="25" name="Shape 25"/>
+        <p:cNvPr id="1" name="Shape 25"/>
         <p:cNvGrpSpPr/>
         <p:nvPr/>
       </p:nvGrpSpPr>
@@ -3398,7 +3691,9 @@
       <p:sp>
         <p:nvSpPr>
           <p:cNvPr id="26" name="Google Shape;26;p6"/>
-          <p:cNvSpPr txBox="1"/>
+          <p:cNvSpPr txBox="1">
+            <a:spLocks noGrp="1"/>
+          </p:cNvSpPr>
           <p:nvPr>
             <p:ph type="title"/>
           </p:nvPr>
@@ -3413,7 +3708,7 @@
           </a:prstGeom>
         </p:spPr>
         <p:txBody>
-          <a:bodyPr anchorCtr="0" anchor="t" bIns="91425" lIns="91425" spcFirstLastPara="1" rIns="91425" wrap="square" tIns="91425">
+          <a:bodyPr spcFirstLastPara="1" wrap="square" lIns="91425" tIns="91425" rIns="91425" bIns="91425" anchor="t" anchorCtr="0">
             <a:normAutofit/>
           </a:bodyPr>
           <a:lstStyle>
@@ -3517,15 +3812,19 @@
               <a:defRPr/>
             </a:lvl9pPr>
           </a:lstStyle>
-          <a:p/>
+          <a:p>
+            <a:endParaRPr/>
+          </a:p>
         </p:txBody>
       </p:sp>
       <p:sp>
         <p:nvSpPr>
           <p:cNvPr id="27" name="Google Shape;27;p6"/>
-          <p:cNvSpPr txBox="1"/>
+          <p:cNvSpPr txBox="1">
+            <a:spLocks noGrp="1"/>
+          </p:cNvSpPr>
           <p:nvPr>
-            <p:ph idx="12" type="sldNum"/>
+            <p:ph type="sldNum" idx="12"/>
           </p:nvPr>
         </p:nvSpPr>
         <p:spPr>
@@ -3538,7 +3837,7 @@
           </a:prstGeom>
         </p:spPr>
         <p:txBody>
-          <a:bodyPr anchorCtr="0" anchor="ctr" bIns="91425" lIns="91425" spcFirstLastPara="1" rIns="91425" wrap="square" tIns="91425">
+          <a:bodyPr spcFirstLastPara="1" wrap="square" lIns="91425" tIns="91425" rIns="91425" bIns="91425" anchor="ctr" anchorCtr="0">
             <a:normAutofit/>
           </a:bodyPr>
           <a:lstStyle>
@@ -3580,7 +3879,7 @@
             </a:lvl9pPr>
           </a:lstStyle>
           <a:p>
-            <a:pPr indent="0" lvl="0" marL="0" rtl="0" algn="r">
+            <a:pPr marL="0" lvl="0" indent="0" algn="r" rtl="0">
               <a:spcBef>
                 <a:spcPts val="0"/>
               </a:spcBef>
@@ -3606,11 +3905,11 @@
 </file>
 
 <file path=ppt/slideLayouts/slideLayout6.xml><?xml version="1.0" encoding="utf-8"?>
-<p:sldLayout xmlns:a="http://schemas.openxmlformats.org/drawingml/2006/main" xmlns:r="http://schemas.openxmlformats.org/officeDocument/2006/relationships" xmlns:mc="http://schemas.openxmlformats.org/markup-compatibility/2006" xmlns:mv="urn:schemas-microsoft-com:mac:vml" xmlns:p="http://schemas.openxmlformats.org/presentationml/2006/main" xmlns:c="http://schemas.openxmlformats.org/drawingml/2006/chart" xmlns:dgm="http://schemas.openxmlformats.org/drawingml/2006/diagram" xmlns:o="urn:schemas-microsoft-com:office:office" xmlns:v="urn:schemas-microsoft-com:vml" xmlns:pvml="urn:schemas-microsoft-com:office:powerpoint" xmlns:com="http://schemas.openxmlformats.org/drawingml/2006/compatibility" xmlns:p14="http://schemas.microsoft.com/office/powerpoint/2010/main" xmlns:p15="http://schemas.microsoft.com/office/powerpoint/2012/main" xmlns:ahyp="http://schemas.microsoft.com/office/drawing/2018/hyperlinkcolor" matchingName="One column text">
+<p:sldLayout xmlns:a="http://schemas.openxmlformats.org/drawingml/2006/main" xmlns:r="http://schemas.openxmlformats.org/officeDocument/2006/relationships" xmlns:p="http://schemas.openxmlformats.org/presentationml/2006/main" matchingName="One column text">
   <p:cSld name="ONE_COLUMN_TEXT">
     <p:spTree>
       <p:nvGrpSpPr>
-        <p:cNvPr id="28" name="Shape 28"/>
+        <p:cNvPr id="1" name="Shape 28"/>
         <p:cNvGrpSpPr/>
         <p:nvPr/>
       </p:nvGrpSpPr>
@@ -3625,7 +3924,9 @@
       <p:sp>
         <p:nvSpPr>
           <p:cNvPr id="29" name="Google Shape;29;p7"/>
-          <p:cNvSpPr txBox="1"/>
+          <p:cNvSpPr txBox="1">
+            <a:spLocks noGrp="1"/>
+          </p:cNvSpPr>
           <p:nvPr>
             <p:ph type="title"/>
           </p:nvPr>
@@ -3640,7 +3941,7 @@
           </a:prstGeom>
         </p:spPr>
         <p:txBody>
-          <a:bodyPr anchorCtr="0" anchor="b" bIns="91425" lIns="91425" spcFirstLastPara="1" rIns="91425" wrap="square" tIns="91425">
+          <a:bodyPr spcFirstLastPara="1" wrap="square" lIns="91425" tIns="91425" rIns="91425" bIns="91425" anchor="b" anchorCtr="0">
             <a:normAutofit/>
           </a:bodyPr>
           <a:lstStyle>
@@ -3744,15 +4045,19 @@
               <a:defRPr sz="2400"/>
             </a:lvl9pPr>
           </a:lstStyle>
-          <a:p/>
+          <a:p>
+            <a:endParaRPr/>
+          </a:p>
         </p:txBody>
       </p:sp>
       <p:sp>
         <p:nvSpPr>
           <p:cNvPr id="30" name="Google Shape;30;p7"/>
-          <p:cNvSpPr txBox="1"/>
+          <p:cNvSpPr txBox="1">
+            <a:spLocks noGrp="1"/>
+          </p:cNvSpPr>
           <p:nvPr>
-            <p:ph idx="1" type="body"/>
+            <p:ph type="body" idx="1"/>
           </p:nvPr>
         </p:nvSpPr>
         <p:spPr>
@@ -3765,11 +4070,11 @@
           </a:prstGeom>
         </p:spPr>
         <p:txBody>
-          <a:bodyPr anchorCtr="0" anchor="t" bIns="91425" lIns="91425" spcFirstLastPara="1" rIns="91425" wrap="square" tIns="91425">
+          <a:bodyPr spcFirstLastPara="1" wrap="square" lIns="91425" tIns="91425" rIns="91425" bIns="91425" anchor="t" anchorCtr="0">
             <a:normAutofit/>
           </a:bodyPr>
           <a:lstStyle>
-            <a:lvl1pPr indent="-304800" lvl="0" marL="457200">
+            <a:lvl1pPr marL="457200" lvl="0" indent="-304800">
               <a:spcBef>
                 <a:spcPts val="0"/>
               </a:spcBef>
@@ -3780,7 +4085,7 @@
               <a:buChar char="●"/>
               <a:defRPr sz="1200"/>
             </a:lvl1pPr>
-            <a:lvl2pPr indent="-304800" lvl="1" marL="914400">
+            <a:lvl2pPr marL="914400" lvl="1" indent="-304800">
               <a:spcBef>
                 <a:spcPts val="0"/>
               </a:spcBef>
@@ -3791,7 +4096,7 @@
               <a:buChar char="○"/>
               <a:defRPr sz="1200"/>
             </a:lvl2pPr>
-            <a:lvl3pPr indent="-304800" lvl="2" marL="1371600">
+            <a:lvl3pPr marL="1371600" lvl="2" indent="-304800">
               <a:spcBef>
                 <a:spcPts val="0"/>
               </a:spcBef>
@@ -3802,7 +4107,7 @@
               <a:buChar char="■"/>
               <a:defRPr sz="1200"/>
             </a:lvl3pPr>
-            <a:lvl4pPr indent="-304800" lvl="3" marL="1828800">
+            <a:lvl4pPr marL="1828800" lvl="3" indent="-304800">
               <a:spcBef>
                 <a:spcPts val="0"/>
               </a:spcBef>
@@ -3813,7 +4118,7 @@
               <a:buChar char="●"/>
               <a:defRPr sz="1200"/>
             </a:lvl4pPr>
-            <a:lvl5pPr indent="-304800" lvl="4" marL="2286000">
+            <a:lvl5pPr marL="2286000" lvl="4" indent="-304800">
               <a:spcBef>
                 <a:spcPts val="0"/>
               </a:spcBef>
@@ -3824,7 +4129,7 @@
               <a:buChar char="○"/>
               <a:defRPr sz="1200"/>
             </a:lvl5pPr>
-            <a:lvl6pPr indent="-304800" lvl="5" marL="2743200">
+            <a:lvl6pPr marL="2743200" lvl="5" indent="-304800">
               <a:spcBef>
                 <a:spcPts val="0"/>
               </a:spcBef>
@@ -3835,7 +4140,7 @@
               <a:buChar char="■"/>
               <a:defRPr sz="1200"/>
             </a:lvl6pPr>
-            <a:lvl7pPr indent="-304800" lvl="6" marL="3200400">
+            <a:lvl7pPr marL="3200400" lvl="6" indent="-304800">
               <a:spcBef>
                 <a:spcPts val="0"/>
               </a:spcBef>
@@ -3846,7 +4151,7 @@
               <a:buChar char="●"/>
               <a:defRPr sz="1200"/>
             </a:lvl7pPr>
-            <a:lvl8pPr indent="-304800" lvl="7" marL="3657600">
+            <a:lvl8pPr marL="3657600" lvl="7" indent="-304800">
               <a:spcBef>
                 <a:spcPts val="0"/>
               </a:spcBef>
@@ -3857,7 +4162,7 @@
               <a:buChar char="○"/>
               <a:defRPr sz="1200"/>
             </a:lvl8pPr>
-            <a:lvl9pPr indent="-304800" lvl="8" marL="4114800">
+            <a:lvl9pPr marL="4114800" lvl="8" indent="-304800">
               <a:spcBef>
                 <a:spcPts val="0"/>
               </a:spcBef>
@@ -3869,15 +4174,19 @@
               <a:defRPr sz="1200"/>
             </a:lvl9pPr>
           </a:lstStyle>
-          <a:p/>
+          <a:p>
+            <a:endParaRPr/>
+          </a:p>
         </p:txBody>
       </p:sp>
       <p:sp>
         <p:nvSpPr>
           <p:cNvPr id="31" name="Google Shape;31;p7"/>
-          <p:cNvSpPr txBox="1"/>
+          <p:cNvSpPr txBox="1">
+            <a:spLocks noGrp="1"/>
+          </p:cNvSpPr>
           <p:nvPr>
-            <p:ph idx="12" type="sldNum"/>
+            <p:ph type="sldNum" idx="12"/>
           </p:nvPr>
         </p:nvSpPr>
         <p:spPr>
@@ -3890,7 +4199,7 @@
           </a:prstGeom>
         </p:spPr>
         <p:txBody>
-          <a:bodyPr anchorCtr="0" anchor="ctr" bIns="91425" lIns="91425" spcFirstLastPara="1" rIns="91425" wrap="square" tIns="91425">
+          <a:bodyPr spcFirstLastPara="1" wrap="square" lIns="91425" tIns="91425" rIns="91425" bIns="91425" anchor="ctr" anchorCtr="0">
             <a:normAutofit/>
           </a:bodyPr>
           <a:lstStyle>
@@ -3932,7 +4241,7 @@
             </a:lvl9pPr>
           </a:lstStyle>
           <a:p>
-            <a:pPr indent="0" lvl="0" marL="0" rtl="0" algn="r">
+            <a:pPr marL="0" lvl="0" indent="0" algn="r" rtl="0">
               <a:spcBef>
                 <a:spcPts val="0"/>
               </a:spcBef>
@@ -3958,11 +4267,11 @@
 </file>
 
 <file path=ppt/slideLayouts/slideLayout7.xml><?xml version="1.0" encoding="utf-8"?>
-<p:sldLayout xmlns:a="http://schemas.openxmlformats.org/drawingml/2006/main" xmlns:r="http://schemas.openxmlformats.org/officeDocument/2006/relationships" xmlns:mc="http://schemas.openxmlformats.org/markup-compatibility/2006" xmlns:mv="urn:schemas-microsoft-com:mac:vml" xmlns:p="http://schemas.openxmlformats.org/presentationml/2006/main" xmlns:c="http://schemas.openxmlformats.org/drawingml/2006/chart" xmlns:dgm="http://schemas.openxmlformats.org/drawingml/2006/diagram" xmlns:o="urn:schemas-microsoft-com:office:office" xmlns:v="urn:schemas-microsoft-com:vml" xmlns:pvml="urn:schemas-microsoft-com:office:powerpoint" xmlns:com="http://schemas.openxmlformats.org/drawingml/2006/compatibility" xmlns:p14="http://schemas.microsoft.com/office/powerpoint/2010/main" xmlns:p15="http://schemas.microsoft.com/office/powerpoint/2012/main" xmlns:ahyp="http://schemas.microsoft.com/office/drawing/2018/hyperlinkcolor" matchingName="Main point">
+<p:sldLayout xmlns:a="http://schemas.openxmlformats.org/drawingml/2006/main" xmlns:r="http://schemas.openxmlformats.org/officeDocument/2006/relationships" xmlns:p="http://schemas.openxmlformats.org/presentationml/2006/main" matchingName="Main point">
   <p:cSld name="MAIN_POINT">
     <p:spTree>
       <p:nvGrpSpPr>
-        <p:cNvPr id="32" name="Shape 32"/>
+        <p:cNvPr id="1" name="Shape 32"/>
         <p:cNvGrpSpPr/>
         <p:nvPr/>
       </p:nvGrpSpPr>
@@ -3977,7 +4286,9 @@
       <p:sp>
         <p:nvSpPr>
           <p:cNvPr id="33" name="Google Shape;33;p8"/>
-          <p:cNvSpPr txBox="1"/>
+          <p:cNvSpPr txBox="1">
+            <a:spLocks noGrp="1"/>
+          </p:cNvSpPr>
           <p:nvPr>
             <p:ph type="title"/>
           </p:nvPr>
@@ -3992,7 +4303,7 @@
           </a:prstGeom>
         </p:spPr>
         <p:txBody>
-          <a:bodyPr anchorCtr="0" anchor="ctr" bIns="91425" lIns="91425" spcFirstLastPara="1" rIns="91425" wrap="square" tIns="91425">
+          <a:bodyPr spcFirstLastPara="1" wrap="square" lIns="91425" tIns="91425" rIns="91425" bIns="91425" anchor="ctr" anchorCtr="0">
             <a:normAutofit/>
           </a:bodyPr>
           <a:lstStyle>
@@ -4096,15 +4407,19 @@
               <a:defRPr sz="4800"/>
             </a:lvl9pPr>
           </a:lstStyle>
-          <a:p/>
+          <a:p>
+            <a:endParaRPr/>
+          </a:p>
         </p:txBody>
       </p:sp>
       <p:sp>
         <p:nvSpPr>
           <p:cNvPr id="34" name="Google Shape;34;p8"/>
-          <p:cNvSpPr txBox="1"/>
+          <p:cNvSpPr txBox="1">
+            <a:spLocks noGrp="1"/>
+          </p:cNvSpPr>
           <p:nvPr>
-            <p:ph idx="12" type="sldNum"/>
+            <p:ph type="sldNum" idx="12"/>
           </p:nvPr>
         </p:nvSpPr>
         <p:spPr>
@@ -4117,7 +4432,7 @@
           </a:prstGeom>
         </p:spPr>
         <p:txBody>
-          <a:bodyPr anchorCtr="0" anchor="ctr" bIns="91425" lIns="91425" spcFirstLastPara="1" rIns="91425" wrap="square" tIns="91425">
+          <a:bodyPr spcFirstLastPara="1" wrap="square" lIns="91425" tIns="91425" rIns="91425" bIns="91425" anchor="ctr" anchorCtr="0">
             <a:normAutofit/>
           </a:bodyPr>
           <a:lstStyle>
@@ -4159,7 +4474,7 @@
             </a:lvl9pPr>
           </a:lstStyle>
           <a:p>
-            <a:pPr indent="0" lvl="0" marL="0" rtl="0" algn="r">
+            <a:pPr marL="0" lvl="0" indent="0" algn="r" rtl="0">
               <a:spcBef>
                 <a:spcPts val="0"/>
               </a:spcBef>
@@ -4185,11 +4500,11 @@
 </file>
 
 <file path=ppt/slideLayouts/slideLayout8.xml><?xml version="1.0" encoding="utf-8"?>
-<p:sldLayout xmlns:a="http://schemas.openxmlformats.org/drawingml/2006/main" xmlns:r="http://schemas.openxmlformats.org/officeDocument/2006/relationships" xmlns:mc="http://schemas.openxmlformats.org/markup-compatibility/2006" xmlns:mv="urn:schemas-microsoft-com:mac:vml" xmlns:p="http://schemas.openxmlformats.org/presentationml/2006/main" xmlns:c="http://schemas.openxmlformats.org/drawingml/2006/chart" xmlns:dgm="http://schemas.openxmlformats.org/drawingml/2006/diagram" xmlns:o="urn:schemas-microsoft-com:office:office" xmlns:v="urn:schemas-microsoft-com:vml" xmlns:pvml="urn:schemas-microsoft-com:office:powerpoint" xmlns:com="http://schemas.openxmlformats.org/drawingml/2006/compatibility" xmlns:p14="http://schemas.microsoft.com/office/powerpoint/2010/main" xmlns:p15="http://schemas.microsoft.com/office/powerpoint/2012/main" xmlns:ahyp="http://schemas.microsoft.com/office/drawing/2018/hyperlinkcolor" matchingName="Section title and description">
+<p:sldLayout xmlns:a="http://schemas.openxmlformats.org/drawingml/2006/main" xmlns:r="http://schemas.openxmlformats.org/officeDocument/2006/relationships" xmlns:p="http://schemas.openxmlformats.org/presentationml/2006/main" matchingName="Section title and description">
   <p:cSld name="SECTION_TITLE_AND_DESCRIPTION">
     <p:spTree>
       <p:nvGrpSpPr>
-        <p:cNvPr id="35" name="Shape 35"/>
+        <p:cNvPr id="1" name="Shape 35"/>
         <p:cNvGrpSpPr/>
         <p:nvPr/>
       </p:nvGrpSpPr>
@@ -4223,12 +4538,12 @@
           </a:ln>
         </p:spPr>
         <p:txBody>
-          <a:bodyPr anchorCtr="0" anchor="ctr" bIns="91425" lIns="91425" spcFirstLastPara="1" rIns="91425" wrap="square" tIns="91425">
+          <a:bodyPr spcFirstLastPara="1" wrap="square" lIns="91425" tIns="91425" rIns="91425" bIns="91425" anchor="ctr" anchorCtr="0">
             <a:noAutofit/>
           </a:bodyPr>
           <a:lstStyle/>
           <a:p>
-            <a:pPr indent="0" lvl="0" marL="0" rtl="0" algn="l">
+            <a:pPr marL="0" lvl="0" indent="0" algn="l" rtl="0">
               <a:spcBef>
                 <a:spcPts val="0"/>
               </a:spcBef>
@@ -4237,9 +4552,6 @@
               </a:spcAft>
               <a:buNone/>
             </a:pPr>
-            <a:r>
-              <a:t/>
-            </a:r>
             <a:endParaRPr/>
           </a:p>
         </p:txBody>
@@ -4247,7 +4559,9 @@
       <p:sp>
         <p:nvSpPr>
           <p:cNvPr id="37" name="Google Shape;37;p9"/>
-          <p:cNvSpPr txBox="1"/>
+          <p:cNvSpPr txBox="1">
+            <a:spLocks noGrp="1"/>
+          </p:cNvSpPr>
           <p:nvPr>
             <p:ph type="title"/>
           </p:nvPr>
@@ -4262,7 +4576,7 @@
           </a:prstGeom>
         </p:spPr>
         <p:txBody>
-          <a:bodyPr anchorCtr="0" anchor="b" bIns="91425" lIns="91425" spcFirstLastPara="1" rIns="91425" wrap="square" tIns="91425">
+          <a:bodyPr spcFirstLastPara="1" wrap="square" lIns="91425" tIns="91425" rIns="91425" bIns="91425" anchor="b" anchorCtr="0">
             <a:normAutofit/>
           </a:bodyPr>
           <a:lstStyle>
@@ -4366,15 +4680,19 @@
               <a:defRPr sz="4200"/>
             </a:lvl9pPr>
           </a:lstStyle>
-          <a:p/>
+          <a:p>
+            <a:endParaRPr/>
+          </a:p>
         </p:txBody>
       </p:sp>
       <p:sp>
         <p:nvSpPr>
           <p:cNvPr id="38" name="Google Shape;38;p9"/>
-          <p:cNvSpPr txBox="1"/>
+          <p:cNvSpPr txBox="1">
+            <a:spLocks noGrp="1"/>
+          </p:cNvSpPr>
           <p:nvPr>
-            <p:ph idx="1" type="subTitle"/>
+            <p:ph type="subTitle" idx="1"/>
           </p:nvPr>
         </p:nvSpPr>
         <p:spPr>
@@ -4387,7 +4705,7 @@
           </a:prstGeom>
         </p:spPr>
         <p:txBody>
-          <a:bodyPr anchorCtr="0" anchor="t" bIns="91425" lIns="91425" spcFirstLastPara="1" rIns="91425" wrap="square" tIns="91425">
+          <a:bodyPr spcFirstLastPara="1" wrap="square" lIns="91425" tIns="91425" rIns="91425" bIns="91425" anchor="t" anchorCtr="0">
             <a:normAutofit/>
           </a:bodyPr>
           <a:lstStyle>
@@ -4518,15 +4836,19 @@
               <a:defRPr sz="2100"/>
             </a:lvl9pPr>
           </a:lstStyle>
-          <a:p/>
+          <a:p>
+            <a:endParaRPr/>
+          </a:p>
         </p:txBody>
       </p:sp>
       <p:sp>
         <p:nvSpPr>
           <p:cNvPr id="39" name="Google Shape;39;p9"/>
-          <p:cNvSpPr txBox="1"/>
+          <p:cNvSpPr txBox="1">
+            <a:spLocks noGrp="1"/>
+          </p:cNvSpPr>
           <p:nvPr>
-            <p:ph idx="2" type="body"/>
+            <p:ph type="body" idx="2"/>
           </p:nvPr>
         </p:nvSpPr>
         <p:spPr>
@@ -4539,11 +4861,11 @@
           </a:prstGeom>
         </p:spPr>
         <p:txBody>
-          <a:bodyPr anchorCtr="0" anchor="ctr" bIns="91425" lIns="91425" spcFirstLastPara="1" rIns="91425" wrap="square" tIns="91425">
+          <a:bodyPr spcFirstLastPara="1" wrap="square" lIns="91425" tIns="91425" rIns="91425" bIns="91425" anchor="ctr" anchorCtr="0">
             <a:normAutofit/>
           </a:bodyPr>
           <a:lstStyle>
-            <a:lvl1pPr indent="-342900" lvl="0" marL="457200">
+            <a:lvl1pPr marL="457200" lvl="0" indent="-342900">
               <a:spcBef>
                 <a:spcPts val="0"/>
               </a:spcBef>
@@ -4554,7 +4876,7 @@
               <a:buChar char="●"/>
               <a:defRPr/>
             </a:lvl1pPr>
-            <a:lvl2pPr indent="-317500" lvl="1" marL="914400">
+            <a:lvl2pPr marL="914400" lvl="1" indent="-317500">
               <a:spcBef>
                 <a:spcPts val="0"/>
               </a:spcBef>
@@ -4565,7 +4887,7 @@
               <a:buChar char="○"/>
               <a:defRPr/>
             </a:lvl2pPr>
-            <a:lvl3pPr indent="-317500" lvl="2" marL="1371600">
+            <a:lvl3pPr marL="1371600" lvl="2" indent="-317500">
               <a:spcBef>
                 <a:spcPts val="0"/>
               </a:spcBef>
@@ -4576,7 +4898,7 @@
               <a:buChar char="■"/>
               <a:defRPr/>
             </a:lvl3pPr>
-            <a:lvl4pPr indent="-317500" lvl="3" marL="1828800">
+            <a:lvl4pPr marL="1828800" lvl="3" indent="-317500">
               <a:spcBef>
                 <a:spcPts val="0"/>
               </a:spcBef>
@@ -4587,7 +4909,7 @@
               <a:buChar char="●"/>
               <a:defRPr/>
             </a:lvl4pPr>
-            <a:lvl5pPr indent="-317500" lvl="4" marL="2286000">
+            <a:lvl5pPr marL="2286000" lvl="4" indent="-317500">
               <a:spcBef>
                 <a:spcPts val="0"/>
               </a:spcBef>
@@ -4598,7 +4920,7 @@
               <a:buChar char="○"/>
               <a:defRPr/>
             </a:lvl5pPr>
-            <a:lvl6pPr indent="-317500" lvl="5" marL="2743200">
+            <a:lvl6pPr marL="2743200" lvl="5" indent="-317500">
               <a:spcBef>
                 <a:spcPts val="0"/>
               </a:spcBef>
@@ -4609,7 +4931,7 @@
               <a:buChar char="■"/>
               <a:defRPr/>
             </a:lvl6pPr>
-            <a:lvl7pPr indent="-317500" lvl="6" marL="3200400">
+            <a:lvl7pPr marL="3200400" lvl="6" indent="-317500">
               <a:spcBef>
                 <a:spcPts val="0"/>
               </a:spcBef>
@@ -4620,7 +4942,7 @@
               <a:buChar char="●"/>
               <a:defRPr/>
             </a:lvl7pPr>
-            <a:lvl8pPr indent="-317500" lvl="7" marL="3657600">
+            <a:lvl8pPr marL="3657600" lvl="7" indent="-317500">
               <a:spcBef>
                 <a:spcPts val="0"/>
               </a:spcBef>
@@ -4631,7 +4953,7 @@
               <a:buChar char="○"/>
               <a:defRPr/>
             </a:lvl8pPr>
-            <a:lvl9pPr indent="-317500" lvl="8" marL="4114800">
+            <a:lvl9pPr marL="4114800" lvl="8" indent="-317500">
               <a:spcBef>
                 <a:spcPts val="0"/>
               </a:spcBef>
@@ -4643,15 +4965,19 @@
               <a:defRPr/>
             </a:lvl9pPr>
           </a:lstStyle>
-          <a:p/>
+          <a:p>
+            <a:endParaRPr/>
+          </a:p>
         </p:txBody>
       </p:sp>
       <p:sp>
         <p:nvSpPr>
           <p:cNvPr id="40" name="Google Shape;40;p9"/>
-          <p:cNvSpPr txBox="1"/>
+          <p:cNvSpPr txBox="1">
+            <a:spLocks noGrp="1"/>
+          </p:cNvSpPr>
           <p:nvPr>
-            <p:ph idx="12" type="sldNum"/>
+            <p:ph type="sldNum" idx="12"/>
           </p:nvPr>
         </p:nvSpPr>
         <p:spPr>
@@ -4664,7 +4990,7 @@
           </a:prstGeom>
         </p:spPr>
         <p:txBody>
-          <a:bodyPr anchorCtr="0" anchor="ctr" bIns="91425" lIns="91425" spcFirstLastPara="1" rIns="91425" wrap="square" tIns="91425">
+          <a:bodyPr spcFirstLastPara="1" wrap="square" lIns="91425" tIns="91425" rIns="91425" bIns="91425" anchor="ctr" anchorCtr="0">
             <a:normAutofit/>
           </a:bodyPr>
           <a:lstStyle>
@@ -4706,7 +5032,7 @@
             </a:lvl9pPr>
           </a:lstStyle>
           <a:p>
-            <a:pPr indent="0" lvl="0" marL="0" rtl="0" algn="r">
+            <a:pPr marL="0" lvl="0" indent="0" algn="r" rtl="0">
               <a:spcBef>
                 <a:spcPts val="0"/>
               </a:spcBef>
@@ -4732,11 +5058,11 @@
 </file>
 
 <file path=ppt/slideLayouts/slideLayout9.xml><?xml version="1.0" encoding="utf-8"?>
-<p:sldLayout xmlns:a="http://schemas.openxmlformats.org/drawingml/2006/main" xmlns:r="http://schemas.openxmlformats.org/officeDocument/2006/relationships" xmlns:mc="http://schemas.openxmlformats.org/markup-compatibility/2006" xmlns:mv="urn:schemas-microsoft-com:mac:vml" xmlns:p="http://schemas.openxmlformats.org/presentationml/2006/main" xmlns:c="http://schemas.openxmlformats.org/drawingml/2006/chart" xmlns:dgm="http://schemas.openxmlformats.org/drawingml/2006/diagram" xmlns:o="urn:schemas-microsoft-com:office:office" xmlns:v="urn:schemas-microsoft-com:vml" xmlns:pvml="urn:schemas-microsoft-com:office:powerpoint" xmlns:com="http://schemas.openxmlformats.org/drawingml/2006/compatibility" xmlns:p14="http://schemas.microsoft.com/office/powerpoint/2010/main" xmlns:p15="http://schemas.microsoft.com/office/powerpoint/2012/main" xmlns:ahyp="http://schemas.microsoft.com/office/drawing/2018/hyperlinkcolor" matchingName="Caption">
+<p:sldLayout xmlns:a="http://schemas.openxmlformats.org/drawingml/2006/main" xmlns:r="http://schemas.openxmlformats.org/officeDocument/2006/relationships" xmlns:p="http://schemas.openxmlformats.org/presentationml/2006/main" matchingName="Caption">
   <p:cSld name="CAPTION_ONLY">
     <p:spTree>
       <p:nvGrpSpPr>
-        <p:cNvPr id="41" name="Shape 41"/>
+        <p:cNvPr id="1" name="Shape 41"/>
         <p:cNvGrpSpPr/>
         <p:nvPr/>
       </p:nvGrpSpPr>
@@ -4751,9 +5077,11 @@
       <p:sp>
         <p:nvSpPr>
           <p:cNvPr id="42" name="Google Shape;42;p10"/>
-          <p:cNvSpPr txBox="1"/>
+          <p:cNvSpPr txBox="1">
+            <a:spLocks noGrp="1"/>
+          </p:cNvSpPr>
           <p:nvPr>
-            <p:ph idx="1" type="body"/>
+            <p:ph type="body" idx="1"/>
           </p:nvPr>
         </p:nvSpPr>
         <p:spPr>
@@ -4766,11 +5094,11 @@
           </a:prstGeom>
         </p:spPr>
         <p:txBody>
-          <a:bodyPr anchorCtr="0" anchor="ctr" bIns="91425" lIns="91425" spcFirstLastPara="1" rIns="91425" wrap="square" tIns="91425">
+          <a:bodyPr spcFirstLastPara="1" wrap="square" lIns="91425" tIns="91425" rIns="91425" bIns="91425" anchor="ctr" anchorCtr="0">
             <a:normAutofit/>
           </a:bodyPr>
           <a:lstStyle>
-            <a:lvl1pPr indent="-228600" lvl="0" marL="457200">
+            <a:lvl1pPr marL="457200" lvl="0" indent="-228600">
               <a:lnSpc>
                 <a:spcPct val="100000"/>
               </a:lnSpc>
@@ -4785,15 +5113,19 @@
               <a:defRPr/>
             </a:lvl1pPr>
           </a:lstStyle>
-          <a:p/>
+          <a:p>
+            <a:endParaRPr/>
+          </a:p>
         </p:txBody>
       </p:sp>
       <p:sp>
         <p:nvSpPr>
           <p:cNvPr id="43" name="Google Shape;43;p10"/>
-          <p:cNvSpPr txBox="1"/>
+          <p:cNvSpPr txBox="1">
+            <a:spLocks noGrp="1"/>
+          </p:cNvSpPr>
           <p:nvPr>
-            <p:ph idx="12" type="sldNum"/>
+            <p:ph type="sldNum" idx="12"/>
           </p:nvPr>
         </p:nvSpPr>
         <p:spPr>
@@ -4806,7 +5138,7 @@
           </a:prstGeom>
         </p:spPr>
         <p:txBody>
-          <a:bodyPr anchorCtr="0" anchor="ctr" bIns="91425" lIns="91425" spcFirstLastPara="1" rIns="91425" wrap="square" tIns="91425">
+          <a:bodyPr spcFirstLastPara="1" wrap="square" lIns="91425" tIns="91425" rIns="91425" bIns="91425" anchor="ctr" anchorCtr="0">
             <a:normAutofit/>
           </a:bodyPr>
           <a:lstStyle>
@@ -4848,7 +5180,7 @@
             </a:lvl9pPr>
           </a:lstStyle>
           <a:p>
-            <a:pPr indent="0" lvl="0" marL="0" rtl="0" algn="r">
+            <a:pPr marL="0" lvl="0" indent="0" algn="r" rtl="0">
               <a:spcBef>
                 <a:spcPts val="0"/>
               </a:spcBef>
@@ -4874,18 +5206,19 @@
 </file>
 
 <file path=ppt/slideMasters/slideMaster1.xml><?xml version="1.0" encoding="utf-8"?>
-<p:sldMaster xmlns:a="http://schemas.openxmlformats.org/drawingml/2006/main" xmlns:r="http://schemas.openxmlformats.org/officeDocument/2006/relationships" xmlns:mc="http://schemas.openxmlformats.org/markup-compatibility/2006" xmlns:mv="urn:schemas-microsoft-com:mac:vml" xmlns:p="http://schemas.openxmlformats.org/presentationml/2006/main" xmlns:c="http://schemas.openxmlformats.org/drawingml/2006/chart" xmlns:dgm="http://schemas.openxmlformats.org/drawingml/2006/diagram" xmlns:o="urn:schemas-microsoft-com:office:office" xmlns:v="urn:schemas-microsoft-com:vml" xmlns:pvml="urn:schemas-microsoft-com:office:powerpoint" xmlns:com="http://schemas.openxmlformats.org/drawingml/2006/compatibility" xmlns:p14="http://schemas.microsoft.com/office/powerpoint/2010/main" xmlns:p15="http://schemas.microsoft.com/office/powerpoint/2012/main" xmlns:ahyp="http://schemas.microsoft.com/office/drawing/2018/hyperlinkcolor">
+<p:sldMaster xmlns:a="http://schemas.openxmlformats.org/drawingml/2006/main" xmlns:r="http://schemas.openxmlformats.org/officeDocument/2006/relationships" xmlns:p="http://schemas.openxmlformats.org/presentationml/2006/main">
   <p:cSld name="simple-light-2">
     <p:bg>
       <p:bgPr>
         <a:solidFill>
           <a:schemeClr val="lt1"/>
         </a:solidFill>
+        <a:effectLst/>
       </p:bgPr>
     </p:bg>
     <p:spTree>
       <p:nvGrpSpPr>
-        <p:cNvPr id="5" name="Shape 5"/>
+        <p:cNvPr id="1" name="Shape 5"/>
         <p:cNvGrpSpPr/>
         <p:nvPr/>
       </p:nvGrpSpPr>
@@ -4900,7 +5233,9 @@
       <p:sp>
         <p:nvSpPr>
           <p:cNvPr id="6" name="Google Shape;6;p1"/>
-          <p:cNvSpPr txBox="1"/>
+          <p:cNvSpPr txBox="1">
+            <a:spLocks noGrp="1"/>
+          </p:cNvSpPr>
           <p:nvPr>
             <p:ph type="title"/>
           </p:nvPr>
@@ -4919,7 +5254,7 @@
           </a:ln>
         </p:spPr>
         <p:txBody>
-          <a:bodyPr anchorCtr="0" anchor="t" bIns="91425" lIns="91425" spcFirstLastPara="1" rIns="91425" wrap="square" tIns="91425">
+          <a:bodyPr spcFirstLastPara="1" wrap="square" lIns="91425" tIns="91425" rIns="91425" bIns="91425" anchor="t" anchorCtr="0">
             <a:normAutofit/>
           </a:bodyPr>
           <a:lstStyle>
@@ -5086,15 +5421,19 @@
               </a:defRPr>
             </a:lvl9pPr>
           </a:lstStyle>
-          <a:p/>
+          <a:p>
+            <a:endParaRPr/>
+          </a:p>
         </p:txBody>
       </p:sp>
       <p:sp>
         <p:nvSpPr>
           <p:cNvPr id="7" name="Google Shape;7;p1"/>
-          <p:cNvSpPr txBox="1"/>
+          <p:cNvSpPr txBox="1">
+            <a:spLocks noGrp="1"/>
+          </p:cNvSpPr>
           <p:nvPr>
-            <p:ph idx="1" type="body"/>
+            <p:ph type="body" idx="1"/>
           </p:nvPr>
         </p:nvSpPr>
         <p:spPr>
@@ -5111,11 +5450,11 @@
           </a:ln>
         </p:spPr>
         <p:txBody>
-          <a:bodyPr anchorCtr="0" anchor="t" bIns="91425" lIns="91425" spcFirstLastPara="1" rIns="91425" wrap="square" tIns="91425">
+          <a:bodyPr spcFirstLastPara="1" wrap="square" lIns="91425" tIns="91425" rIns="91425" bIns="91425" anchor="t" anchorCtr="0">
             <a:normAutofit/>
           </a:bodyPr>
           <a:lstStyle>
-            <a:lvl1pPr indent="-342900" lvl="0" marL="457200">
+            <a:lvl1pPr marL="457200" lvl="0" indent="-342900">
               <a:lnSpc>
                 <a:spcPct val="115000"/>
               </a:lnSpc>
@@ -5136,7 +5475,7 @@
                 </a:solidFill>
               </a:defRPr>
             </a:lvl1pPr>
-            <a:lvl2pPr indent="-317500" lvl="1" marL="914400">
+            <a:lvl2pPr marL="914400" lvl="1" indent="-317500">
               <a:lnSpc>
                 <a:spcPct val="115000"/>
               </a:lnSpc>
@@ -5157,7 +5496,7 @@
                 </a:solidFill>
               </a:defRPr>
             </a:lvl2pPr>
-            <a:lvl3pPr indent="-317500" lvl="2" marL="1371600">
+            <a:lvl3pPr marL="1371600" lvl="2" indent="-317500">
               <a:lnSpc>
                 <a:spcPct val="115000"/>
               </a:lnSpc>
@@ -5178,7 +5517,7 @@
                 </a:solidFill>
               </a:defRPr>
             </a:lvl3pPr>
-            <a:lvl4pPr indent="-317500" lvl="3" marL="1828800">
+            <a:lvl4pPr marL="1828800" lvl="3" indent="-317500">
               <a:lnSpc>
                 <a:spcPct val="115000"/>
               </a:lnSpc>
@@ -5199,7 +5538,7 @@
                 </a:solidFill>
               </a:defRPr>
             </a:lvl4pPr>
-            <a:lvl5pPr indent="-317500" lvl="4" marL="2286000">
+            <a:lvl5pPr marL="2286000" lvl="4" indent="-317500">
               <a:lnSpc>
                 <a:spcPct val="115000"/>
               </a:lnSpc>
@@ -5220,7 +5559,7 @@
                 </a:solidFill>
               </a:defRPr>
             </a:lvl5pPr>
-            <a:lvl6pPr indent="-317500" lvl="5" marL="2743200">
+            <a:lvl6pPr marL="2743200" lvl="5" indent="-317500">
               <a:lnSpc>
                 <a:spcPct val="115000"/>
               </a:lnSpc>
@@ -5241,7 +5580,7 @@
                 </a:solidFill>
               </a:defRPr>
             </a:lvl6pPr>
-            <a:lvl7pPr indent="-317500" lvl="6" marL="3200400">
+            <a:lvl7pPr marL="3200400" lvl="6" indent="-317500">
               <a:lnSpc>
                 <a:spcPct val="115000"/>
               </a:lnSpc>
@@ -5262,7 +5601,7 @@
                 </a:solidFill>
               </a:defRPr>
             </a:lvl7pPr>
-            <a:lvl8pPr indent="-317500" lvl="7" marL="3657600">
+            <a:lvl8pPr marL="3657600" lvl="7" indent="-317500">
               <a:lnSpc>
                 <a:spcPct val="115000"/>
               </a:lnSpc>
@@ -5283,7 +5622,7 @@
                 </a:solidFill>
               </a:defRPr>
             </a:lvl8pPr>
-            <a:lvl9pPr indent="-317500" lvl="8" marL="4114800">
+            <a:lvl9pPr marL="4114800" lvl="8" indent="-317500">
               <a:lnSpc>
                 <a:spcPct val="115000"/>
               </a:lnSpc>
@@ -5305,15 +5644,19 @@
               </a:defRPr>
             </a:lvl9pPr>
           </a:lstStyle>
-          <a:p/>
+          <a:p>
+            <a:endParaRPr/>
+          </a:p>
         </p:txBody>
       </p:sp>
       <p:sp>
         <p:nvSpPr>
           <p:cNvPr id="8" name="Google Shape;8;p1"/>
-          <p:cNvSpPr txBox="1"/>
+          <p:cNvSpPr txBox="1">
+            <a:spLocks noGrp="1"/>
+          </p:cNvSpPr>
           <p:nvPr>
-            <p:ph idx="12" type="sldNum"/>
+            <p:ph type="sldNum" idx="12"/>
           </p:nvPr>
         </p:nvSpPr>
         <p:spPr>
@@ -5330,7 +5673,7 @@
           </a:ln>
         </p:spPr>
         <p:txBody>
-          <a:bodyPr anchorCtr="0" anchor="ctr" bIns="91425" lIns="91425" spcFirstLastPara="1" rIns="91425" wrap="square" tIns="91425">
+          <a:bodyPr spcFirstLastPara="1" wrap="square" lIns="91425" tIns="91425" rIns="91425" bIns="91425" anchor="ctr" anchorCtr="0">
             <a:normAutofit/>
           </a:bodyPr>
           <a:lstStyle>
@@ -5408,7 +5751,7 @@
             </a:lvl9pPr>
           </a:lstStyle>
           <a:p>
-            <a:pPr indent="0" lvl="0" marL="0" rtl="0" algn="r">
+            <a:pPr marL="0" lvl="0" indent="0" algn="r" rtl="0">
               <a:spcBef>
                 <a:spcPts val="0"/>
               </a:spcBef>
@@ -5427,7 +5770,7 @@
       </p:sp>
     </p:spTree>
   </p:cSld>
-  <p:clrMap accent1="accent1" accent2="accent2" accent3="accent3" accent4="accent4" accent5="accent5" accent6="accent6" bg1="lt1" bg2="dk2" tx1="dk1" tx2="lt2" folHlink="folHlink" hlink="hlink"/>
+  <p:clrMap bg1="lt1" tx1="dk1" bg2="dk2" tx2="lt2" accent1="accent1" accent2="accent2" accent3="accent3" accent4="accent4" accent5="accent5" accent6="accent6" hlink="hlink" folHlink="folHlink"/>
   <p:sldLayoutIdLst>
     <p:sldLayoutId id="2147483648" r:id="rId1"/>
     <p:sldLayoutId id="2147483649" r:id="rId2"/>
@@ -5441,10 +5784,10 @@
     <p:sldLayoutId id="2147483657" r:id="rId10"/>
     <p:sldLayoutId id="2147483658" r:id="rId11"/>
   </p:sldLayoutIdLst>
-  <p:hf dt="0" ftr="0" hdr="0" sldNum="0"/>
+  <p:hf sldNum="0" hdr="0" ftr="0" dt="0"/>
   <p:txStyles>
     <p:titleStyle>
-      <a:defPPr lvl="0" marR="0" rtl="0" algn="l">
+      <a:defPPr marR="0" lvl="0" algn="l" rtl="0">
         <a:lnSpc>
           <a:spcPct val="100000"/>
         </a:lnSpc>
@@ -5455,7 +5798,7 @@
           <a:spcPts val="0"/>
         </a:spcAft>
       </a:defPPr>
-      <a:lvl1pPr lvl="0" marR="0" rtl="0" algn="l">
+      <a:lvl1pPr marR="0" lvl="0" algn="l" rtl="0">
         <a:lnSpc>
           <a:spcPct val="100000"/>
         </a:lnSpc>
@@ -5469,7 +5812,7 @@
           <a:srgbClr val="000000"/>
         </a:buClr>
         <a:buFont typeface="Arial"/>
-        <a:defRPr b="0" i="0" sz="1400" u="none" cap="none" strike="noStrike">
+        <a:defRPr sz="1400" b="0" i="0" u="none" strike="noStrike" cap="none">
           <a:solidFill>
             <a:srgbClr val="000000"/>
           </a:solidFill>
@@ -5479,7 +5822,7 @@
           <a:sym typeface="Arial"/>
         </a:defRPr>
       </a:lvl1pPr>
-      <a:lvl2pPr lvl="1" marR="0" rtl="0" algn="l">
+      <a:lvl2pPr marR="0" lvl="1" algn="l" rtl="0">
         <a:lnSpc>
           <a:spcPct val="100000"/>
         </a:lnSpc>
@@ -5493,7 +5836,7 @@
           <a:srgbClr val="000000"/>
         </a:buClr>
         <a:buFont typeface="Arial"/>
-        <a:defRPr b="0" i="0" sz="1400" u="none" cap="none" strike="noStrike">
+        <a:defRPr sz="1400" b="0" i="0" u="none" strike="noStrike" cap="none">
           <a:solidFill>
             <a:srgbClr val="000000"/>
           </a:solidFill>
@@ -5503,7 +5846,7 @@
           <a:sym typeface="Arial"/>
         </a:defRPr>
       </a:lvl2pPr>
-      <a:lvl3pPr lvl="2" marR="0" rtl="0" algn="l">
+      <a:lvl3pPr marR="0" lvl="2" algn="l" rtl="0">
         <a:lnSpc>
           <a:spcPct val="100000"/>
         </a:lnSpc>
@@ -5517,7 +5860,7 @@
           <a:srgbClr val="000000"/>
         </a:buClr>
         <a:buFont typeface="Arial"/>
-        <a:defRPr b="0" i="0" sz="1400" u="none" cap="none" strike="noStrike">
+        <a:defRPr sz="1400" b="0" i="0" u="none" strike="noStrike" cap="none">
           <a:solidFill>
             <a:srgbClr val="000000"/>
           </a:solidFill>
@@ -5527,7 +5870,7 @@
           <a:sym typeface="Arial"/>
         </a:defRPr>
       </a:lvl3pPr>
-      <a:lvl4pPr lvl="3" marR="0" rtl="0" algn="l">
+      <a:lvl4pPr marR="0" lvl="3" algn="l" rtl="0">
         <a:lnSpc>
           <a:spcPct val="100000"/>
         </a:lnSpc>
@@ -5541,7 +5884,7 @@
           <a:srgbClr val="000000"/>
         </a:buClr>
         <a:buFont typeface="Arial"/>
-        <a:defRPr b="0" i="0" sz="1400" u="none" cap="none" strike="noStrike">
+        <a:defRPr sz="1400" b="0" i="0" u="none" strike="noStrike" cap="none">
           <a:solidFill>
             <a:srgbClr val="000000"/>
           </a:solidFill>
@@ -5551,7 +5894,7 @@
           <a:sym typeface="Arial"/>
         </a:defRPr>
       </a:lvl4pPr>
-      <a:lvl5pPr lvl="4" marR="0" rtl="0" algn="l">
+      <a:lvl5pPr marR="0" lvl="4" algn="l" rtl="0">
         <a:lnSpc>
           <a:spcPct val="100000"/>
         </a:lnSpc>
@@ -5565,7 +5908,7 @@
           <a:srgbClr val="000000"/>
         </a:buClr>
         <a:buFont typeface="Arial"/>
-        <a:defRPr b="0" i="0" sz="1400" u="none" cap="none" strike="noStrike">
+        <a:defRPr sz="1400" b="0" i="0" u="none" strike="noStrike" cap="none">
           <a:solidFill>
             <a:srgbClr val="000000"/>
           </a:solidFill>
@@ -5575,7 +5918,7 @@
           <a:sym typeface="Arial"/>
         </a:defRPr>
       </a:lvl5pPr>
-      <a:lvl6pPr lvl="5" marR="0" rtl="0" algn="l">
+      <a:lvl6pPr marR="0" lvl="5" algn="l" rtl="0">
         <a:lnSpc>
           <a:spcPct val="100000"/>
         </a:lnSpc>
@@ -5589,7 +5932,7 @@
           <a:srgbClr val="000000"/>
         </a:buClr>
         <a:buFont typeface="Arial"/>
-        <a:defRPr b="0" i="0" sz="1400" u="none" cap="none" strike="noStrike">
+        <a:defRPr sz="1400" b="0" i="0" u="none" strike="noStrike" cap="none">
           <a:solidFill>
             <a:srgbClr val="000000"/>
           </a:solidFill>
@@ -5599,7 +5942,7 @@
           <a:sym typeface="Arial"/>
         </a:defRPr>
       </a:lvl6pPr>
-      <a:lvl7pPr lvl="6" marR="0" rtl="0" algn="l">
+      <a:lvl7pPr marR="0" lvl="6" algn="l" rtl="0">
         <a:lnSpc>
           <a:spcPct val="100000"/>
         </a:lnSpc>
@@ -5613,7 +5956,7 @@
           <a:srgbClr val="000000"/>
         </a:buClr>
         <a:buFont typeface="Arial"/>
-        <a:defRPr b="0" i="0" sz="1400" u="none" cap="none" strike="noStrike">
+        <a:defRPr sz="1400" b="0" i="0" u="none" strike="noStrike" cap="none">
           <a:solidFill>
             <a:srgbClr val="000000"/>
           </a:solidFill>
@@ -5623,7 +5966,7 @@
           <a:sym typeface="Arial"/>
         </a:defRPr>
       </a:lvl7pPr>
-      <a:lvl8pPr lvl="7" marR="0" rtl="0" algn="l">
+      <a:lvl8pPr marR="0" lvl="7" algn="l" rtl="0">
         <a:lnSpc>
           <a:spcPct val="100000"/>
         </a:lnSpc>
@@ -5637,7 +5980,7 @@
           <a:srgbClr val="000000"/>
         </a:buClr>
         <a:buFont typeface="Arial"/>
-        <a:defRPr b="0" i="0" sz="1400" u="none" cap="none" strike="noStrike">
+        <a:defRPr sz="1400" b="0" i="0" u="none" strike="noStrike" cap="none">
           <a:solidFill>
             <a:srgbClr val="000000"/>
           </a:solidFill>
@@ -5647,7 +5990,7 @@
           <a:sym typeface="Arial"/>
         </a:defRPr>
       </a:lvl8pPr>
-      <a:lvl9pPr lvl="8" marR="0" rtl="0" algn="l">
+      <a:lvl9pPr marR="0" lvl="8" algn="l" rtl="0">
         <a:lnSpc>
           <a:spcPct val="100000"/>
         </a:lnSpc>
@@ -5661,7 +6004,7 @@
           <a:srgbClr val="000000"/>
         </a:buClr>
         <a:buFont typeface="Arial"/>
-        <a:defRPr b="0" i="0" sz="1400" u="none" cap="none" strike="noStrike">
+        <a:defRPr sz="1400" b="0" i="0" u="none" strike="noStrike" cap="none">
           <a:solidFill>
             <a:srgbClr val="000000"/>
           </a:solidFill>
@@ -5673,7 +6016,7 @@
       </a:lvl9pPr>
     </p:titleStyle>
     <p:bodyStyle>
-      <a:defPPr lvl="0" marR="0" rtl="0" algn="l">
+      <a:defPPr marR="0" lvl="0" algn="l" rtl="0">
         <a:lnSpc>
           <a:spcPct val="100000"/>
         </a:lnSpc>
@@ -5684,7 +6027,7 @@
           <a:spcPts val="0"/>
         </a:spcAft>
       </a:defPPr>
-      <a:lvl1pPr lvl="0" marR="0" rtl="0" algn="l">
+      <a:lvl1pPr marR="0" lvl="0" algn="l" rtl="0">
         <a:lnSpc>
           <a:spcPct val="100000"/>
         </a:lnSpc>
@@ -5698,7 +6041,7 @@
           <a:srgbClr val="000000"/>
         </a:buClr>
         <a:buFont typeface="Arial"/>
-        <a:defRPr b="0" i="0" sz="1400" u="none" cap="none" strike="noStrike">
+        <a:defRPr sz="1400" b="0" i="0" u="none" strike="noStrike" cap="none">
           <a:solidFill>
             <a:srgbClr val="000000"/>
           </a:solidFill>
@@ -5708,7 +6051,7 @@
           <a:sym typeface="Arial"/>
         </a:defRPr>
       </a:lvl1pPr>
-      <a:lvl2pPr lvl="1" marR="0" rtl="0" algn="l">
+      <a:lvl2pPr marR="0" lvl="1" algn="l" rtl="0">
         <a:lnSpc>
           <a:spcPct val="100000"/>
         </a:lnSpc>
@@ -5722,7 +6065,7 @@
           <a:srgbClr val="000000"/>
         </a:buClr>
         <a:buFont typeface="Arial"/>
-        <a:defRPr b="0" i="0" sz="1400" u="none" cap="none" strike="noStrike">
+        <a:defRPr sz="1400" b="0" i="0" u="none" strike="noStrike" cap="none">
           <a:solidFill>
             <a:srgbClr val="000000"/>
           </a:solidFill>
@@ -5732,7 +6075,7 @@
           <a:sym typeface="Arial"/>
         </a:defRPr>
       </a:lvl2pPr>
-      <a:lvl3pPr lvl="2" marR="0" rtl="0" algn="l">
+      <a:lvl3pPr marR="0" lvl="2" algn="l" rtl="0">
         <a:lnSpc>
           <a:spcPct val="100000"/>
         </a:lnSpc>
@@ -5746,7 +6089,7 @@
           <a:srgbClr val="000000"/>
         </a:buClr>
         <a:buFont typeface="Arial"/>
-        <a:defRPr b="0" i="0" sz="1400" u="none" cap="none" strike="noStrike">
+        <a:defRPr sz="1400" b="0" i="0" u="none" strike="noStrike" cap="none">
           <a:solidFill>
             <a:srgbClr val="000000"/>
           </a:solidFill>
@@ -5756,7 +6099,7 @@
           <a:sym typeface="Arial"/>
         </a:defRPr>
       </a:lvl3pPr>
-      <a:lvl4pPr lvl="3" marR="0" rtl="0" algn="l">
+      <a:lvl4pPr marR="0" lvl="3" algn="l" rtl="0">
         <a:lnSpc>
           <a:spcPct val="100000"/>
         </a:lnSpc>
@@ -5770,7 +6113,7 @@
           <a:srgbClr val="000000"/>
         </a:buClr>
         <a:buFont typeface="Arial"/>
-        <a:defRPr b="0" i="0" sz="1400" u="none" cap="none" strike="noStrike">
+        <a:defRPr sz="1400" b="0" i="0" u="none" strike="noStrike" cap="none">
           <a:solidFill>
             <a:srgbClr val="000000"/>
           </a:solidFill>
@@ -5780,7 +6123,7 @@
           <a:sym typeface="Arial"/>
         </a:defRPr>
       </a:lvl4pPr>
-      <a:lvl5pPr lvl="4" marR="0" rtl="0" algn="l">
+      <a:lvl5pPr marR="0" lvl="4" algn="l" rtl="0">
         <a:lnSpc>
           <a:spcPct val="100000"/>
         </a:lnSpc>
@@ -5794,7 +6137,7 @@
           <a:srgbClr val="000000"/>
         </a:buClr>
         <a:buFont typeface="Arial"/>
-        <a:defRPr b="0" i="0" sz="1400" u="none" cap="none" strike="noStrike">
+        <a:defRPr sz="1400" b="0" i="0" u="none" strike="noStrike" cap="none">
           <a:solidFill>
             <a:srgbClr val="000000"/>
           </a:solidFill>
@@ -5804,7 +6147,7 @@
           <a:sym typeface="Arial"/>
         </a:defRPr>
       </a:lvl5pPr>
-      <a:lvl6pPr lvl="5" marR="0" rtl="0" algn="l">
+      <a:lvl6pPr marR="0" lvl="5" algn="l" rtl="0">
         <a:lnSpc>
           <a:spcPct val="100000"/>
         </a:lnSpc>
@@ -5818,7 +6161,7 @@
           <a:srgbClr val="000000"/>
         </a:buClr>
         <a:buFont typeface="Arial"/>
-        <a:defRPr b="0" i="0" sz="1400" u="none" cap="none" strike="noStrike">
+        <a:defRPr sz="1400" b="0" i="0" u="none" strike="noStrike" cap="none">
           <a:solidFill>
             <a:srgbClr val="000000"/>
           </a:solidFill>
@@ -5828,7 +6171,7 @@
           <a:sym typeface="Arial"/>
         </a:defRPr>
       </a:lvl6pPr>
-      <a:lvl7pPr lvl="6" marR="0" rtl="0" algn="l">
+      <a:lvl7pPr marR="0" lvl="6" algn="l" rtl="0">
         <a:lnSpc>
           <a:spcPct val="100000"/>
         </a:lnSpc>
@@ -5842,7 +6185,7 @@
           <a:srgbClr val="000000"/>
         </a:buClr>
         <a:buFont typeface="Arial"/>
-        <a:defRPr b="0" i="0" sz="1400" u="none" cap="none" strike="noStrike">
+        <a:defRPr sz="1400" b="0" i="0" u="none" strike="noStrike" cap="none">
           <a:solidFill>
             <a:srgbClr val="000000"/>
           </a:solidFill>
@@ -5852,7 +6195,7 @@
           <a:sym typeface="Arial"/>
         </a:defRPr>
       </a:lvl7pPr>
-      <a:lvl8pPr lvl="7" marR="0" rtl="0" algn="l">
+      <a:lvl8pPr marR="0" lvl="7" algn="l" rtl="0">
         <a:lnSpc>
           <a:spcPct val="100000"/>
         </a:lnSpc>
@@ -5866,7 +6209,7 @@
           <a:srgbClr val="000000"/>
         </a:buClr>
         <a:buFont typeface="Arial"/>
-        <a:defRPr b="0" i="0" sz="1400" u="none" cap="none" strike="noStrike">
+        <a:defRPr sz="1400" b="0" i="0" u="none" strike="noStrike" cap="none">
           <a:solidFill>
             <a:srgbClr val="000000"/>
           </a:solidFill>
@@ -5876,7 +6219,7 @@
           <a:sym typeface="Arial"/>
         </a:defRPr>
       </a:lvl8pPr>
-      <a:lvl9pPr lvl="8" marR="0" rtl="0" algn="l">
+      <a:lvl9pPr marR="0" lvl="8" algn="l" rtl="0">
         <a:lnSpc>
           <a:spcPct val="100000"/>
         </a:lnSpc>
@@ -5890,7 +6233,7 @@
           <a:srgbClr val="000000"/>
         </a:buClr>
         <a:buFont typeface="Arial"/>
-        <a:defRPr b="0" i="0" sz="1400" u="none" cap="none" strike="noStrike">
+        <a:defRPr sz="1400" b="0" i="0" u="none" strike="noStrike" cap="none">
           <a:solidFill>
             <a:srgbClr val="000000"/>
           </a:solidFill>
@@ -5902,7 +6245,7 @@
       </a:lvl9pPr>
     </p:bodyStyle>
     <p:otherStyle>
-      <a:defPPr lvl="0" marR="0" rtl="0" algn="l">
+      <a:defPPr marR="0" lvl="0" algn="l" rtl="0">
         <a:lnSpc>
           <a:spcPct val="100000"/>
         </a:lnSpc>
@@ -5913,7 +6256,7 @@
           <a:spcPts val="0"/>
         </a:spcAft>
       </a:defPPr>
-      <a:lvl1pPr lvl="0" marR="0" rtl="0" algn="l">
+      <a:lvl1pPr marR="0" lvl="0" algn="l" rtl="0">
         <a:lnSpc>
           <a:spcPct val="100000"/>
         </a:lnSpc>
@@ -5927,7 +6270,7 @@
           <a:srgbClr val="000000"/>
         </a:buClr>
         <a:buFont typeface="Arial"/>
-        <a:defRPr b="0" i="0" sz="1400" u="none" cap="none" strike="noStrike">
+        <a:defRPr sz="1400" b="0" i="0" u="none" strike="noStrike" cap="none">
           <a:solidFill>
             <a:srgbClr val="000000"/>
           </a:solidFill>
@@ -5937,7 +6280,7 @@
           <a:sym typeface="Arial"/>
         </a:defRPr>
       </a:lvl1pPr>
-      <a:lvl2pPr lvl="1" marR="0" rtl="0" algn="l">
+      <a:lvl2pPr marR="0" lvl="1" algn="l" rtl="0">
         <a:lnSpc>
           <a:spcPct val="100000"/>
         </a:lnSpc>
@@ -5951,7 +6294,7 @@
           <a:srgbClr val="000000"/>
         </a:buClr>
         <a:buFont typeface="Arial"/>
-        <a:defRPr b="0" i="0" sz="1400" u="none" cap="none" strike="noStrike">
+        <a:defRPr sz="1400" b="0" i="0" u="none" strike="noStrike" cap="none">
           <a:solidFill>
             <a:srgbClr val="000000"/>
           </a:solidFill>
@@ -5961,7 +6304,7 @@
           <a:sym typeface="Arial"/>
         </a:defRPr>
       </a:lvl2pPr>
-      <a:lvl3pPr lvl="2" marR="0" rtl="0" algn="l">
+      <a:lvl3pPr marR="0" lvl="2" algn="l" rtl="0">
         <a:lnSpc>
           <a:spcPct val="100000"/>
         </a:lnSpc>
@@ -5975,7 +6318,7 @@
           <a:srgbClr val="000000"/>
         </a:buClr>
         <a:buFont typeface="Arial"/>
-        <a:defRPr b="0" i="0" sz="1400" u="none" cap="none" strike="noStrike">
+        <a:defRPr sz="1400" b="0" i="0" u="none" strike="noStrike" cap="none">
           <a:solidFill>
             <a:srgbClr val="000000"/>
           </a:solidFill>
@@ -5985,7 +6328,7 @@
           <a:sym typeface="Arial"/>
         </a:defRPr>
       </a:lvl3pPr>
-      <a:lvl4pPr lvl="3" marR="0" rtl="0" algn="l">
+      <a:lvl4pPr marR="0" lvl="3" algn="l" rtl="0">
         <a:lnSpc>
           <a:spcPct val="100000"/>
         </a:lnSpc>
@@ -5999,7 +6342,7 @@
           <a:srgbClr val="000000"/>
         </a:buClr>
         <a:buFont typeface="Arial"/>
-        <a:defRPr b="0" i="0" sz="1400" u="none" cap="none" strike="noStrike">
+        <a:defRPr sz="1400" b="0" i="0" u="none" strike="noStrike" cap="none">
           <a:solidFill>
             <a:srgbClr val="000000"/>
           </a:solidFill>
@@ -6009,7 +6352,7 @@
           <a:sym typeface="Arial"/>
         </a:defRPr>
       </a:lvl4pPr>
-      <a:lvl5pPr lvl="4" marR="0" rtl="0" algn="l">
+      <a:lvl5pPr marR="0" lvl="4" algn="l" rtl="0">
         <a:lnSpc>
           <a:spcPct val="100000"/>
         </a:lnSpc>
@@ -6023,7 +6366,7 @@
           <a:srgbClr val="000000"/>
         </a:buClr>
         <a:buFont typeface="Arial"/>
-        <a:defRPr b="0" i="0" sz="1400" u="none" cap="none" strike="noStrike">
+        <a:defRPr sz="1400" b="0" i="0" u="none" strike="noStrike" cap="none">
           <a:solidFill>
             <a:srgbClr val="000000"/>
           </a:solidFill>
@@ -6033,7 +6376,7 @@
           <a:sym typeface="Arial"/>
         </a:defRPr>
       </a:lvl5pPr>
-      <a:lvl6pPr lvl="5" marR="0" rtl="0" algn="l">
+      <a:lvl6pPr marR="0" lvl="5" algn="l" rtl="0">
         <a:lnSpc>
           <a:spcPct val="100000"/>
         </a:lnSpc>
@@ -6047,7 +6390,7 @@
           <a:srgbClr val="000000"/>
         </a:buClr>
         <a:buFont typeface="Arial"/>
-        <a:defRPr b="0" i="0" sz="1400" u="none" cap="none" strike="noStrike">
+        <a:defRPr sz="1400" b="0" i="0" u="none" strike="noStrike" cap="none">
           <a:solidFill>
             <a:srgbClr val="000000"/>
           </a:solidFill>
@@ -6057,7 +6400,7 @@
           <a:sym typeface="Arial"/>
         </a:defRPr>
       </a:lvl6pPr>
-      <a:lvl7pPr lvl="6" marR="0" rtl="0" algn="l">
+      <a:lvl7pPr marR="0" lvl="6" algn="l" rtl="0">
         <a:lnSpc>
           <a:spcPct val="100000"/>
         </a:lnSpc>
@@ -6071,7 +6414,7 @@
           <a:srgbClr val="000000"/>
         </a:buClr>
         <a:buFont typeface="Arial"/>
-        <a:defRPr b="0" i="0" sz="1400" u="none" cap="none" strike="noStrike">
+        <a:defRPr sz="1400" b="0" i="0" u="none" strike="noStrike" cap="none">
           <a:solidFill>
             <a:srgbClr val="000000"/>
           </a:solidFill>
@@ -6081,7 +6424,7 @@
           <a:sym typeface="Arial"/>
         </a:defRPr>
       </a:lvl7pPr>
-      <a:lvl8pPr lvl="7" marR="0" rtl="0" algn="l">
+      <a:lvl8pPr marR="0" lvl="7" algn="l" rtl="0">
         <a:lnSpc>
           <a:spcPct val="100000"/>
         </a:lnSpc>
@@ -6095,7 +6438,7 @@
           <a:srgbClr val="000000"/>
         </a:buClr>
         <a:buFont typeface="Arial"/>
-        <a:defRPr b="0" i="0" sz="1400" u="none" cap="none" strike="noStrike">
+        <a:defRPr sz="1400" b="0" i="0" u="none" strike="noStrike" cap="none">
           <a:solidFill>
             <a:srgbClr val="000000"/>
           </a:solidFill>
@@ -6105,7 +6448,7 @@
           <a:sym typeface="Arial"/>
         </a:defRPr>
       </a:lvl8pPr>
-      <a:lvl9pPr lvl="8" marR="0" rtl="0" algn="l">
+      <a:lvl9pPr marR="0" lvl="8" algn="l" rtl="0">
         <a:lnSpc>
           <a:spcPct val="100000"/>
         </a:lnSpc>
@@ -6119,7 +6462,7 @@
           <a:srgbClr val="000000"/>
         </a:buClr>
         <a:buFont typeface="Arial"/>
-        <a:defRPr b="0" i="0" sz="1400" u="none" cap="none" strike="noStrike">
+        <a:defRPr sz="1400" b="0" i="0" u="none" strike="noStrike" cap="none">
           <a:solidFill>
             <a:srgbClr val="000000"/>
           </a:solidFill>
@@ -6135,11 +6478,11 @@
 </file>
 
 <file path=ppt/slides/slide1.xml><?xml version="1.0" encoding="utf-8"?>
-<p:sld xmlns:a="http://schemas.openxmlformats.org/drawingml/2006/main" xmlns:r="http://schemas.openxmlformats.org/officeDocument/2006/relationships" xmlns:mc="http://schemas.openxmlformats.org/markup-compatibility/2006" xmlns:mv="urn:schemas-microsoft-com:mac:vml" xmlns:p="http://schemas.openxmlformats.org/presentationml/2006/main" xmlns:c="http://schemas.openxmlformats.org/drawingml/2006/chart" xmlns:dgm="http://schemas.openxmlformats.org/drawingml/2006/diagram" xmlns:o="urn:schemas-microsoft-com:office:office" xmlns:v="urn:schemas-microsoft-com:vml" xmlns:pvml="urn:schemas-microsoft-com:office:powerpoint" xmlns:com="http://schemas.openxmlformats.org/drawingml/2006/compatibility" xmlns:p14="http://schemas.microsoft.com/office/powerpoint/2010/main" xmlns:p15="http://schemas.microsoft.com/office/powerpoint/2012/main" xmlns:ahyp="http://schemas.microsoft.com/office/drawing/2018/hyperlinkcolor">
+<p:sld xmlns:a="http://schemas.openxmlformats.org/drawingml/2006/main" xmlns:r="http://schemas.openxmlformats.org/officeDocument/2006/relationships" xmlns:p="http://schemas.openxmlformats.org/presentationml/2006/main">
   <p:cSld>
     <p:spTree>
       <p:nvGrpSpPr>
-        <p:cNvPr id="53" name="Shape 53"/>
+        <p:cNvPr id="1" name="Shape 53"/>
         <p:cNvGrpSpPr/>
         <p:nvPr/>
       </p:nvGrpSpPr>
@@ -6154,7 +6497,9 @@
       <p:sp>
         <p:nvSpPr>
           <p:cNvPr id="54" name="Google Shape;54;p13"/>
-          <p:cNvSpPr txBox="1"/>
+          <p:cNvSpPr txBox="1">
+            <a:spLocks noGrp="1"/>
+          </p:cNvSpPr>
           <p:nvPr>
             <p:ph type="ctrTitle"/>
           </p:nvPr>
@@ -6169,12 +6514,12 @@
           </a:prstGeom>
         </p:spPr>
         <p:txBody>
-          <a:bodyPr anchorCtr="0" anchor="b" bIns="91425" lIns="91425" spcFirstLastPara="1" rIns="91425" wrap="square" tIns="91425">
+          <a:bodyPr spcFirstLastPara="1" wrap="square" lIns="91425" tIns="91425" rIns="91425" bIns="91425" anchor="b" anchorCtr="0">
             <a:normAutofit/>
           </a:bodyPr>
           <a:lstStyle/>
           <a:p>
-            <a:pPr indent="0" lvl="0" marL="0" rtl="0" algn="ctr">
+            <a:pPr marL="0" lvl="0" indent="0" algn="ctr" rtl="0">
               <a:spcBef>
                 <a:spcPts val="0"/>
               </a:spcBef>
@@ -6194,9 +6539,11 @@
       <p:sp>
         <p:nvSpPr>
           <p:cNvPr id="55" name="Google Shape;55;p13"/>
-          <p:cNvSpPr txBox="1"/>
+          <p:cNvSpPr txBox="1">
+            <a:spLocks noGrp="1"/>
+          </p:cNvSpPr>
           <p:nvPr>
-            <p:ph idx="1" type="subTitle"/>
+            <p:ph type="subTitle" idx="1"/>
           </p:nvPr>
         </p:nvSpPr>
         <p:spPr>
@@ -6209,12 +6556,12 @@
           </a:prstGeom>
         </p:spPr>
         <p:txBody>
-          <a:bodyPr anchorCtr="0" anchor="t" bIns="91425" lIns="91425" spcFirstLastPara="1" rIns="91425" wrap="square" tIns="91425">
+          <a:bodyPr spcFirstLastPara="1" wrap="square" lIns="91425" tIns="91425" rIns="91425" bIns="91425" anchor="t" anchorCtr="0">
             <a:normAutofit fontScale="92500"/>
           </a:bodyPr>
           <a:lstStyle/>
           <a:p>
-            <a:pPr indent="0" lvl="0" marL="0" rtl="0" algn="ctr">
+            <a:pPr marL="0" lvl="0" indent="0" algn="ctr" rtl="0">
               <a:spcBef>
                 <a:spcPts val="0"/>
               </a:spcBef>
@@ -6225,11 +6572,116 @@
             </a:pPr>
             <a:r>
               <a:rPr lang="en"/>
-              <a:t> Analyzing the Winners and Losers of America’s </a:t>
+              <a:t> Analyzing the Winners and Losers of America’s Pastime</a:t>
             </a:r>
+            <a:endParaRPr/>
+          </a:p>
+        </p:txBody>
+      </p:sp>
+    </p:spTree>
+  </p:cSld>
+  <p:clrMapOvr>
+    <a:masterClrMapping/>
+  </p:clrMapOvr>
+</p:sld>
+</file>
+
+<file path=ppt/slides/slide10.xml><?xml version="1.0" encoding="utf-8"?>
+<p:sld xmlns:a="http://schemas.openxmlformats.org/drawingml/2006/main" xmlns:r="http://schemas.openxmlformats.org/officeDocument/2006/relationships" xmlns:p="http://schemas.openxmlformats.org/presentationml/2006/main">
+  <p:cSld>
+    <p:spTree>
+      <p:nvGrpSpPr>
+        <p:cNvPr id="1" name="Shape 95"/>
+        <p:cNvGrpSpPr/>
+        <p:nvPr/>
+      </p:nvGrpSpPr>
+      <p:grpSpPr>
+        <a:xfrm>
+          <a:off x="0" y="0"/>
+          <a:ext cx="0" cy="0"/>
+          <a:chOff x="0" y="0"/>
+          <a:chExt cx="0" cy="0"/>
+        </a:xfrm>
+      </p:grpSpPr>
+      <p:sp>
+        <p:nvSpPr>
+          <p:cNvPr id="96" name="Google Shape;96;p20"/>
+          <p:cNvSpPr txBox="1">
+            <a:spLocks noGrp="1"/>
+          </p:cNvSpPr>
+          <p:nvPr>
+            <p:ph type="title"/>
+          </p:nvPr>
+        </p:nvSpPr>
+        <p:spPr>
+          <a:xfrm>
+            <a:off x="311700" y="445025"/>
+            <a:ext cx="8520600" cy="572700"/>
+          </a:xfrm>
+          <a:prstGeom prst="rect">
+            <a:avLst/>
+          </a:prstGeom>
+        </p:spPr>
+        <p:txBody>
+          <a:bodyPr spcFirstLastPara="1" wrap="square" lIns="91425" tIns="91425" rIns="91425" bIns="91425" anchor="t" anchorCtr="0">
+            <a:normAutofit fontScale="90000"/>
+          </a:bodyPr>
+          <a:lstStyle/>
+          <a:p>
+            <a:pPr marL="0" lvl="0" indent="0" algn="l" rtl="0">
+              <a:spcBef>
+                <a:spcPts val="0"/>
+              </a:spcBef>
+              <a:spcAft>
+                <a:spcPts val="0"/>
+              </a:spcAft>
+              <a:buNone/>
+            </a:pPr>
             <a:r>
               <a:rPr lang="en"/>
-              <a:t>Pastime</a:t>
+              <a:t>Tableau Dashboard	</a:t>
+            </a:r>
+            <a:endParaRPr/>
+          </a:p>
+        </p:txBody>
+      </p:sp>
+      <p:sp>
+        <p:nvSpPr>
+          <p:cNvPr id="97" name="Google Shape;97;p20"/>
+          <p:cNvSpPr txBox="1">
+            <a:spLocks noGrp="1"/>
+          </p:cNvSpPr>
+          <p:nvPr>
+            <p:ph type="body" idx="1"/>
+          </p:nvPr>
+        </p:nvSpPr>
+        <p:spPr>
+          <a:xfrm>
+            <a:off x="311700" y="1152475"/>
+            <a:ext cx="8520600" cy="3416400"/>
+          </a:xfrm>
+          <a:prstGeom prst="rect">
+            <a:avLst/>
+          </a:prstGeom>
+        </p:spPr>
+        <p:txBody>
+          <a:bodyPr spcFirstLastPara="1" wrap="square" lIns="91425" tIns="91425" rIns="91425" bIns="91425" anchor="t" anchorCtr="0">
+            <a:normAutofit/>
+          </a:bodyPr>
+          <a:lstStyle/>
+          <a:p>
+            <a:pPr marL="0" lvl="0" indent="0" algn="l" rtl="0">
+              <a:spcBef>
+                <a:spcPts val="0"/>
+              </a:spcBef>
+              <a:spcAft>
+                <a:spcPts val="1200"/>
+              </a:spcAft>
+              <a:buNone/>
+            </a:pPr>
+            <a:r>
+              <a:rPr lang="en"/>
+              <a:t>LINK TO DASHBOARD &amp; INSTRUCTIONS WILL GO HERE</a:t>
             </a:r>
             <a:endParaRPr/>
           </a:p>
@@ -6244,11 +6696,11 @@
 </file>
 
 <file path=ppt/slides/slide2.xml><?xml version="1.0" encoding="utf-8"?>
-<p:sld xmlns:a="http://schemas.openxmlformats.org/drawingml/2006/main" xmlns:r="http://schemas.openxmlformats.org/officeDocument/2006/relationships" xmlns:mc="http://schemas.openxmlformats.org/markup-compatibility/2006" xmlns:mv="urn:schemas-microsoft-com:mac:vml" xmlns:p="http://schemas.openxmlformats.org/presentationml/2006/main" xmlns:c="http://schemas.openxmlformats.org/drawingml/2006/chart" xmlns:dgm="http://schemas.openxmlformats.org/drawingml/2006/diagram" xmlns:o="urn:schemas-microsoft-com:office:office" xmlns:v="urn:schemas-microsoft-com:vml" xmlns:pvml="urn:schemas-microsoft-com:office:powerpoint" xmlns:com="http://schemas.openxmlformats.org/drawingml/2006/compatibility" xmlns:p14="http://schemas.microsoft.com/office/powerpoint/2010/main" xmlns:p15="http://schemas.microsoft.com/office/powerpoint/2012/main" xmlns:ahyp="http://schemas.microsoft.com/office/drawing/2018/hyperlinkcolor">
+<p:sld xmlns:a="http://schemas.openxmlformats.org/drawingml/2006/main" xmlns:r="http://schemas.openxmlformats.org/officeDocument/2006/relationships" xmlns:p="http://schemas.openxmlformats.org/presentationml/2006/main">
   <p:cSld>
     <p:spTree>
       <p:nvGrpSpPr>
-        <p:cNvPr id="59" name="Shape 59"/>
+        <p:cNvPr id="1" name="Shape 59"/>
         <p:cNvGrpSpPr/>
         <p:nvPr/>
       </p:nvGrpSpPr>
@@ -6263,7 +6715,9 @@
       <p:sp>
         <p:nvSpPr>
           <p:cNvPr id="60" name="Google Shape;60;p14"/>
-          <p:cNvSpPr txBox="1"/>
+          <p:cNvSpPr txBox="1">
+            <a:spLocks noGrp="1"/>
+          </p:cNvSpPr>
           <p:nvPr>
             <p:ph type="title"/>
           </p:nvPr>
@@ -6278,12 +6732,12 @@
           </a:prstGeom>
         </p:spPr>
         <p:txBody>
-          <a:bodyPr anchorCtr="0" anchor="t" bIns="91425" lIns="91425" spcFirstLastPara="1" rIns="91425" wrap="square" tIns="91425">
+          <a:bodyPr spcFirstLastPara="1" wrap="square" lIns="91425" tIns="91425" rIns="91425" bIns="91425" anchor="t" anchorCtr="0">
             <a:normAutofit fontScale="90000"/>
           </a:bodyPr>
           <a:lstStyle/>
           <a:p>
-            <a:pPr indent="0" lvl="0" marL="0" rtl="0" algn="l">
+            <a:pPr marL="0" lvl="0" indent="0" algn="l" rtl="0">
               <a:spcBef>
                 <a:spcPts val="0"/>
               </a:spcBef>
@@ -6303,9 +6757,11 @@
       <p:sp>
         <p:nvSpPr>
           <p:cNvPr id="61" name="Google Shape;61;p14"/>
-          <p:cNvSpPr txBox="1"/>
+          <p:cNvSpPr txBox="1">
+            <a:spLocks noGrp="1"/>
+          </p:cNvSpPr>
           <p:nvPr>
-            <p:ph idx="1" type="body"/>
+            <p:ph type="body" idx="1"/>
           </p:nvPr>
         </p:nvSpPr>
         <p:spPr>
@@ -6318,12 +6774,12 @@
           </a:prstGeom>
         </p:spPr>
         <p:txBody>
-          <a:bodyPr anchorCtr="0" anchor="t" bIns="91425" lIns="91425" spcFirstLastPara="1" rIns="91425" wrap="square" tIns="91425">
+          <a:bodyPr spcFirstLastPara="1" wrap="square" lIns="91425" tIns="91425" rIns="91425" bIns="91425" anchor="t" anchorCtr="0">
             <a:normAutofit/>
           </a:bodyPr>
           <a:lstStyle/>
           <a:p>
-            <a:pPr indent="0" lvl="0" marL="0" rtl="0" algn="l">
+            <a:pPr marL="0" lvl="0" indent="0" algn="l" rtl="0">
               <a:spcBef>
                 <a:spcPts val="0"/>
               </a:spcBef>
@@ -6339,7 +6795,7 @@
             <a:endParaRPr/>
           </a:p>
           <a:p>
-            <a:pPr indent="0" lvl="0" marL="0" rtl="0" algn="l">
+            <a:pPr marL="0" lvl="0" indent="0" algn="l" rtl="0">
               <a:spcBef>
                 <a:spcPts val="1200"/>
               </a:spcBef>
@@ -6348,13 +6804,10 @@
               </a:spcAft>
               <a:buNone/>
             </a:pPr>
-            <a:r>
-              <a:t/>
-            </a:r>
             <a:endParaRPr/>
           </a:p>
           <a:p>
-            <a:pPr indent="0" lvl="0" marL="0" rtl="0" algn="l">
+            <a:pPr marL="0" lvl="0" indent="0" algn="l" rtl="0">
               <a:spcBef>
                 <a:spcPts val="1200"/>
               </a:spcBef>
@@ -6370,7 +6823,7 @@
             <a:endParaRPr/>
           </a:p>
           <a:p>
-            <a:pPr indent="-342900" lvl="0" marL="457200" rtl="0" algn="l">
+            <a:pPr marL="457200" lvl="0" indent="-342900" algn="l" rtl="0">
               <a:spcBef>
                 <a:spcPts val="1200"/>
               </a:spcBef>
@@ -6387,7 +6840,7 @@
             <a:endParaRPr/>
           </a:p>
           <a:p>
-            <a:pPr indent="-342900" lvl="0" marL="457200" rtl="0" algn="l">
+            <a:pPr marL="457200" lvl="0" indent="-342900" algn="l" rtl="0">
               <a:spcBef>
                 <a:spcPts val="0"/>
               </a:spcBef>
@@ -6414,11 +6867,11 @@
 </file>
 
 <file path=ppt/slides/slide3.xml><?xml version="1.0" encoding="utf-8"?>
-<p:sld xmlns:a="http://schemas.openxmlformats.org/drawingml/2006/main" xmlns:r="http://schemas.openxmlformats.org/officeDocument/2006/relationships" xmlns:mc="http://schemas.openxmlformats.org/markup-compatibility/2006" xmlns:mv="urn:schemas-microsoft-com:mac:vml" xmlns:p="http://schemas.openxmlformats.org/presentationml/2006/main" xmlns:c="http://schemas.openxmlformats.org/drawingml/2006/chart" xmlns:dgm="http://schemas.openxmlformats.org/drawingml/2006/diagram" xmlns:o="urn:schemas-microsoft-com:office:office" xmlns:v="urn:schemas-microsoft-com:vml" xmlns:pvml="urn:schemas-microsoft-com:office:powerpoint" xmlns:com="http://schemas.openxmlformats.org/drawingml/2006/compatibility" xmlns:p14="http://schemas.microsoft.com/office/powerpoint/2010/main" xmlns:p15="http://schemas.microsoft.com/office/powerpoint/2012/main" xmlns:ahyp="http://schemas.microsoft.com/office/drawing/2018/hyperlinkcolor">
+<p:sld xmlns:a="http://schemas.openxmlformats.org/drawingml/2006/main" xmlns:r="http://schemas.openxmlformats.org/officeDocument/2006/relationships" xmlns:p="http://schemas.openxmlformats.org/presentationml/2006/main">
   <p:cSld>
     <p:spTree>
       <p:nvGrpSpPr>
-        <p:cNvPr id="65" name="Shape 65"/>
+        <p:cNvPr id="1" name="Shape 65"/>
         <p:cNvGrpSpPr/>
         <p:nvPr/>
       </p:nvGrpSpPr>
@@ -6433,7 +6886,9 @@
       <p:sp>
         <p:nvSpPr>
           <p:cNvPr id="66" name="Google Shape;66;p15"/>
-          <p:cNvSpPr txBox="1"/>
+          <p:cNvSpPr txBox="1">
+            <a:spLocks noGrp="1"/>
+          </p:cNvSpPr>
           <p:nvPr>
             <p:ph type="title"/>
           </p:nvPr>
@@ -6448,12 +6903,12 @@
           </a:prstGeom>
         </p:spPr>
         <p:txBody>
-          <a:bodyPr anchorCtr="0" anchor="t" bIns="91425" lIns="91425" spcFirstLastPara="1" rIns="91425" wrap="square" tIns="91425">
+          <a:bodyPr spcFirstLastPara="1" wrap="square" lIns="91425" tIns="91425" rIns="91425" bIns="91425" anchor="t" anchorCtr="0">
             <a:normAutofit fontScale="90000"/>
           </a:bodyPr>
           <a:lstStyle/>
           <a:p>
-            <a:pPr indent="0" lvl="0" marL="0" rtl="0" algn="l">
+            <a:pPr marL="0" lvl="0" indent="0" algn="l" rtl="0">
               <a:spcBef>
                 <a:spcPts val="0"/>
               </a:spcBef>
@@ -6473,9 +6928,11 @@
       <p:sp>
         <p:nvSpPr>
           <p:cNvPr id="67" name="Google Shape;67;p15"/>
-          <p:cNvSpPr txBox="1"/>
+          <p:cNvSpPr txBox="1">
+            <a:spLocks noGrp="1"/>
+          </p:cNvSpPr>
           <p:nvPr>
-            <p:ph idx="1" type="body"/>
+            <p:ph type="body" idx="1"/>
           </p:nvPr>
         </p:nvSpPr>
         <p:spPr>
@@ -6488,12 +6945,12 @@
           </a:prstGeom>
         </p:spPr>
         <p:txBody>
-          <a:bodyPr anchorCtr="0" anchor="t" bIns="91425" lIns="91425" spcFirstLastPara="1" rIns="91425" wrap="square" tIns="91425">
+          <a:bodyPr spcFirstLastPara="1" wrap="square" lIns="91425" tIns="91425" rIns="91425" bIns="91425" anchor="t" anchorCtr="0">
             <a:normAutofit lnSpcReduction="10000"/>
           </a:bodyPr>
           <a:lstStyle/>
           <a:p>
-            <a:pPr indent="0" lvl="0" marL="0" rtl="0" algn="l">
+            <a:pPr marL="0" lvl="0" indent="0" algn="l" rtl="0">
               <a:spcBef>
                 <a:spcPts val="0"/>
               </a:spcBef>
@@ -6504,20 +6961,12 @@
             </a:pPr>
             <a:r>
               <a:rPr lang="en"/>
-              <a:t>This topic was selected not just for our love of baseball, but because America’s </a:t>
-            </a:r>
-            <a:r>
-              <a:rPr lang="en"/>
-              <a:t>Pastime</a:t>
-            </a:r>
-            <a:r>
-              <a:rPr lang="en"/>
-              <a:t> has been around for over 120 years, and has an immense volume of data available for a machine learning model to incorporate.  Between fans of the game, historians, front-office types and gamblers, there will always be people interested in this data and the answers it holds.</a:t>
+              <a:t>This topic was selected not just for our love of baseball, but because America’s Pastime has been around for over 120 years, and has an immense volume of data available for a machine learning model to incorporate.  Between fans of the game, historians, front-office types and gamblers, there will always be people interested in this data and the answers it holds.</a:t>
             </a:r>
             <a:endParaRPr/>
           </a:p>
           <a:p>
-            <a:pPr indent="0" lvl="0" marL="0" rtl="0" algn="l">
+            <a:pPr marL="0" lvl="0" indent="0" algn="l" rtl="0">
               <a:spcBef>
                 <a:spcPts val="1200"/>
               </a:spcBef>
@@ -6543,11 +6992,11 @@
 </file>
 
 <file path=ppt/slides/slide4.xml><?xml version="1.0" encoding="utf-8"?>
-<p:sld xmlns:a="http://schemas.openxmlformats.org/drawingml/2006/main" xmlns:r="http://schemas.openxmlformats.org/officeDocument/2006/relationships" xmlns:mc="http://schemas.openxmlformats.org/markup-compatibility/2006" xmlns:mv="urn:schemas-microsoft-com:mac:vml" xmlns:p="http://schemas.openxmlformats.org/presentationml/2006/main" xmlns:c="http://schemas.openxmlformats.org/drawingml/2006/chart" xmlns:dgm="http://schemas.openxmlformats.org/drawingml/2006/diagram" xmlns:o="urn:schemas-microsoft-com:office:office" xmlns:v="urn:schemas-microsoft-com:vml" xmlns:pvml="urn:schemas-microsoft-com:office:powerpoint" xmlns:com="http://schemas.openxmlformats.org/drawingml/2006/compatibility" xmlns:p14="http://schemas.microsoft.com/office/powerpoint/2010/main" xmlns:p15="http://schemas.microsoft.com/office/powerpoint/2012/main" xmlns:ahyp="http://schemas.microsoft.com/office/drawing/2018/hyperlinkcolor">
+<p:sld xmlns:a="http://schemas.openxmlformats.org/drawingml/2006/main" xmlns:r="http://schemas.openxmlformats.org/officeDocument/2006/relationships" xmlns:p="http://schemas.openxmlformats.org/presentationml/2006/main">
   <p:cSld>
     <p:spTree>
       <p:nvGrpSpPr>
-        <p:cNvPr id="71" name="Shape 71"/>
+        <p:cNvPr id="1" name="Shape 71"/>
         <p:cNvGrpSpPr/>
         <p:nvPr/>
       </p:nvGrpSpPr>
@@ -6562,7 +7011,9 @@
       <p:sp>
         <p:nvSpPr>
           <p:cNvPr id="72" name="Google Shape;72;p16"/>
-          <p:cNvSpPr txBox="1"/>
+          <p:cNvSpPr txBox="1">
+            <a:spLocks noGrp="1"/>
+          </p:cNvSpPr>
           <p:nvPr>
             <p:ph type="title"/>
           </p:nvPr>
@@ -6577,12 +7028,12 @@
           </a:prstGeom>
         </p:spPr>
         <p:txBody>
-          <a:bodyPr anchorCtr="0" anchor="t" bIns="91425" lIns="91425" spcFirstLastPara="1" rIns="91425" wrap="square" tIns="91425">
+          <a:bodyPr spcFirstLastPara="1" wrap="square" lIns="91425" tIns="91425" rIns="91425" bIns="91425" anchor="t" anchorCtr="0">
             <a:normAutofit fontScale="90000"/>
           </a:bodyPr>
           <a:lstStyle/>
           <a:p>
-            <a:pPr indent="0" lvl="0" marL="0" rtl="0" algn="l">
+            <a:pPr marL="0" lvl="0" indent="0" algn="l" rtl="0">
               <a:spcBef>
                 <a:spcPts val="0"/>
               </a:spcBef>
@@ -6602,9 +7053,11 @@
       <p:sp>
         <p:nvSpPr>
           <p:cNvPr id="73" name="Google Shape;73;p16"/>
-          <p:cNvSpPr txBox="1"/>
+          <p:cNvSpPr txBox="1">
+            <a:spLocks noGrp="1"/>
+          </p:cNvSpPr>
           <p:nvPr>
-            <p:ph idx="1" type="body"/>
+            <p:ph type="body" idx="1"/>
           </p:nvPr>
         </p:nvSpPr>
         <p:spPr>
@@ -6617,12 +7070,12 @@
           </a:prstGeom>
         </p:spPr>
         <p:txBody>
-          <a:bodyPr anchorCtr="0" anchor="t" bIns="91425" lIns="91425" spcFirstLastPara="1" rIns="91425" wrap="square" tIns="91425">
+          <a:bodyPr spcFirstLastPara="1" wrap="square" lIns="91425" tIns="91425" rIns="91425" bIns="91425" anchor="t" anchorCtr="0">
             <a:normAutofit/>
           </a:bodyPr>
           <a:lstStyle/>
           <a:p>
-            <a:pPr indent="0" lvl="0" marL="0" rtl="0" algn="l">
+            <a:pPr marL="0" lvl="0" indent="0" algn="l" rtl="0">
               <a:spcBef>
                 <a:spcPts val="0"/>
               </a:spcBef>
@@ -6647,7 +7100,7 @@
             <a:endParaRPr/>
           </a:p>
           <a:p>
-            <a:pPr indent="0" lvl="0" marL="0" rtl="0" algn="l">
+            <a:pPr marL="0" lvl="0" indent="0" algn="l" rtl="0">
               <a:spcBef>
                 <a:spcPts val="1200"/>
               </a:spcBef>
@@ -6656,13 +7109,10 @@
               </a:spcAft>
               <a:buNone/>
             </a:pPr>
-            <a:r>
-              <a:t/>
-            </a:r>
             <a:endParaRPr/>
           </a:p>
           <a:p>
-            <a:pPr indent="0" lvl="0" marL="0" rtl="0" algn="l">
+            <a:pPr marL="0" lvl="0" indent="0" algn="l" rtl="0">
               <a:spcBef>
                 <a:spcPts val="1200"/>
               </a:spcBef>
@@ -6688,11 +7138,11 @@
 </file>
 
 <file path=ppt/slides/slide5.xml><?xml version="1.0" encoding="utf-8"?>
-<p:sld xmlns:a="http://schemas.openxmlformats.org/drawingml/2006/main" xmlns:r="http://schemas.openxmlformats.org/officeDocument/2006/relationships" xmlns:mc="http://schemas.openxmlformats.org/markup-compatibility/2006" xmlns:mv="urn:schemas-microsoft-com:mac:vml" xmlns:p="http://schemas.openxmlformats.org/presentationml/2006/main" xmlns:c="http://schemas.openxmlformats.org/drawingml/2006/chart" xmlns:dgm="http://schemas.openxmlformats.org/drawingml/2006/diagram" xmlns:o="urn:schemas-microsoft-com:office:office" xmlns:v="urn:schemas-microsoft-com:vml" xmlns:pvml="urn:schemas-microsoft-com:office:powerpoint" xmlns:com="http://schemas.openxmlformats.org/drawingml/2006/compatibility" xmlns:p14="http://schemas.microsoft.com/office/powerpoint/2010/main" xmlns:p15="http://schemas.microsoft.com/office/powerpoint/2012/main" xmlns:ahyp="http://schemas.microsoft.com/office/drawing/2018/hyperlinkcolor">
+<p:sld xmlns:a="http://schemas.openxmlformats.org/drawingml/2006/main" xmlns:r="http://schemas.openxmlformats.org/officeDocument/2006/relationships" xmlns:p="http://schemas.openxmlformats.org/presentationml/2006/main">
   <p:cSld>
     <p:spTree>
       <p:nvGrpSpPr>
-        <p:cNvPr id="77" name="Shape 77"/>
+        <p:cNvPr id="1" name="Shape 77"/>
         <p:cNvGrpSpPr/>
         <p:nvPr/>
       </p:nvGrpSpPr>
@@ -6707,7 +7157,9 @@
       <p:sp>
         <p:nvSpPr>
           <p:cNvPr id="78" name="Google Shape;78;p17"/>
-          <p:cNvSpPr txBox="1"/>
+          <p:cNvSpPr txBox="1">
+            <a:spLocks noGrp="1"/>
+          </p:cNvSpPr>
           <p:nvPr>
             <p:ph type="title"/>
           </p:nvPr>
@@ -6722,12 +7174,12 @@
           </a:prstGeom>
         </p:spPr>
         <p:txBody>
-          <a:bodyPr anchorCtr="0" anchor="t" bIns="91425" lIns="91425" spcFirstLastPara="1" rIns="91425" wrap="square" tIns="91425">
+          <a:bodyPr spcFirstLastPara="1" wrap="square" lIns="91425" tIns="91425" rIns="91425" bIns="91425" anchor="t" anchorCtr="0">
             <a:normAutofit fontScale="90000"/>
           </a:bodyPr>
           <a:lstStyle/>
           <a:p>
-            <a:pPr indent="0" lvl="0" marL="0" rtl="0" algn="l">
+            <a:pPr marL="0" lvl="0" indent="0" algn="l" rtl="0">
               <a:spcBef>
                 <a:spcPts val="0"/>
               </a:spcBef>
@@ -6747,9 +7199,11 @@
       <p:sp>
         <p:nvSpPr>
           <p:cNvPr id="79" name="Google Shape;79;p17"/>
-          <p:cNvSpPr txBox="1"/>
+          <p:cNvSpPr txBox="1">
+            <a:spLocks noGrp="1"/>
+          </p:cNvSpPr>
           <p:nvPr>
-            <p:ph idx="1" type="body"/>
+            <p:ph type="body" idx="1"/>
           </p:nvPr>
         </p:nvSpPr>
         <p:spPr>
@@ -6762,12 +7216,12 @@
           </a:prstGeom>
         </p:spPr>
         <p:txBody>
-          <a:bodyPr anchorCtr="0" anchor="t" bIns="91425" lIns="91425" spcFirstLastPara="1" rIns="91425" wrap="square" tIns="91425">
+          <a:bodyPr spcFirstLastPara="1" wrap="square" lIns="91425" tIns="91425" rIns="91425" bIns="91425" anchor="t" anchorCtr="0">
             <a:noAutofit/>
           </a:bodyPr>
           <a:lstStyle/>
           <a:p>
-            <a:pPr indent="0" lvl="0" marL="0" rtl="0" algn="l">
+            <a:pPr marL="0" lvl="0" indent="0" algn="l" rtl="0">
               <a:spcBef>
                 <a:spcPts val="0"/>
               </a:spcBef>
@@ -6788,7 +7242,7 @@
               <a:t>A good example of how we can look into the why behind salary information its role in successful teams. For example the 2020 Tampa Bay Rays was the lowest paid team in Major League Baseball. They ended up being American League East Division champions, then won the entire American League and then we to the 2020 World Series. </a:t>
             </a:r>
             <a:r>
-              <a:rPr b="1" lang="en" sz="1700">
+              <a:rPr lang="en" sz="1700" b="1">
                 <a:solidFill>
                   <a:srgbClr val="24292E"/>
                 </a:solidFill>
@@ -6798,7 +7252,7 @@
               </a:rPr>
               <a:t> Is team salary a bad predictor of team success?</a:t>
             </a:r>
-            <a:endParaRPr b="1" sz="1700">
+            <a:endParaRPr sz="1700" b="1">
               <a:solidFill>
                 <a:srgbClr val="24292E"/>
               </a:solidFill>
@@ -6808,7 +7262,7 @@
             </a:endParaRPr>
           </a:p>
           <a:p>
-            <a:pPr indent="0" lvl="0" marL="0" rtl="0" algn="l">
+            <a:pPr marL="0" lvl="0" indent="0" algn="l" rtl="0">
               <a:spcBef>
                 <a:spcPts val="1200"/>
               </a:spcBef>
@@ -6817,10 +7271,7 @@
               </a:spcAft>
               <a:buNone/>
             </a:pPr>
-            <a:r>
-              <a:t/>
-            </a:r>
-            <a:endParaRPr b="1" sz="1700">
+            <a:endParaRPr sz="1700" b="1">
               <a:solidFill>
                 <a:srgbClr val="24292E"/>
               </a:solidFill>
@@ -6830,7 +7281,7 @@
             </a:endParaRPr>
           </a:p>
           <a:p>
-            <a:pPr indent="0" lvl="0" marL="0" rtl="0" algn="l">
+            <a:pPr marL="0" lvl="0" indent="0" algn="l" rtl="0">
               <a:spcBef>
                 <a:spcPts val="1200"/>
               </a:spcBef>
@@ -6851,7 +7302,7 @@
               <a:t>Clayton Kershaw is one of the best pitchers in baseball and had a major role in the LA Dodgers’ win over the Rays in the 2020 World Series.  He’s also the highest paid pitcher in baseball.  </a:t>
             </a:r>
             <a:r>
-              <a:rPr b="1" lang="en" sz="1700">
+              <a:rPr lang="en" sz="1700" b="1">
                 <a:solidFill>
                   <a:srgbClr val="24292E"/>
                 </a:solidFill>
@@ -6861,7 +7312,7 @@
               </a:rPr>
               <a:t>Do his statistics justify his salary, and did they have an impact on the World Series win?  Or was he simply on the best offensive team?  </a:t>
             </a:r>
-            <a:endParaRPr b="1" sz="1700">
+            <a:endParaRPr sz="1700" b="1">
               <a:solidFill>
                 <a:srgbClr val="24292E"/>
               </a:solidFill>
@@ -6881,11 +7332,11 @@
 </file>
 
 <file path=ppt/slides/slide6.xml><?xml version="1.0" encoding="utf-8"?>
-<p:sld xmlns:a="http://schemas.openxmlformats.org/drawingml/2006/main" xmlns:r="http://schemas.openxmlformats.org/officeDocument/2006/relationships" xmlns:mc="http://schemas.openxmlformats.org/markup-compatibility/2006" xmlns:mv="urn:schemas-microsoft-com:mac:vml" xmlns:p="http://schemas.openxmlformats.org/presentationml/2006/main" xmlns:c="http://schemas.openxmlformats.org/drawingml/2006/chart" xmlns:dgm="http://schemas.openxmlformats.org/drawingml/2006/diagram" xmlns:o="urn:schemas-microsoft-com:office:office" xmlns:v="urn:schemas-microsoft-com:vml" xmlns:pvml="urn:schemas-microsoft-com:office:powerpoint" xmlns:com="http://schemas.openxmlformats.org/drawingml/2006/compatibility" xmlns:p14="http://schemas.microsoft.com/office/powerpoint/2010/main" xmlns:p15="http://schemas.microsoft.com/office/powerpoint/2012/main" xmlns:ahyp="http://schemas.microsoft.com/office/drawing/2018/hyperlinkcolor">
+<p:sld xmlns:a="http://schemas.openxmlformats.org/drawingml/2006/main" xmlns:r="http://schemas.openxmlformats.org/officeDocument/2006/relationships" xmlns:p="http://schemas.openxmlformats.org/presentationml/2006/main">
   <p:cSld>
     <p:spTree>
       <p:nvGrpSpPr>
-        <p:cNvPr id="83" name="Shape 83"/>
+        <p:cNvPr id="1" name="Shape 83"/>
         <p:cNvGrpSpPr/>
         <p:nvPr/>
       </p:nvGrpSpPr>
@@ -6900,7 +7351,9 @@
       <p:sp>
         <p:nvSpPr>
           <p:cNvPr id="84" name="Google Shape;84;p18"/>
-          <p:cNvSpPr txBox="1"/>
+          <p:cNvSpPr txBox="1">
+            <a:spLocks noGrp="1"/>
+          </p:cNvSpPr>
           <p:nvPr>
             <p:ph type="title"/>
           </p:nvPr>
@@ -6915,12 +7368,12 @@
           </a:prstGeom>
         </p:spPr>
         <p:txBody>
-          <a:bodyPr anchorCtr="0" anchor="t" bIns="91425" lIns="91425" spcFirstLastPara="1" rIns="91425" wrap="square" tIns="91425">
+          <a:bodyPr spcFirstLastPara="1" wrap="square" lIns="91425" tIns="91425" rIns="91425" bIns="91425" anchor="t" anchorCtr="0">
             <a:normAutofit fontScale="90000"/>
           </a:bodyPr>
           <a:lstStyle/>
           <a:p>
-            <a:pPr indent="0" lvl="0" marL="0" rtl="0" algn="l">
+            <a:pPr marL="0" lvl="0" indent="0" algn="l" rtl="0">
               <a:spcBef>
                 <a:spcPts val="0"/>
               </a:spcBef>
@@ -6940,9 +7393,11 @@
       <p:sp>
         <p:nvSpPr>
           <p:cNvPr id="85" name="Google Shape;85;p18"/>
-          <p:cNvSpPr txBox="1"/>
+          <p:cNvSpPr txBox="1">
+            <a:spLocks noGrp="1"/>
+          </p:cNvSpPr>
           <p:nvPr>
-            <p:ph idx="1" type="body"/>
+            <p:ph type="body" idx="1"/>
           </p:nvPr>
         </p:nvSpPr>
         <p:spPr>
@@ -6955,12 +7410,12 @@
           </a:prstGeom>
         </p:spPr>
         <p:txBody>
-          <a:bodyPr anchorCtr="0" anchor="t" bIns="91425" lIns="91425" spcFirstLastPara="1" rIns="91425" wrap="square" tIns="91425">
-            <a:normAutofit/>
+          <a:bodyPr spcFirstLastPara="1" wrap="square" lIns="91425" tIns="91425" rIns="91425" bIns="91425" anchor="t" anchorCtr="0">
+            <a:normAutofit fontScale="92500" lnSpcReduction="10000"/>
           </a:bodyPr>
           <a:lstStyle/>
           <a:p>
-            <a:pPr indent="0" lvl="0" marL="0" rtl="0" algn="l">
+            <a:pPr marL="0" lvl="0" indent="0" algn="l" rtl="0">
               <a:spcBef>
                 <a:spcPts val="0"/>
               </a:spcBef>
@@ -6970,10 +7425,76 @@
               <a:buNone/>
             </a:pPr>
             <a:r>
-              <a:rPr lang="en"/>
-              <a:t>WILL ADD BY 3/14</a:t>
+              <a:rPr lang="en-US" b="0" i="0" dirty="0">
+                <a:solidFill>
+                  <a:srgbClr val="24292E"/>
+                </a:solidFill>
+                <a:effectLst/>
+                <a:latin typeface="-apple-system"/>
+              </a:rPr>
+              <a:t>Through pre-processing the data, we chose supervised learning via a Random Forest Model. The Random Forest Model uses classification to predict based on our salary target and our features which are year, team, stats (like strikeouts), and birth year. By pairing down the data, through combining and cleaning the csv files, it really dialed in to the details of what we wanted to measure. Basing the main measures on Mike Trout's core statistics(SO,AB,R,H,HR,G,R and RBIs), we used his metrics as a baseline to look for when deciding our final goal. Also, including the ‘</a:t>
             </a:r>
-            <a:endParaRPr/>
+            <a:r>
+              <a:rPr lang="en-US" b="0" i="0" dirty="0" err="1">
+                <a:solidFill>
+                  <a:srgbClr val="24292E"/>
+                </a:solidFill>
+                <a:effectLst/>
+                <a:latin typeface="-apple-system"/>
+              </a:rPr>
+              <a:t>awardID</a:t>
+            </a:r>
+            <a:r>
+              <a:rPr lang="en-US" b="0" i="0" dirty="0">
+                <a:solidFill>
+                  <a:srgbClr val="24292E"/>
+                </a:solidFill>
+                <a:effectLst/>
+                <a:latin typeface="-apple-system"/>
+              </a:rPr>
+              <a:t>’, which shows which award each player won, and ‘</a:t>
+            </a:r>
+            <a:r>
+              <a:rPr lang="en-US" b="0" i="0" dirty="0" err="1">
+                <a:solidFill>
+                  <a:srgbClr val="24292E"/>
+                </a:solidFill>
+                <a:effectLst/>
+                <a:latin typeface="-apple-system"/>
+              </a:rPr>
+              <a:t>lgID</a:t>
+            </a:r>
+            <a:r>
+              <a:rPr lang="en-US" b="0" i="0" dirty="0">
+                <a:solidFill>
+                  <a:srgbClr val="24292E"/>
+                </a:solidFill>
+                <a:effectLst/>
+                <a:latin typeface="-apple-system"/>
+              </a:rPr>
+              <a:t>’, which shows the league in to see if that had any impact. Then the Random Forest Model interprets this information and gives an accuracy score based on what is the most impactful in deciding the salary of a player. The confusion matrix and list of </a:t>
+            </a:r>
+            <a:r>
+              <a:rPr lang="en-US" b="0" i="0" dirty="0" err="1">
+                <a:solidFill>
+                  <a:srgbClr val="24292E"/>
+                </a:solidFill>
+                <a:effectLst/>
+                <a:latin typeface="-apple-system"/>
+              </a:rPr>
+              <a:t>importances</a:t>
+            </a:r>
+            <a:r>
+              <a:rPr lang="en-US" b="0" i="0" dirty="0">
+                <a:solidFill>
+                  <a:srgbClr val="24292E"/>
+                </a:solidFill>
+                <a:effectLst/>
+                <a:latin typeface="-apple-system"/>
+              </a:rPr>
+              <a:t> each show the logic behind what determines how much to pay each player.</a:t>
+            </a:r>
+            <a:endParaRPr dirty="0"/>
           </a:p>
         </p:txBody>
       </p:sp>
@@ -6986,11 +7507,179 @@
 </file>
 
 <file path=ppt/slides/slide7.xml><?xml version="1.0" encoding="utf-8"?>
-<p:sld xmlns:a="http://schemas.openxmlformats.org/drawingml/2006/main" xmlns:r="http://schemas.openxmlformats.org/officeDocument/2006/relationships" xmlns:mc="http://schemas.openxmlformats.org/markup-compatibility/2006" xmlns:mv="urn:schemas-microsoft-com:mac:vml" xmlns:p="http://schemas.openxmlformats.org/presentationml/2006/main" xmlns:c="http://schemas.openxmlformats.org/drawingml/2006/chart" xmlns:dgm="http://schemas.openxmlformats.org/drawingml/2006/diagram" xmlns:o="urn:schemas-microsoft-com:office:office" xmlns:v="urn:schemas-microsoft-com:vml" xmlns:pvml="urn:schemas-microsoft-com:office:powerpoint" xmlns:com="http://schemas.openxmlformats.org/drawingml/2006/compatibility" xmlns:p14="http://schemas.microsoft.com/office/powerpoint/2010/main" xmlns:p15="http://schemas.microsoft.com/office/powerpoint/2012/main" xmlns:ahyp="http://schemas.microsoft.com/office/drawing/2018/hyperlinkcolor">
+<p:sld xmlns:a="http://schemas.openxmlformats.org/drawingml/2006/main" xmlns:r="http://schemas.openxmlformats.org/officeDocument/2006/relationships" xmlns:p="http://schemas.openxmlformats.org/presentationml/2006/main">
   <p:cSld>
     <p:spTree>
       <p:nvGrpSpPr>
-        <p:cNvPr id="89" name="Shape 89"/>
+        <p:cNvPr id="1" name=""/>
+        <p:cNvGrpSpPr/>
+        <p:nvPr/>
+      </p:nvGrpSpPr>
+      <p:grpSpPr>
+        <a:xfrm>
+          <a:off x="0" y="0"/>
+          <a:ext cx="0" cy="0"/>
+          <a:chOff x="0" y="0"/>
+          <a:chExt cx="0" cy="0"/>
+        </a:xfrm>
+      </p:grpSpPr>
+      <p:sp>
+        <p:nvSpPr>
+          <p:cNvPr id="2" name="Title 1">
+            <a:extLst>
+              <a:ext uri="{FF2B5EF4-FFF2-40B4-BE49-F238E27FC236}">
+                <a16:creationId xmlns:a16="http://schemas.microsoft.com/office/drawing/2014/main" id="{0E9DBD4F-7A3A-4DB0-BA6B-67E8BA95FF93}"/>
+              </a:ext>
+            </a:extLst>
+          </p:cNvPr>
+          <p:cNvSpPr>
+            <a:spLocks noGrp="1"/>
+          </p:cNvSpPr>
+          <p:nvPr>
+            <p:ph type="title"/>
+          </p:nvPr>
+        </p:nvSpPr>
+        <p:spPr/>
+        <p:txBody>
+          <a:bodyPr>
+            <a:normAutofit fontScale="90000"/>
+          </a:bodyPr>
+          <a:lstStyle/>
+          <a:p>
+            <a:r>
+              <a:rPr lang="en-US" dirty="0"/>
+              <a:t>Data Exploration	</a:t>
+            </a:r>
+          </a:p>
+        </p:txBody>
+      </p:sp>
+      <p:pic>
+        <p:nvPicPr>
+          <p:cNvPr id="2050" name="Picture 2">
+            <a:extLst>
+              <a:ext uri="{FF2B5EF4-FFF2-40B4-BE49-F238E27FC236}">
+                <a16:creationId xmlns:a16="http://schemas.microsoft.com/office/drawing/2014/main" id="{5D4F539A-AA7F-4350-9FCC-E54AA74D6C95}"/>
+              </a:ext>
+            </a:extLst>
+          </p:cNvPr>
+          <p:cNvPicPr>
+            <a:picLocks noChangeAspect="1" noChangeArrowheads="1"/>
+          </p:cNvPicPr>
+          <p:nvPr/>
+        </p:nvPicPr>
+        <p:blipFill rotWithShape="1">
+          <a:blip r:embed="rId2">
+            <a:extLst>
+              <a:ext uri="{28A0092B-C50C-407E-A947-70E740481C1C}">
+                <a14:useLocalDpi xmlns:a14="http://schemas.microsoft.com/office/drawing/2010/main" val="0"/>
+              </a:ext>
+            </a:extLst>
+          </a:blip>
+          <a:srcRect r="19056"/>
+          <a:stretch/>
+        </p:blipFill>
+        <p:spPr bwMode="auto">
+          <a:xfrm>
+            <a:off x="311701" y="1017725"/>
+            <a:ext cx="4260300" cy="3030019"/>
+          </a:xfrm>
+          <a:prstGeom prst="rect">
+            <a:avLst/>
+          </a:prstGeom>
+          <a:noFill/>
+          <a:ln>
+            <a:solidFill>
+              <a:schemeClr val="tx1">
+                <a:lumMod val="85000"/>
+                <a:lumOff val="15000"/>
+              </a:schemeClr>
+            </a:solidFill>
+          </a:ln>
+          <a:extLst>
+            <a:ext uri="{909E8E84-426E-40DD-AFC4-6F175D3DCCD1}">
+              <a14:hiddenFill xmlns:a14="http://schemas.microsoft.com/office/drawing/2010/main">
+                <a:solidFill>
+                  <a:srgbClr val="FFFFFF"/>
+                </a:solidFill>
+              </a14:hiddenFill>
+            </a:ext>
+          </a:extLst>
+        </p:spPr>
+      </p:pic>
+      <p:pic>
+        <p:nvPicPr>
+          <p:cNvPr id="2052" name="Picture 4">
+            <a:extLst>
+              <a:ext uri="{FF2B5EF4-FFF2-40B4-BE49-F238E27FC236}">
+                <a16:creationId xmlns:a16="http://schemas.microsoft.com/office/drawing/2014/main" id="{E754BBDE-8A7E-47D3-9E56-ED7D30E314A1}"/>
+              </a:ext>
+            </a:extLst>
+          </p:cNvPr>
+          <p:cNvPicPr>
+            <a:picLocks noChangeAspect="1" noChangeArrowheads="1"/>
+          </p:cNvPicPr>
+          <p:nvPr/>
+        </p:nvPicPr>
+        <p:blipFill>
+          <a:blip r:embed="rId3">
+            <a:extLst>
+              <a:ext uri="{28A0092B-C50C-407E-A947-70E740481C1C}">
+                <a14:useLocalDpi xmlns:a14="http://schemas.microsoft.com/office/drawing/2010/main" val="0"/>
+              </a:ext>
+            </a:extLst>
+          </a:blip>
+          <a:srcRect/>
+          <a:stretch>
+            <a:fillRect/>
+          </a:stretch>
+        </p:blipFill>
+        <p:spPr bwMode="auto">
+          <a:xfrm>
+            <a:off x="4808939" y="1017725"/>
+            <a:ext cx="4023361" cy="2441067"/>
+          </a:xfrm>
+          <a:prstGeom prst="rect">
+            <a:avLst/>
+          </a:prstGeom>
+          <a:noFill/>
+          <a:ln>
+            <a:solidFill>
+              <a:schemeClr val="tx1">
+                <a:lumMod val="85000"/>
+                <a:lumOff val="15000"/>
+              </a:schemeClr>
+            </a:solidFill>
+          </a:ln>
+          <a:extLst>
+            <a:ext uri="{909E8E84-426E-40DD-AFC4-6F175D3DCCD1}">
+              <a14:hiddenFill xmlns:a14="http://schemas.microsoft.com/office/drawing/2010/main">
+                <a:solidFill>
+                  <a:srgbClr val="FFFFFF"/>
+                </a:solidFill>
+              </a14:hiddenFill>
+            </a:ext>
+          </a:extLst>
+        </p:spPr>
+      </p:pic>
+    </p:spTree>
+    <p:extLst>
+      <p:ext uri="{BB962C8B-B14F-4D97-AF65-F5344CB8AC3E}">
+        <p14:creationId xmlns:p14="http://schemas.microsoft.com/office/powerpoint/2010/main" val="3543593437"/>
+      </p:ext>
+    </p:extLst>
+  </p:cSld>
+  <p:clrMapOvr>
+    <a:masterClrMapping/>
+  </p:clrMapOvr>
+</p:sld>
+</file>
+
+<file path=ppt/slides/slide8.xml><?xml version="1.0" encoding="utf-8"?>
+<p:sld xmlns:a="http://schemas.openxmlformats.org/drawingml/2006/main" xmlns:r="http://schemas.openxmlformats.org/officeDocument/2006/relationships" xmlns:p="http://schemas.openxmlformats.org/presentationml/2006/main">
+  <p:cSld>
+    <p:spTree>
+      <p:nvGrpSpPr>
+        <p:cNvPr id="1" name="Shape 89"/>
         <p:cNvGrpSpPr/>
         <p:nvPr/>
       </p:nvGrpSpPr>
@@ -7005,7 +7694,9 @@
       <p:sp>
         <p:nvSpPr>
           <p:cNvPr id="90" name="Google Shape;90;p19"/>
-          <p:cNvSpPr txBox="1"/>
+          <p:cNvSpPr txBox="1">
+            <a:spLocks noGrp="1"/>
+          </p:cNvSpPr>
           <p:nvPr>
             <p:ph type="title"/>
           </p:nvPr>
@@ -7020,12 +7711,12 @@
           </a:prstGeom>
         </p:spPr>
         <p:txBody>
-          <a:bodyPr anchorCtr="0" anchor="t" bIns="91425" lIns="91425" spcFirstLastPara="1" rIns="91425" wrap="square" tIns="91425">
+          <a:bodyPr spcFirstLastPara="1" wrap="square" lIns="91425" tIns="91425" rIns="91425" bIns="91425" anchor="t" anchorCtr="0">
             <a:normAutofit fontScale="90000"/>
           </a:bodyPr>
           <a:lstStyle/>
           <a:p>
-            <a:pPr indent="0" lvl="0" marL="0" rtl="0" algn="l">
+            <a:pPr marL="0" lvl="0" indent="0" algn="l" rtl="0">
               <a:spcBef>
                 <a:spcPts val="0"/>
               </a:spcBef>
@@ -7042,46 +7733,100 @@
           </a:p>
         </p:txBody>
       </p:sp>
-      <p:sp>
-        <p:nvSpPr>
-          <p:cNvPr id="91" name="Google Shape;91;p19"/>
-          <p:cNvSpPr txBox="1"/>
-          <p:nvPr>
-            <p:ph idx="1" type="body"/>
-          </p:nvPr>
-        </p:nvSpPr>
-        <p:spPr>
+      <p:pic>
+        <p:nvPicPr>
+          <p:cNvPr id="3074" name="Picture 2">
+            <a:extLst>
+              <a:ext uri="{FF2B5EF4-FFF2-40B4-BE49-F238E27FC236}">
+                <a16:creationId xmlns:a16="http://schemas.microsoft.com/office/drawing/2014/main" id="{ACD536C7-D465-4E0A-9F75-4DF6E5669397}"/>
+              </a:ext>
+            </a:extLst>
+          </p:cNvPr>
+          <p:cNvPicPr>
+            <a:picLocks noChangeAspect="1" noChangeArrowheads="1"/>
+          </p:cNvPicPr>
+          <p:nvPr/>
+        </p:nvPicPr>
+        <p:blipFill>
+          <a:blip r:embed="rId3">
+            <a:extLst>
+              <a:ext uri="{28A0092B-C50C-407E-A947-70E740481C1C}">
+                <a14:useLocalDpi xmlns:a14="http://schemas.microsoft.com/office/drawing/2010/main" val="0"/>
+              </a:ext>
+            </a:extLst>
+          </a:blip>
+          <a:srcRect/>
+          <a:stretch>
+            <a:fillRect/>
+          </a:stretch>
+        </p:blipFill>
+        <p:spPr bwMode="auto">
           <a:xfrm>
-            <a:off x="311700" y="1152475"/>
-            <a:ext cx="8520600" cy="3416400"/>
+            <a:off x="36576" y="1017725"/>
+            <a:ext cx="4114800" cy="2743200"/>
           </a:xfrm>
           <a:prstGeom prst="rect">
             <a:avLst/>
           </a:prstGeom>
+          <a:noFill/>
+          <a:extLst>
+            <a:ext uri="{909E8E84-426E-40DD-AFC4-6F175D3DCCD1}">
+              <a14:hiddenFill xmlns:a14="http://schemas.microsoft.com/office/drawing/2010/main">
+                <a:solidFill>
+                  <a:srgbClr val="FFFFFF"/>
+                </a:solidFill>
+              </a14:hiddenFill>
+            </a:ext>
+          </a:extLst>
         </p:spPr>
-        <p:txBody>
-          <a:bodyPr anchorCtr="0" anchor="t" bIns="91425" lIns="91425" spcFirstLastPara="1" rIns="91425" wrap="square" tIns="91425">
-            <a:normAutofit/>
-          </a:bodyPr>
-          <a:lstStyle/>
-          <a:p>
-            <a:pPr indent="0" lvl="0" marL="0" rtl="0" algn="l">
-              <a:spcBef>
-                <a:spcPts val="0"/>
-              </a:spcBef>
-              <a:spcAft>
-                <a:spcPts val="1200"/>
-              </a:spcAft>
-              <a:buNone/>
-            </a:pPr>
-            <a:r>
-              <a:rPr lang="en"/>
-              <a:t>WILL ADD BY 3/14</a:t>
-            </a:r>
-            <a:endParaRPr/>
-          </a:p>
-        </p:txBody>
-      </p:sp>
+      </p:pic>
+      <p:pic>
+        <p:nvPicPr>
+          <p:cNvPr id="3076" name="Picture 4">
+            <a:extLst>
+              <a:ext uri="{FF2B5EF4-FFF2-40B4-BE49-F238E27FC236}">
+                <a16:creationId xmlns:a16="http://schemas.microsoft.com/office/drawing/2014/main" id="{F0459CCA-7BE6-441B-8374-A2B122F05584}"/>
+              </a:ext>
+            </a:extLst>
+          </p:cNvPr>
+          <p:cNvPicPr>
+            <a:picLocks noChangeAspect="1" noChangeArrowheads="1"/>
+          </p:cNvPicPr>
+          <p:nvPr/>
+        </p:nvPicPr>
+        <p:blipFill>
+          <a:blip r:embed="rId4">
+            <a:extLst>
+              <a:ext uri="{28A0092B-C50C-407E-A947-70E740481C1C}">
+                <a14:useLocalDpi xmlns:a14="http://schemas.microsoft.com/office/drawing/2010/main" val="0"/>
+              </a:ext>
+            </a:extLst>
+          </a:blip>
+          <a:srcRect/>
+          <a:stretch>
+            <a:fillRect/>
+          </a:stretch>
+        </p:blipFill>
+        <p:spPr bwMode="auto">
+          <a:xfrm>
+            <a:off x="4632960" y="1017725"/>
+            <a:ext cx="4114800" cy="2743200"/>
+          </a:xfrm>
+          <a:prstGeom prst="rect">
+            <a:avLst/>
+          </a:prstGeom>
+          <a:noFill/>
+          <a:extLst>
+            <a:ext uri="{909E8E84-426E-40DD-AFC4-6F175D3DCCD1}">
+              <a14:hiddenFill xmlns:a14="http://schemas.microsoft.com/office/drawing/2010/main">
+                <a:solidFill>
+                  <a:srgbClr val="FFFFFF"/>
+                </a:solidFill>
+              </a14:hiddenFill>
+            </a:ext>
+          </a:extLst>
+        </p:spPr>
+      </p:pic>
     </p:spTree>
   </p:cSld>
   <p:clrMapOvr>
@@ -7090,12 +7835,12 @@
 </p:sld>
 </file>
 
-<file path=ppt/slides/slide8.xml><?xml version="1.0" encoding="utf-8"?>
-<p:sld xmlns:a="http://schemas.openxmlformats.org/drawingml/2006/main" xmlns:r="http://schemas.openxmlformats.org/officeDocument/2006/relationships" xmlns:mc="http://schemas.openxmlformats.org/markup-compatibility/2006" xmlns:mv="urn:schemas-microsoft-com:mac:vml" xmlns:p="http://schemas.openxmlformats.org/presentationml/2006/main" xmlns:c="http://schemas.openxmlformats.org/drawingml/2006/chart" xmlns:dgm="http://schemas.openxmlformats.org/drawingml/2006/diagram" xmlns:o="urn:schemas-microsoft-com:office:office" xmlns:v="urn:schemas-microsoft-com:vml" xmlns:pvml="urn:schemas-microsoft-com:office:powerpoint" xmlns:com="http://schemas.openxmlformats.org/drawingml/2006/compatibility" xmlns:p14="http://schemas.microsoft.com/office/powerpoint/2010/main" xmlns:p15="http://schemas.microsoft.com/office/powerpoint/2012/main" xmlns:ahyp="http://schemas.microsoft.com/office/drawing/2018/hyperlinkcolor">
+<file path=ppt/slides/slide9.xml><?xml version="1.0" encoding="utf-8"?>
+<p:sld xmlns:a="http://schemas.openxmlformats.org/drawingml/2006/main" xmlns:r="http://schemas.openxmlformats.org/officeDocument/2006/relationships" xmlns:p="http://schemas.openxmlformats.org/presentationml/2006/main">
   <p:cSld>
     <p:spTree>
       <p:nvGrpSpPr>
-        <p:cNvPr id="95" name="Shape 95"/>
+        <p:cNvPr id="1" name=""/>
         <p:cNvGrpSpPr/>
         <p:nvPr/>
       </p:nvGrpSpPr>
@@ -7109,85 +7854,131 @@
       </p:grpSpPr>
       <p:sp>
         <p:nvSpPr>
-          <p:cNvPr id="96" name="Google Shape;96;p20"/>
-          <p:cNvSpPr txBox="1"/>
+          <p:cNvPr id="2" name="Title 1">
+            <a:extLst>
+              <a:ext uri="{FF2B5EF4-FFF2-40B4-BE49-F238E27FC236}">
+                <a16:creationId xmlns:a16="http://schemas.microsoft.com/office/drawing/2014/main" id="{3F52A02E-34A1-4EC2-A880-72DA9C5708C8}"/>
+              </a:ext>
+            </a:extLst>
+          </p:cNvPr>
+          <p:cNvSpPr>
+            <a:spLocks noGrp="1"/>
+          </p:cNvSpPr>
           <p:nvPr>
             <p:ph type="title"/>
           </p:nvPr>
         </p:nvSpPr>
-        <p:spPr>
+        <p:spPr/>
+        <p:txBody>
+          <a:bodyPr>
+            <a:normAutofit fontScale="90000"/>
+          </a:bodyPr>
+          <a:lstStyle/>
+          <a:p>
+            <a:r>
+              <a:rPr lang="en-US" dirty="0"/>
+              <a:t>Analysis</a:t>
+            </a:r>
+          </a:p>
+        </p:txBody>
+      </p:sp>
+      <p:pic>
+        <p:nvPicPr>
+          <p:cNvPr id="4100" name="Picture 4">
+            <a:extLst>
+              <a:ext uri="{FF2B5EF4-FFF2-40B4-BE49-F238E27FC236}">
+                <a16:creationId xmlns:a16="http://schemas.microsoft.com/office/drawing/2014/main" id="{67956C32-5F9C-4EE8-9E55-7A52A0315093}"/>
+              </a:ext>
+            </a:extLst>
+          </p:cNvPr>
+          <p:cNvPicPr>
+            <a:picLocks noChangeAspect="1" noChangeArrowheads="1"/>
+          </p:cNvPicPr>
+          <p:nvPr/>
+        </p:nvPicPr>
+        <p:blipFill rotWithShape="1">
+          <a:blip r:embed="rId2">
+            <a:extLst>
+              <a:ext uri="{28A0092B-C50C-407E-A947-70E740481C1C}">
+                <a14:useLocalDpi xmlns:a14="http://schemas.microsoft.com/office/drawing/2010/main" val="0"/>
+              </a:ext>
+            </a:extLst>
+          </a:blip>
+          <a:srcRect l="13684" t="10452" r="6777" b="9739"/>
+          <a:stretch/>
+        </p:blipFill>
+        <p:spPr bwMode="auto">
           <a:xfrm>
-            <a:off x="311700" y="445025"/>
-            <a:ext cx="8520600" cy="572700"/>
+            <a:off x="4840223" y="914400"/>
+            <a:ext cx="3572257" cy="3584448"/>
           </a:xfrm>
           <a:prstGeom prst="rect">
             <a:avLst/>
           </a:prstGeom>
+          <a:noFill/>
+          <a:extLst>
+            <a:ext uri="{909E8E84-426E-40DD-AFC4-6F175D3DCCD1}">
+              <a14:hiddenFill xmlns:a14="http://schemas.microsoft.com/office/drawing/2010/main">
+                <a:solidFill>
+                  <a:srgbClr val="FFFFFF"/>
+                </a:solidFill>
+              </a14:hiddenFill>
+            </a:ext>
+          </a:extLst>
         </p:spPr>
-        <p:txBody>
-          <a:bodyPr anchorCtr="0" anchor="t" bIns="91425" lIns="91425" spcFirstLastPara="1" rIns="91425" wrap="square" tIns="91425">
-            <a:normAutofit fontScale="90000"/>
-          </a:bodyPr>
-          <a:lstStyle/>
-          <a:p>
-            <a:pPr indent="0" lvl="0" marL="0" rtl="0" algn="l">
-              <a:spcBef>
-                <a:spcPts val="0"/>
-              </a:spcBef>
-              <a:spcAft>
-                <a:spcPts val="0"/>
-              </a:spcAft>
-              <a:buNone/>
-            </a:pPr>
-            <a:r>
-              <a:rPr lang="en"/>
-              <a:t>Tableau Dashboard	</a:t>
-            </a:r>
-            <a:endParaRPr/>
-          </a:p>
-        </p:txBody>
-      </p:sp>
-      <p:sp>
-        <p:nvSpPr>
-          <p:cNvPr id="97" name="Google Shape;97;p20"/>
-          <p:cNvSpPr txBox="1"/>
-          <p:nvPr>
-            <p:ph idx="1" type="body"/>
-          </p:nvPr>
-        </p:nvSpPr>
-        <p:spPr>
+      </p:pic>
+      <p:pic>
+        <p:nvPicPr>
+          <p:cNvPr id="4102" name="Picture 6">
+            <a:extLst>
+              <a:ext uri="{FF2B5EF4-FFF2-40B4-BE49-F238E27FC236}">
+                <a16:creationId xmlns:a16="http://schemas.microsoft.com/office/drawing/2014/main" id="{619C2A00-83BA-43EA-9876-F0D182849D47}"/>
+              </a:ext>
+            </a:extLst>
+          </p:cNvPr>
+          <p:cNvPicPr>
+            <a:picLocks noChangeAspect="1" noChangeArrowheads="1"/>
+          </p:cNvPicPr>
+          <p:nvPr/>
+        </p:nvPicPr>
+        <p:blipFill rotWithShape="1">
+          <a:blip r:embed="rId3">
+            <a:alphaModFix amt="99000"/>
+            <a:extLst>
+              <a:ext uri="{28A0092B-C50C-407E-A947-70E740481C1C}">
+                <a14:useLocalDpi xmlns:a14="http://schemas.microsoft.com/office/drawing/2010/main" val="0"/>
+              </a:ext>
+            </a:extLst>
+          </a:blip>
+          <a:srcRect l="9021" t="12532" r="9338" b="6921"/>
+          <a:stretch/>
+        </p:blipFill>
+        <p:spPr bwMode="auto">
           <a:xfrm>
-            <a:off x="311700" y="1152475"/>
-            <a:ext cx="8520600" cy="3416400"/>
+            <a:off x="841248" y="1017725"/>
+            <a:ext cx="3730752" cy="3680750"/>
           </a:xfrm>
           <a:prstGeom prst="rect">
             <a:avLst/>
           </a:prstGeom>
+          <a:noFill/>
+          <a:extLst>
+            <a:ext uri="{909E8E84-426E-40DD-AFC4-6F175D3DCCD1}">
+              <a14:hiddenFill xmlns:a14="http://schemas.microsoft.com/office/drawing/2010/main">
+                <a:solidFill>
+                  <a:srgbClr val="FFFFFF"/>
+                </a:solidFill>
+              </a14:hiddenFill>
+            </a:ext>
+          </a:extLst>
         </p:spPr>
-        <p:txBody>
-          <a:bodyPr anchorCtr="0" anchor="t" bIns="91425" lIns="91425" spcFirstLastPara="1" rIns="91425" wrap="square" tIns="91425">
-            <a:normAutofit/>
-          </a:bodyPr>
-          <a:lstStyle/>
-          <a:p>
-            <a:pPr indent="0" lvl="0" marL="0" rtl="0" algn="l">
-              <a:spcBef>
-                <a:spcPts val="0"/>
-              </a:spcBef>
-              <a:spcAft>
-                <a:spcPts val="1200"/>
-              </a:spcAft>
-              <a:buNone/>
-            </a:pPr>
-            <a:r>
-              <a:rPr lang="en"/>
-              <a:t>LINK TO DASHBOARD &amp; INSTRUCTIONS WILL GO HERE</a:t>
-            </a:r>
-            <a:endParaRPr/>
-          </a:p>
-        </p:txBody>
-      </p:sp>
+      </p:pic>
     </p:spTree>
+    <p:extLst>
+      <p:ext uri="{BB962C8B-B14F-4D97-AF65-F5344CB8AC3E}">
+        <p14:creationId xmlns:p14="http://schemas.microsoft.com/office/powerpoint/2010/main" val="3177623391"/>
+      </p:ext>
+    </p:extLst>
   </p:cSld>
   <p:clrMapOvr>
     <a:masterClrMapping/>
@@ -7196,7 +7987,7 @@
 </file>
 
 <file path=ppt/theme/theme1.xml><?xml version="1.0" encoding="utf-8"?>
-<a:theme xmlns:a="http://schemas.openxmlformats.org/drawingml/2006/main" xmlns:r="http://schemas.openxmlformats.org/officeDocument/2006/relationships" name="Simple Light">
+<a:theme xmlns:a="http://schemas.openxmlformats.org/drawingml/2006/main" name="Simple Light">
   <a:themeElements>
     <a:clrScheme name="Simple Light">
       <a:dk1>
@@ -7471,11 +8262,13 @@
       </a:bgFillStyleLst>
     </a:fmtScheme>
   </a:themeElements>
+  <a:objectDefaults/>
+  <a:extraClrSchemeLst/>
 </a:theme>
 </file>
 
 <file path=ppt/theme/theme2.xml><?xml version="1.0" encoding="utf-8"?>
-<a:theme xmlns:a="http://schemas.openxmlformats.org/drawingml/2006/main" xmlns:r="http://schemas.openxmlformats.org/officeDocument/2006/relationships">
+<a:theme xmlns:a="http://schemas.openxmlformats.org/drawingml/2006/main">
   <a:themeElements>
     <a:clrScheme name="Default">
       <a:dk1>
@@ -7750,5 +8543,7 @@
       </a:bgFillStyleLst>
     </a:fmtScheme>
   </a:themeElements>
+  <a:objectDefaults/>
+  <a:extraClrSchemeLst/>
 </a:theme>
 </file>